--- a/trunk/Docs/Final Project Presenatation.pptx
+++ b/trunk/Docs/Final Project Presenatation.pptx
@@ -2,8 +2,11 @@
 <file path=ppt/presentation.xml><?xml version="1.0" encoding="utf-8"?>
 <p:presentation xmlns:a="http://schemas.openxmlformats.org/drawingml/2006/main" xmlns:r="http://schemas.openxmlformats.org/officeDocument/2006/relationships" xmlns:p="http://schemas.openxmlformats.org/presentationml/2006/main" saveSubsetFonts="1">
   <p:sldMasterIdLst>
-    <p:sldMasterId id="2147483648" r:id="rId1"/>
+    <p:sldMasterId id="2147483678" r:id="rId1"/>
   </p:sldMasterIdLst>
+  <p:notesMasterIdLst>
+    <p:notesMasterId r:id="rId41"/>
+  </p:notesMasterIdLst>
   <p:sldIdLst>
     <p:sldId id="257" r:id="rId2"/>
     <p:sldId id="258" r:id="rId3"/>
@@ -13,14 +16,37 @@
     <p:sldId id="264" r:id="rId7"/>
     <p:sldId id="265" r:id="rId8"/>
     <p:sldId id="266" r:id="rId9"/>
-    <p:sldId id="269" r:id="rId10"/>
-    <p:sldId id="272" r:id="rId11"/>
-    <p:sldId id="271" r:id="rId12"/>
-    <p:sldId id="273" r:id="rId13"/>
-    <p:sldId id="274" r:id="rId14"/>
-    <p:sldId id="275" r:id="rId15"/>
-    <p:sldId id="262" r:id="rId16"/>
-    <p:sldId id="263" r:id="rId17"/>
+    <p:sldId id="301" r:id="rId10"/>
+    <p:sldId id="269" r:id="rId11"/>
+    <p:sldId id="272" r:id="rId12"/>
+    <p:sldId id="271" r:id="rId13"/>
+    <p:sldId id="273" r:id="rId14"/>
+    <p:sldId id="274" r:id="rId15"/>
+    <p:sldId id="275" r:id="rId16"/>
+    <p:sldId id="262" r:id="rId17"/>
+    <p:sldId id="263" r:id="rId18"/>
+    <p:sldId id="276" r:id="rId19"/>
+    <p:sldId id="277" r:id="rId20"/>
+    <p:sldId id="280" r:id="rId21"/>
+    <p:sldId id="279" r:id="rId22"/>
+    <p:sldId id="278" r:id="rId23"/>
+    <p:sldId id="281" r:id="rId24"/>
+    <p:sldId id="282" r:id="rId25"/>
+    <p:sldId id="283" r:id="rId26"/>
+    <p:sldId id="284" r:id="rId27"/>
+    <p:sldId id="285" r:id="rId28"/>
+    <p:sldId id="286" r:id="rId29"/>
+    <p:sldId id="289" r:id="rId30"/>
+    <p:sldId id="292" r:id="rId31"/>
+    <p:sldId id="291" r:id="rId32"/>
+    <p:sldId id="290" r:id="rId33"/>
+    <p:sldId id="293" r:id="rId34"/>
+    <p:sldId id="295" r:id="rId35"/>
+    <p:sldId id="297" r:id="rId36"/>
+    <p:sldId id="296" r:id="rId37"/>
+    <p:sldId id="298" r:id="rId38"/>
+    <p:sldId id="299" r:id="rId39"/>
+    <p:sldId id="300" r:id="rId40"/>
   </p:sldIdLst>
   <p:sldSz cx="12192000" cy="6858000"/>
   <p:notesSz cx="6858000" cy="9144000"/>
@@ -119,7 +145,451 @@
       </a:defRPr>
     </a:lvl9pPr>
   </p:defaultTextStyle>
+  <p:extLst>
+    <p:ext uri="{EFAFB233-063F-42B5-8137-9DF3F51BA10A}">
+      <p15:sldGuideLst xmlns:p15="http://schemas.microsoft.com/office/powerpoint/2012/main"/>
+    </p:ext>
+  </p:extLst>
 </p:presentation>
+</file>
+
+<file path=ppt/notesMasters/notesMaster1.xml><?xml version="1.0" encoding="utf-8"?>
+<p:notesMaster xmlns:a="http://schemas.openxmlformats.org/drawingml/2006/main" xmlns:r="http://schemas.openxmlformats.org/officeDocument/2006/relationships" xmlns:p="http://schemas.openxmlformats.org/presentationml/2006/main">
+  <p:cSld>
+    <p:bg>
+      <p:bgRef idx="1001">
+        <a:schemeClr val="bg1"/>
+      </p:bgRef>
+    </p:bg>
+    <p:spTree>
+      <p:nvGrpSpPr>
+        <p:cNvPr id="1" name=""/>
+        <p:cNvGrpSpPr/>
+        <p:nvPr/>
+      </p:nvGrpSpPr>
+      <p:grpSpPr>
+        <a:xfrm>
+          <a:off x="0" y="0"/>
+          <a:ext cx="0" cy="0"/>
+          <a:chOff x="0" y="0"/>
+          <a:chExt cx="0" cy="0"/>
+        </a:xfrm>
+      </p:grpSpPr>
+      <p:sp>
+        <p:nvSpPr>
+          <p:cNvPr id="2" name="Header Placeholder 1"/>
+          <p:cNvSpPr>
+            <a:spLocks noGrp="1"/>
+          </p:cNvSpPr>
+          <p:nvPr>
+            <p:ph type="hdr" sz="quarter"/>
+          </p:nvPr>
+        </p:nvSpPr>
+        <p:spPr>
+          <a:xfrm>
+            <a:off x="0" y="0"/>
+            <a:ext cx="2971800" cy="458788"/>
+          </a:xfrm>
+          <a:prstGeom prst="rect">
+            <a:avLst/>
+          </a:prstGeom>
+        </p:spPr>
+        <p:txBody>
+          <a:bodyPr vert="horz" lIns="91440" tIns="45720" rIns="91440" bIns="45720" rtlCol="0"/>
+          <a:lstStyle>
+            <a:lvl1pPr algn="l">
+              <a:defRPr sz="1200"/>
+            </a:lvl1pPr>
+          </a:lstStyle>
+          <a:p>
+            <a:endParaRPr lang="en-US"/>
+          </a:p>
+        </p:txBody>
+      </p:sp>
+      <p:sp>
+        <p:nvSpPr>
+          <p:cNvPr id="3" name="Date Placeholder 2"/>
+          <p:cNvSpPr>
+            <a:spLocks noGrp="1"/>
+          </p:cNvSpPr>
+          <p:nvPr>
+            <p:ph type="dt" idx="1"/>
+          </p:nvPr>
+        </p:nvSpPr>
+        <p:spPr>
+          <a:xfrm>
+            <a:off x="3884613" y="0"/>
+            <a:ext cx="2971800" cy="458788"/>
+          </a:xfrm>
+          <a:prstGeom prst="rect">
+            <a:avLst/>
+          </a:prstGeom>
+        </p:spPr>
+        <p:txBody>
+          <a:bodyPr vert="horz" lIns="91440" tIns="45720" rIns="91440" bIns="45720" rtlCol="0"/>
+          <a:lstStyle>
+            <a:lvl1pPr algn="r">
+              <a:defRPr sz="1200"/>
+            </a:lvl1pPr>
+          </a:lstStyle>
+          <a:p>
+            <a:fld id="{7F52DACC-9372-4B88-B35E-68E31700FBD0}" type="datetimeFigureOut">
+              <a:rPr lang="en-US" smtClean="0"/>
+              <a:t>6/3/2014</a:t>
+            </a:fld>
+            <a:endParaRPr lang="en-US"/>
+          </a:p>
+        </p:txBody>
+      </p:sp>
+      <p:sp>
+        <p:nvSpPr>
+          <p:cNvPr id="4" name="Slide Image Placeholder 3"/>
+          <p:cNvSpPr>
+            <a:spLocks noGrp="1" noRot="1" noChangeAspect="1"/>
+          </p:cNvSpPr>
+          <p:nvPr>
+            <p:ph type="sldImg" idx="2"/>
+          </p:nvPr>
+        </p:nvSpPr>
+        <p:spPr>
+          <a:xfrm>
+            <a:off x="685800" y="1143000"/>
+            <a:ext cx="5486400" cy="3086100"/>
+          </a:xfrm>
+          <a:prstGeom prst="rect">
+            <a:avLst/>
+          </a:prstGeom>
+          <a:noFill/>
+          <a:ln w="12700">
+            <a:solidFill>
+              <a:prstClr val="black"/>
+            </a:solidFill>
+          </a:ln>
+        </p:spPr>
+        <p:txBody>
+          <a:bodyPr vert="horz" lIns="91440" tIns="45720" rIns="91440" bIns="45720" rtlCol="0" anchor="ctr"/>
+          <a:lstStyle/>
+          <a:p>
+            <a:endParaRPr lang="en-US"/>
+          </a:p>
+        </p:txBody>
+      </p:sp>
+      <p:sp>
+        <p:nvSpPr>
+          <p:cNvPr id="5" name="Notes Placeholder 4"/>
+          <p:cNvSpPr>
+            <a:spLocks noGrp="1"/>
+          </p:cNvSpPr>
+          <p:nvPr>
+            <p:ph type="body" sz="quarter" idx="3"/>
+          </p:nvPr>
+        </p:nvSpPr>
+        <p:spPr>
+          <a:xfrm>
+            <a:off x="685800" y="4400550"/>
+            <a:ext cx="5486400" cy="3600450"/>
+          </a:xfrm>
+          <a:prstGeom prst="rect">
+            <a:avLst/>
+          </a:prstGeom>
+        </p:spPr>
+        <p:txBody>
+          <a:bodyPr vert="horz" lIns="91440" tIns="45720" rIns="91440" bIns="45720" rtlCol="0"/>
+          <a:lstStyle/>
+          <a:p>
+            <a:pPr lvl="0"/>
+            <a:r>
+              <a:rPr lang="en-US" smtClean="0"/>
+              <a:t>Click to edit Master text styles</a:t>
+            </a:r>
+          </a:p>
+          <a:p>
+            <a:pPr lvl="1"/>
+            <a:r>
+              <a:rPr lang="en-US" smtClean="0"/>
+              <a:t>Second level</a:t>
+            </a:r>
+          </a:p>
+          <a:p>
+            <a:pPr lvl="2"/>
+            <a:r>
+              <a:rPr lang="en-US" smtClean="0"/>
+              <a:t>Third level</a:t>
+            </a:r>
+          </a:p>
+          <a:p>
+            <a:pPr lvl="3"/>
+            <a:r>
+              <a:rPr lang="en-US" smtClean="0"/>
+              <a:t>Fourth level</a:t>
+            </a:r>
+          </a:p>
+          <a:p>
+            <a:pPr lvl="4"/>
+            <a:r>
+              <a:rPr lang="en-US" smtClean="0"/>
+              <a:t>Fifth level</a:t>
+            </a:r>
+            <a:endParaRPr lang="en-US"/>
+          </a:p>
+        </p:txBody>
+      </p:sp>
+      <p:sp>
+        <p:nvSpPr>
+          <p:cNvPr id="6" name="Footer Placeholder 5"/>
+          <p:cNvSpPr>
+            <a:spLocks noGrp="1"/>
+          </p:cNvSpPr>
+          <p:nvPr>
+            <p:ph type="ftr" sz="quarter" idx="4"/>
+          </p:nvPr>
+        </p:nvSpPr>
+        <p:spPr>
+          <a:xfrm>
+            <a:off x="0" y="8685213"/>
+            <a:ext cx="2971800" cy="458787"/>
+          </a:xfrm>
+          <a:prstGeom prst="rect">
+            <a:avLst/>
+          </a:prstGeom>
+        </p:spPr>
+        <p:txBody>
+          <a:bodyPr vert="horz" lIns="91440" tIns="45720" rIns="91440" bIns="45720" rtlCol="0" anchor="b"/>
+          <a:lstStyle>
+            <a:lvl1pPr algn="l">
+              <a:defRPr sz="1200"/>
+            </a:lvl1pPr>
+          </a:lstStyle>
+          <a:p>
+            <a:endParaRPr lang="en-US"/>
+          </a:p>
+        </p:txBody>
+      </p:sp>
+      <p:sp>
+        <p:nvSpPr>
+          <p:cNvPr id="7" name="Slide Number Placeholder 6"/>
+          <p:cNvSpPr>
+            <a:spLocks noGrp="1"/>
+          </p:cNvSpPr>
+          <p:nvPr>
+            <p:ph type="sldNum" sz="quarter" idx="5"/>
+          </p:nvPr>
+        </p:nvSpPr>
+        <p:spPr>
+          <a:xfrm>
+            <a:off x="3884613" y="8685213"/>
+            <a:ext cx="2971800" cy="458787"/>
+          </a:xfrm>
+          <a:prstGeom prst="rect">
+            <a:avLst/>
+          </a:prstGeom>
+        </p:spPr>
+        <p:txBody>
+          <a:bodyPr vert="horz" lIns="91440" tIns="45720" rIns="91440" bIns="45720" rtlCol="0" anchor="b"/>
+          <a:lstStyle>
+            <a:lvl1pPr algn="r">
+              <a:defRPr sz="1200"/>
+            </a:lvl1pPr>
+          </a:lstStyle>
+          <a:p>
+            <a:fld id="{7D110CA3-8B20-4D57-B62A-49945965E192}" type="slidenum">
+              <a:rPr lang="en-US" smtClean="0"/>
+              <a:t>‹#›</a:t>
+            </a:fld>
+            <a:endParaRPr lang="en-US"/>
+          </a:p>
+        </p:txBody>
+      </p:sp>
+    </p:spTree>
+    <p:extLst>
+      <p:ext uri="{BB962C8B-B14F-4D97-AF65-F5344CB8AC3E}">
+        <p14:creationId xmlns:p14="http://schemas.microsoft.com/office/powerpoint/2010/main" val="1500478443"/>
+      </p:ext>
+    </p:extLst>
+  </p:cSld>
+  <p:clrMap bg1="lt1" tx1="dk1" bg2="lt2" tx2="dk2" accent1="accent1" accent2="accent2" accent3="accent3" accent4="accent4" accent5="accent5" accent6="accent6" hlink="hlink" folHlink="folHlink"/>
+  <p:notesStyle>
+    <a:lvl1pPr marL="0" algn="l" defTabSz="914400" rtl="0" eaLnBrk="1" latinLnBrk="0" hangingPunct="1">
+      <a:defRPr sz="1200" kern="1200">
+        <a:solidFill>
+          <a:schemeClr val="tx1"/>
+        </a:solidFill>
+        <a:latin typeface="+mn-lt"/>
+        <a:ea typeface="+mn-ea"/>
+        <a:cs typeface="+mn-cs"/>
+      </a:defRPr>
+    </a:lvl1pPr>
+    <a:lvl2pPr marL="457200" algn="l" defTabSz="914400" rtl="0" eaLnBrk="1" latinLnBrk="0" hangingPunct="1">
+      <a:defRPr sz="1200" kern="1200">
+        <a:solidFill>
+          <a:schemeClr val="tx1"/>
+        </a:solidFill>
+        <a:latin typeface="+mn-lt"/>
+        <a:ea typeface="+mn-ea"/>
+        <a:cs typeface="+mn-cs"/>
+      </a:defRPr>
+    </a:lvl2pPr>
+    <a:lvl3pPr marL="914400" algn="l" defTabSz="914400" rtl="0" eaLnBrk="1" latinLnBrk="0" hangingPunct="1">
+      <a:defRPr sz="1200" kern="1200">
+        <a:solidFill>
+          <a:schemeClr val="tx1"/>
+        </a:solidFill>
+        <a:latin typeface="+mn-lt"/>
+        <a:ea typeface="+mn-ea"/>
+        <a:cs typeface="+mn-cs"/>
+      </a:defRPr>
+    </a:lvl3pPr>
+    <a:lvl4pPr marL="1371600" algn="l" defTabSz="914400" rtl="0" eaLnBrk="1" latinLnBrk="0" hangingPunct="1">
+      <a:defRPr sz="1200" kern="1200">
+        <a:solidFill>
+          <a:schemeClr val="tx1"/>
+        </a:solidFill>
+        <a:latin typeface="+mn-lt"/>
+        <a:ea typeface="+mn-ea"/>
+        <a:cs typeface="+mn-cs"/>
+      </a:defRPr>
+    </a:lvl4pPr>
+    <a:lvl5pPr marL="1828800" algn="l" defTabSz="914400" rtl="0" eaLnBrk="1" latinLnBrk="0" hangingPunct="1">
+      <a:defRPr sz="1200" kern="1200">
+        <a:solidFill>
+          <a:schemeClr val="tx1"/>
+        </a:solidFill>
+        <a:latin typeface="+mn-lt"/>
+        <a:ea typeface="+mn-ea"/>
+        <a:cs typeface="+mn-cs"/>
+      </a:defRPr>
+    </a:lvl5pPr>
+    <a:lvl6pPr marL="2286000" algn="l" defTabSz="914400" rtl="0" eaLnBrk="1" latinLnBrk="0" hangingPunct="1">
+      <a:defRPr sz="1200" kern="1200">
+        <a:solidFill>
+          <a:schemeClr val="tx1"/>
+        </a:solidFill>
+        <a:latin typeface="+mn-lt"/>
+        <a:ea typeface="+mn-ea"/>
+        <a:cs typeface="+mn-cs"/>
+      </a:defRPr>
+    </a:lvl6pPr>
+    <a:lvl7pPr marL="2743200" algn="l" defTabSz="914400" rtl="0" eaLnBrk="1" latinLnBrk="0" hangingPunct="1">
+      <a:defRPr sz="1200" kern="1200">
+        <a:solidFill>
+          <a:schemeClr val="tx1"/>
+        </a:solidFill>
+        <a:latin typeface="+mn-lt"/>
+        <a:ea typeface="+mn-ea"/>
+        <a:cs typeface="+mn-cs"/>
+      </a:defRPr>
+    </a:lvl7pPr>
+    <a:lvl8pPr marL="3200400" algn="l" defTabSz="914400" rtl="0" eaLnBrk="1" latinLnBrk="0" hangingPunct="1">
+      <a:defRPr sz="1200" kern="1200">
+        <a:solidFill>
+          <a:schemeClr val="tx1"/>
+        </a:solidFill>
+        <a:latin typeface="+mn-lt"/>
+        <a:ea typeface="+mn-ea"/>
+        <a:cs typeface="+mn-cs"/>
+      </a:defRPr>
+    </a:lvl8pPr>
+    <a:lvl9pPr marL="3657600" algn="l" defTabSz="914400" rtl="0" eaLnBrk="1" latinLnBrk="0" hangingPunct="1">
+      <a:defRPr sz="1200" kern="1200">
+        <a:solidFill>
+          <a:schemeClr val="tx1"/>
+        </a:solidFill>
+        <a:latin typeface="+mn-lt"/>
+        <a:ea typeface="+mn-ea"/>
+        <a:cs typeface="+mn-cs"/>
+      </a:defRPr>
+    </a:lvl9pPr>
+  </p:notesStyle>
+</p:notesMaster>
+</file>
+
+<file path=ppt/notesSlides/notesSlide1.xml><?xml version="1.0" encoding="utf-8"?>
+<p:notes xmlns:a="http://schemas.openxmlformats.org/drawingml/2006/main" xmlns:r="http://schemas.openxmlformats.org/officeDocument/2006/relationships" xmlns:p="http://schemas.openxmlformats.org/presentationml/2006/main">
+  <p:cSld>
+    <p:spTree>
+      <p:nvGrpSpPr>
+        <p:cNvPr id="1" name=""/>
+        <p:cNvGrpSpPr/>
+        <p:nvPr/>
+      </p:nvGrpSpPr>
+      <p:grpSpPr>
+        <a:xfrm>
+          <a:off x="0" y="0"/>
+          <a:ext cx="0" cy="0"/>
+          <a:chOff x="0" y="0"/>
+          <a:chExt cx="0" cy="0"/>
+        </a:xfrm>
+      </p:grpSpPr>
+      <p:sp>
+        <p:nvSpPr>
+          <p:cNvPr id="2" name="Slide Image Placeholder 1"/>
+          <p:cNvSpPr>
+            <a:spLocks noGrp="1" noRot="1" noChangeAspect="1"/>
+          </p:cNvSpPr>
+          <p:nvPr>
+            <p:ph type="sldImg"/>
+          </p:nvPr>
+        </p:nvSpPr>
+        <p:spPr>
+          <a:xfrm>
+            <a:off x="685800" y="1143000"/>
+            <a:ext cx="5486400" cy="3086100"/>
+          </a:xfrm>
+        </p:spPr>
+      </p:sp>
+      <p:sp>
+        <p:nvSpPr>
+          <p:cNvPr id="3" name="Notes Placeholder 2"/>
+          <p:cNvSpPr>
+            <a:spLocks noGrp="1"/>
+          </p:cNvSpPr>
+          <p:nvPr>
+            <p:ph type="body" idx="1"/>
+          </p:nvPr>
+        </p:nvSpPr>
+        <p:spPr/>
+        <p:txBody>
+          <a:bodyPr/>
+          <a:lstStyle/>
+          <a:p>
+            <a:endParaRPr lang="en-US" dirty="0"/>
+          </a:p>
+        </p:txBody>
+      </p:sp>
+      <p:sp>
+        <p:nvSpPr>
+          <p:cNvPr id="4" name="Slide Number Placeholder 3"/>
+          <p:cNvSpPr>
+            <a:spLocks noGrp="1"/>
+          </p:cNvSpPr>
+          <p:nvPr>
+            <p:ph type="sldNum" sz="quarter" idx="10"/>
+          </p:nvPr>
+        </p:nvSpPr>
+        <p:spPr/>
+        <p:txBody>
+          <a:bodyPr/>
+          <a:lstStyle/>
+          <a:p>
+            <a:fld id="{7D110CA3-8B20-4D57-B62A-49945965E192}" type="slidenum">
+              <a:rPr lang="en-US" smtClean="0"/>
+              <a:t>27</a:t>
+            </a:fld>
+            <a:endParaRPr lang="en-US"/>
+          </a:p>
+        </p:txBody>
+      </p:sp>
+    </p:spTree>
+    <p:extLst>
+      <p:ext uri="{BB962C8B-B14F-4D97-AF65-F5344CB8AC3E}">
+        <p14:creationId xmlns:p14="http://schemas.microsoft.com/office/powerpoint/2010/main" val="2311591807"/>
+      </p:ext>
+    </p:extLst>
+  </p:cSld>
+  <p:clrMapOvr>
+    <a:masterClrMapping/>
+  </p:clrMapOvr>
+</p:notes>
 </file>
 
 <file path=ppt/slideLayouts/slideLayout1.xml><?xml version="1.0" encoding="utf-8"?>
@@ -194,35 +664,35 @@
               <a:buNone/>
               <a:defRPr sz="2400"/>
             </a:lvl1pPr>
-            <a:lvl2pPr marL="457200" indent="0" algn="ctr">
+            <a:lvl2pPr marL="457178" indent="0" algn="ctr">
               <a:buNone/>
               <a:defRPr sz="2000"/>
             </a:lvl2pPr>
-            <a:lvl3pPr marL="914400" indent="0" algn="ctr">
+            <a:lvl3pPr marL="914354" indent="0" algn="ctr">
               <a:buNone/>
               <a:defRPr sz="1800"/>
             </a:lvl3pPr>
-            <a:lvl4pPr marL="1371600" indent="0" algn="ctr">
+            <a:lvl4pPr marL="1371532" indent="0" algn="ctr">
               <a:buNone/>
               <a:defRPr sz="1600"/>
             </a:lvl4pPr>
-            <a:lvl5pPr marL="1828800" indent="0" algn="ctr">
+            <a:lvl5pPr marL="1828709" indent="0" algn="ctr">
               <a:buNone/>
               <a:defRPr sz="1600"/>
             </a:lvl5pPr>
-            <a:lvl6pPr marL="2286000" indent="0" algn="ctr">
+            <a:lvl6pPr marL="2285886" indent="0" algn="ctr">
               <a:buNone/>
               <a:defRPr sz="1600"/>
             </a:lvl6pPr>
-            <a:lvl7pPr marL="2743200" indent="0" algn="ctr">
+            <a:lvl7pPr marL="2743062" indent="0" algn="ctr">
               <a:buNone/>
               <a:defRPr sz="1600"/>
             </a:lvl7pPr>
-            <a:lvl8pPr marL="3200400" indent="0" algn="ctr">
+            <a:lvl8pPr marL="3200240" indent="0" algn="ctr">
               <a:buNone/>
               <a:defRPr sz="1600"/>
             </a:lvl8pPr>
-            <a:lvl9pPr marL="3657600" indent="0" algn="ctr">
+            <a:lvl9pPr marL="3657418" indent="0" algn="ctr">
               <a:buNone/>
               <a:defRPr sz="1600"/>
             </a:lvl9pPr>
@@ -253,7 +723,7 @@
           <a:p>
             <a:fld id="{64DB6A00-B258-4A0B-8C98-3452E0AE02AB}" type="datetimeFigureOut">
               <a:rPr lang="en-US" smtClean="0"/>
-              <a:t>6/2/2014</a:t>
+              <a:t>6/3/2014</a:t>
             </a:fld>
             <a:endParaRPr lang="en-US"/>
           </a:p>
@@ -304,7 +774,7 @@
     </p:spTree>
     <p:extLst>
       <p:ext uri="{BB962C8B-B14F-4D97-AF65-F5344CB8AC3E}">
-        <p14:creationId xmlns:p14="http://schemas.microsoft.com/office/powerpoint/2010/main" val="3307719975"/>
+        <p14:creationId xmlns:p14="http://schemas.microsoft.com/office/powerpoint/2010/main" val="3840872221"/>
       </p:ext>
     </p:extLst>
   </p:cSld>
@@ -423,7 +893,7 @@
           <a:p>
             <a:fld id="{64DB6A00-B258-4A0B-8C98-3452E0AE02AB}" type="datetimeFigureOut">
               <a:rPr lang="en-US" smtClean="0"/>
-              <a:t>6/2/2014</a:t>
+              <a:t>6/3/2014</a:t>
             </a:fld>
             <a:endParaRPr lang="en-US"/>
           </a:p>
@@ -474,7 +944,7 @@
     </p:spTree>
     <p:extLst>
       <p:ext uri="{BB962C8B-B14F-4D97-AF65-F5344CB8AC3E}">
-        <p14:creationId xmlns:p14="http://schemas.microsoft.com/office/powerpoint/2010/main" val="2826463334"/>
+        <p14:creationId xmlns:p14="http://schemas.microsoft.com/office/powerpoint/2010/main" val="3270033496"/>
       </p:ext>
     </p:extLst>
   </p:cSld>
@@ -513,7 +983,7 @@
         </p:nvSpPr>
         <p:spPr>
           <a:xfrm>
-            <a:off x="8724900" y="365125"/>
+            <a:off x="8724902" y="365125"/>
             <a:ext cx="2628900" cy="5811838"/>
           </a:xfrm>
         </p:spPr>
@@ -541,7 +1011,7 @@
         </p:nvSpPr>
         <p:spPr>
           <a:xfrm>
-            <a:off x="838200" y="365125"/>
+            <a:off x="838202" y="365125"/>
             <a:ext cx="7734300" cy="5811838"/>
           </a:xfrm>
         </p:spPr>
@@ -603,7 +1073,7 @@
           <a:p>
             <a:fld id="{64DB6A00-B258-4A0B-8C98-3452E0AE02AB}" type="datetimeFigureOut">
               <a:rPr lang="en-US" smtClean="0"/>
-              <a:t>6/2/2014</a:t>
+              <a:t>6/3/2014</a:t>
             </a:fld>
             <a:endParaRPr lang="en-US"/>
           </a:p>
@@ -654,7 +1124,159 @@
     </p:spTree>
     <p:extLst>
       <p:ext uri="{BB962C8B-B14F-4D97-AF65-F5344CB8AC3E}">
-        <p14:creationId xmlns:p14="http://schemas.microsoft.com/office/powerpoint/2010/main" val="200868464"/>
+        <p14:creationId xmlns:p14="http://schemas.microsoft.com/office/powerpoint/2010/main" val="725758382"/>
+      </p:ext>
+    </p:extLst>
+  </p:cSld>
+  <p:clrMapOvr>
+    <a:masterClrMapping/>
+  </p:clrMapOvr>
+</p:sldLayout>
+</file>
+
+<file path=ppt/slideLayouts/slideLayout12.xml><?xml version="1.0" encoding="utf-8"?>
+<p:sldLayout xmlns:a="http://schemas.openxmlformats.org/drawingml/2006/main" xmlns:r="http://schemas.openxmlformats.org/officeDocument/2006/relationships" xmlns:p="http://schemas.openxmlformats.org/presentationml/2006/main" type="objOnly" preserve="1">
+  <p:cSld name="Content">
+    <p:spTree>
+      <p:nvGrpSpPr>
+        <p:cNvPr id="1" name=""/>
+        <p:cNvGrpSpPr/>
+        <p:nvPr/>
+      </p:nvGrpSpPr>
+      <p:grpSpPr>
+        <a:xfrm>
+          <a:off x="0" y="0"/>
+          <a:ext cx="0" cy="0"/>
+          <a:chOff x="0" y="0"/>
+          <a:chExt cx="0" cy="0"/>
+        </a:xfrm>
+      </p:grpSpPr>
+      <p:sp>
+        <p:nvSpPr>
+          <p:cNvPr id="2" name="Content Placeholder 1"/>
+          <p:cNvSpPr>
+            <a:spLocks noGrp="1"/>
+          </p:cNvSpPr>
+          <p:nvPr>
+            <p:ph/>
+          </p:nvPr>
+        </p:nvSpPr>
+        <p:spPr>
+          <a:xfrm>
+            <a:off x="838200" y="365125"/>
+            <a:ext cx="10515600" cy="5811838"/>
+          </a:xfrm>
+        </p:spPr>
+        <p:txBody>
+          <a:bodyPr/>
+          <a:lstStyle/>
+          <a:p>
+            <a:pPr lvl="0"/>
+            <a:r>
+              <a:rPr lang="en-US" smtClean="0"/>
+              <a:t>Click to edit Master text styles</a:t>
+            </a:r>
+          </a:p>
+          <a:p>
+            <a:pPr lvl="1"/>
+            <a:r>
+              <a:rPr lang="en-US" smtClean="0"/>
+              <a:t>Second level</a:t>
+            </a:r>
+          </a:p>
+          <a:p>
+            <a:pPr lvl="2"/>
+            <a:r>
+              <a:rPr lang="en-US" smtClean="0"/>
+              <a:t>Third level</a:t>
+            </a:r>
+          </a:p>
+          <a:p>
+            <a:pPr lvl="3"/>
+            <a:r>
+              <a:rPr lang="en-US" smtClean="0"/>
+              <a:t>Fourth level</a:t>
+            </a:r>
+          </a:p>
+          <a:p>
+            <a:pPr lvl="4"/>
+            <a:r>
+              <a:rPr lang="en-US" smtClean="0"/>
+              <a:t>Fifth level</a:t>
+            </a:r>
+            <a:endParaRPr lang="en-US"/>
+          </a:p>
+        </p:txBody>
+      </p:sp>
+      <p:sp>
+        <p:nvSpPr>
+          <p:cNvPr id="3" name="Date Placeholder 2"/>
+          <p:cNvSpPr>
+            <a:spLocks noGrp="1"/>
+          </p:cNvSpPr>
+          <p:nvPr>
+            <p:ph type="dt" sz="half" idx="10"/>
+          </p:nvPr>
+        </p:nvSpPr>
+        <p:spPr/>
+        <p:txBody>
+          <a:bodyPr/>
+          <a:lstStyle/>
+          <a:p>
+            <a:fld id="{64DB6A00-B258-4A0B-8C98-3452E0AE02AB}" type="datetimeFigureOut">
+              <a:rPr lang="en-US" smtClean="0"/>
+              <a:t>6/3/2014</a:t>
+            </a:fld>
+            <a:endParaRPr lang="en-US"/>
+          </a:p>
+        </p:txBody>
+      </p:sp>
+      <p:sp>
+        <p:nvSpPr>
+          <p:cNvPr id="4" name="Footer Placeholder 3"/>
+          <p:cNvSpPr>
+            <a:spLocks noGrp="1"/>
+          </p:cNvSpPr>
+          <p:nvPr>
+            <p:ph type="ftr" sz="quarter" idx="11"/>
+          </p:nvPr>
+        </p:nvSpPr>
+        <p:spPr/>
+        <p:txBody>
+          <a:bodyPr/>
+          <a:lstStyle/>
+          <a:p>
+            <a:endParaRPr lang="en-US"/>
+          </a:p>
+        </p:txBody>
+      </p:sp>
+      <p:sp>
+        <p:nvSpPr>
+          <p:cNvPr id="5" name="Slide Number Placeholder 4"/>
+          <p:cNvSpPr>
+            <a:spLocks noGrp="1"/>
+          </p:cNvSpPr>
+          <p:nvPr>
+            <p:ph type="sldNum" sz="quarter" idx="12"/>
+          </p:nvPr>
+        </p:nvSpPr>
+        <p:spPr/>
+        <p:txBody>
+          <a:bodyPr/>
+          <a:lstStyle/>
+          <a:p>
+            <a:fld id="{16D425F0-E5CF-48D2-9E85-2AE4CCDC8BC7}" type="slidenum">
+              <a:rPr lang="en-US" smtClean="0"/>
+              <a:t>‹#›</a:t>
+            </a:fld>
+            <a:endParaRPr lang="en-US"/>
+          </a:p>
+        </p:txBody>
+      </p:sp>
+    </p:spTree>
+    <p:extLst>
+      <p:ext uri="{BB962C8B-B14F-4D97-AF65-F5344CB8AC3E}">
+        <p14:creationId xmlns:p14="http://schemas.microsoft.com/office/powerpoint/2010/main" val="3181215676"/>
       </p:ext>
     </p:extLst>
   </p:cSld>
@@ -773,7 +1395,7 @@
           <a:p>
             <a:fld id="{64DB6A00-B258-4A0B-8C98-3452E0AE02AB}" type="datetimeFigureOut">
               <a:rPr lang="en-US" smtClean="0"/>
-              <a:t>6/2/2014</a:t>
+              <a:t>6/3/2014</a:t>
             </a:fld>
             <a:endParaRPr lang="en-US"/>
           </a:p>
@@ -824,7 +1446,7 @@
     </p:spTree>
     <p:extLst>
       <p:ext uri="{BB962C8B-B14F-4D97-AF65-F5344CB8AC3E}">
-        <p14:creationId xmlns:p14="http://schemas.microsoft.com/office/powerpoint/2010/main" val="3129793438"/>
+        <p14:creationId xmlns:p14="http://schemas.microsoft.com/office/powerpoint/2010/main" val="3036258047"/>
       </p:ext>
     </p:extLst>
   </p:cSld>
@@ -863,7 +1485,7 @@
         </p:nvSpPr>
         <p:spPr>
           <a:xfrm>
-            <a:off x="831850" y="1709738"/>
+            <a:off x="831851" y="1709742"/>
             <a:ext cx="10515600" cy="2852737"/>
           </a:xfrm>
         </p:spPr>
@@ -895,7 +1517,7 @@
         </p:nvSpPr>
         <p:spPr>
           <a:xfrm>
-            <a:off x="831850" y="4589463"/>
+            <a:off x="831851" y="4589467"/>
             <a:ext cx="10515600" cy="1500187"/>
           </a:xfrm>
         </p:spPr>
@@ -912,7 +1534,7 @@
                 </a:solidFill>
               </a:defRPr>
             </a:lvl1pPr>
-            <a:lvl2pPr marL="457200" indent="0">
+            <a:lvl2pPr marL="457178" indent="0">
               <a:buNone/>
               <a:defRPr sz="2000">
                 <a:solidFill>
@@ -922,7 +1544,7 @@
                 </a:solidFill>
               </a:defRPr>
             </a:lvl2pPr>
-            <a:lvl3pPr marL="914400" indent="0">
+            <a:lvl3pPr marL="914354" indent="0">
               <a:buNone/>
               <a:defRPr sz="1800">
                 <a:solidFill>
@@ -932,7 +1554,7 @@
                 </a:solidFill>
               </a:defRPr>
             </a:lvl3pPr>
-            <a:lvl4pPr marL="1371600" indent="0">
+            <a:lvl4pPr marL="1371532" indent="0">
               <a:buNone/>
               <a:defRPr sz="1600">
                 <a:solidFill>
@@ -942,7 +1564,7 @@
                 </a:solidFill>
               </a:defRPr>
             </a:lvl4pPr>
-            <a:lvl5pPr marL="1828800" indent="0">
+            <a:lvl5pPr marL="1828709" indent="0">
               <a:buNone/>
               <a:defRPr sz="1600">
                 <a:solidFill>
@@ -952,7 +1574,7 @@
                 </a:solidFill>
               </a:defRPr>
             </a:lvl5pPr>
-            <a:lvl6pPr marL="2286000" indent="0">
+            <a:lvl6pPr marL="2285886" indent="0">
               <a:buNone/>
               <a:defRPr sz="1600">
                 <a:solidFill>
@@ -962,7 +1584,7 @@
                 </a:solidFill>
               </a:defRPr>
             </a:lvl6pPr>
-            <a:lvl7pPr marL="2743200" indent="0">
+            <a:lvl7pPr marL="2743062" indent="0">
               <a:buNone/>
               <a:defRPr sz="1600">
                 <a:solidFill>
@@ -972,7 +1594,7 @@
                 </a:solidFill>
               </a:defRPr>
             </a:lvl7pPr>
-            <a:lvl8pPr marL="3200400" indent="0">
+            <a:lvl8pPr marL="3200240" indent="0">
               <a:buNone/>
               <a:defRPr sz="1600">
                 <a:solidFill>
@@ -982,7 +1604,7 @@
                 </a:solidFill>
               </a:defRPr>
             </a:lvl8pPr>
-            <a:lvl9pPr marL="3657600" indent="0">
+            <a:lvl9pPr marL="3657418" indent="0">
               <a:buNone/>
               <a:defRPr sz="1600">
                 <a:solidFill>
@@ -1019,7 +1641,7 @@
           <a:p>
             <a:fld id="{64DB6A00-B258-4A0B-8C98-3452E0AE02AB}" type="datetimeFigureOut">
               <a:rPr lang="en-US" smtClean="0"/>
-              <a:t>6/2/2014</a:t>
+              <a:t>6/3/2014</a:t>
             </a:fld>
             <a:endParaRPr lang="en-US"/>
           </a:p>
@@ -1070,7 +1692,7 @@
     </p:spTree>
     <p:extLst>
       <p:ext uri="{BB962C8B-B14F-4D97-AF65-F5344CB8AC3E}">
-        <p14:creationId xmlns:p14="http://schemas.microsoft.com/office/powerpoint/2010/main" val="2302252845"/>
+        <p14:creationId xmlns:p14="http://schemas.microsoft.com/office/powerpoint/2010/main" val="2497459256"/>
       </p:ext>
     </p:extLst>
   </p:cSld>
@@ -1251,7 +1873,7 @@
           <a:p>
             <a:fld id="{64DB6A00-B258-4A0B-8C98-3452E0AE02AB}" type="datetimeFigureOut">
               <a:rPr lang="en-US" smtClean="0"/>
-              <a:t>6/2/2014</a:t>
+              <a:t>6/3/2014</a:t>
             </a:fld>
             <a:endParaRPr lang="en-US"/>
           </a:p>
@@ -1302,7 +1924,7 @@
     </p:spTree>
     <p:extLst>
       <p:ext uri="{BB962C8B-B14F-4D97-AF65-F5344CB8AC3E}">
-        <p14:creationId xmlns:p14="http://schemas.microsoft.com/office/powerpoint/2010/main" val="1505963333"/>
+        <p14:creationId xmlns:p14="http://schemas.microsoft.com/office/powerpoint/2010/main" val="2555118271"/>
       </p:ext>
     </p:extLst>
   </p:cSld>
@@ -1341,7 +1963,7 @@
         </p:nvSpPr>
         <p:spPr>
           <a:xfrm>
-            <a:off x="839788" y="365125"/>
+            <a:off x="839788" y="365129"/>
             <a:ext cx="10515600" cy="1325563"/>
           </a:xfrm>
         </p:spPr>
@@ -1369,7 +1991,7 @@
         </p:nvSpPr>
         <p:spPr>
           <a:xfrm>
-            <a:off x="839788" y="1681163"/>
+            <a:off x="839789" y="1681163"/>
             <a:ext cx="5157787" cy="823912"/>
           </a:xfrm>
         </p:spPr>
@@ -1380,35 +2002,35 @@
               <a:buNone/>
               <a:defRPr sz="2400" b="1"/>
             </a:lvl1pPr>
-            <a:lvl2pPr marL="457200" indent="0">
+            <a:lvl2pPr marL="457178" indent="0">
               <a:buNone/>
               <a:defRPr sz="2000" b="1"/>
             </a:lvl2pPr>
-            <a:lvl3pPr marL="914400" indent="0">
+            <a:lvl3pPr marL="914354" indent="0">
               <a:buNone/>
               <a:defRPr sz="1800" b="1"/>
             </a:lvl3pPr>
-            <a:lvl4pPr marL="1371600" indent="0">
+            <a:lvl4pPr marL="1371532" indent="0">
               <a:buNone/>
               <a:defRPr sz="1600" b="1"/>
             </a:lvl4pPr>
-            <a:lvl5pPr marL="1828800" indent="0">
+            <a:lvl5pPr marL="1828709" indent="0">
               <a:buNone/>
               <a:defRPr sz="1600" b="1"/>
             </a:lvl5pPr>
-            <a:lvl6pPr marL="2286000" indent="0">
+            <a:lvl6pPr marL="2285886" indent="0">
               <a:buNone/>
               <a:defRPr sz="1600" b="1"/>
             </a:lvl6pPr>
-            <a:lvl7pPr marL="2743200" indent="0">
+            <a:lvl7pPr marL="2743062" indent="0">
               <a:buNone/>
               <a:defRPr sz="1600" b="1"/>
             </a:lvl7pPr>
-            <a:lvl8pPr marL="3200400" indent="0">
+            <a:lvl8pPr marL="3200240" indent="0">
               <a:buNone/>
               <a:defRPr sz="1600" b="1"/>
             </a:lvl8pPr>
-            <a:lvl9pPr marL="3657600" indent="0">
+            <a:lvl9pPr marL="3657418" indent="0">
               <a:buNone/>
               <a:defRPr sz="1600" b="1"/>
             </a:lvl9pPr>
@@ -1434,7 +2056,7 @@
         </p:nvSpPr>
         <p:spPr>
           <a:xfrm>
-            <a:off x="839788" y="2505075"/>
+            <a:off x="839789" y="2505075"/>
             <a:ext cx="5157787" cy="3684588"/>
           </a:xfrm>
         </p:spPr>
@@ -1491,7 +2113,7 @@
         </p:nvSpPr>
         <p:spPr>
           <a:xfrm>
-            <a:off x="6172200" y="1681163"/>
+            <a:off x="6172202" y="1681163"/>
             <a:ext cx="5183188" cy="823912"/>
           </a:xfrm>
         </p:spPr>
@@ -1502,35 +2124,35 @@
               <a:buNone/>
               <a:defRPr sz="2400" b="1"/>
             </a:lvl1pPr>
-            <a:lvl2pPr marL="457200" indent="0">
+            <a:lvl2pPr marL="457178" indent="0">
               <a:buNone/>
               <a:defRPr sz="2000" b="1"/>
             </a:lvl2pPr>
-            <a:lvl3pPr marL="914400" indent="0">
+            <a:lvl3pPr marL="914354" indent="0">
               <a:buNone/>
               <a:defRPr sz="1800" b="1"/>
             </a:lvl3pPr>
-            <a:lvl4pPr marL="1371600" indent="0">
+            <a:lvl4pPr marL="1371532" indent="0">
               <a:buNone/>
               <a:defRPr sz="1600" b="1"/>
             </a:lvl4pPr>
-            <a:lvl5pPr marL="1828800" indent="0">
+            <a:lvl5pPr marL="1828709" indent="0">
               <a:buNone/>
               <a:defRPr sz="1600" b="1"/>
             </a:lvl5pPr>
-            <a:lvl6pPr marL="2286000" indent="0">
+            <a:lvl6pPr marL="2285886" indent="0">
               <a:buNone/>
               <a:defRPr sz="1600" b="1"/>
             </a:lvl6pPr>
-            <a:lvl7pPr marL="2743200" indent="0">
+            <a:lvl7pPr marL="2743062" indent="0">
               <a:buNone/>
               <a:defRPr sz="1600" b="1"/>
             </a:lvl7pPr>
-            <a:lvl8pPr marL="3200400" indent="0">
+            <a:lvl8pPr marL="3200240" indent="0">
               <a:buNone/>
               <a:defRPr sz="1600" b="1"/>
             </a:lvl8pPr>
-            <a:lvl9pPr marL="3657600" indent="0">
+            <a:lvl9pPr marL="3657418" indent="0">
               <a:buNone/>
               <a:defRPr sz="1600" b="1"/>
             </a:lvl9pPr>
@@ -1556,7 +2178,7 @@
         </p:nvSpPr>
         <p:spPr>
           <a:xfrm>
-            <a:off x="6172200" y="2505075"/>
+            <a:off x="6172202" y="2505075"/>
             <a:ext cx="5183188" cy="3684588"/>
           </a:xfrm>
         </p:spPr>
@@ -1618,7 +2240,7 @@
           <a:p>
             <a:fld id="{64DB6A00-B258-4A0B-8C98-3452E0AE02AB}" type="datetimeFigureOut">
               <a:rPr lang="en-US" smtClean="0"/>
-              <a:t>6/2/2014</a:t>
+              <a:t>6/3/2014</a:t>
             </a:fld>
             <a:endParaRPr lang="en-US"/>
           </a:p>
@@ -1669,7 +2291,7 @@
     </p:spTree>
     <p:extLst>
       <p:ext uri="{BB962C8B-B14F-4D97-AF65-F5344CB8AC3E}">
-        <p14:creationId xmlns:p14="http://schemas.microsoft.com/office/powerpoint/2010/main" val="648062228"/>
+        <p14:creationId xmlns:p14="http://schemas.microsoft.com/office/powerpoint/2010/main" val="1734378806"/>
       </p:ext>
     </p:extLst>
   </p:cSld>
@@ -1736,7 +2358,7 @@
           <a:p>
             <a:fld id="{64DB6A00-B258-4A0B-8C98-3452E0AE02AB}" type="datetimeFigureOut">
               <a:rPr lang="en-US" smtClean="0"/>
-              <a:t>6/2/2014</a:t>
+              <a:t>6/3/2014</a:t>
             </a:fld>
             <a:endParaRPr lang="en-US"/>
           </a:p>
@@ -1787,7 +2409,7 @@
     </p:spTree>
     <p:extLst>
       <p:ext uri="{BB962C8B-B14F-4D97-AF65-F5344CB8AC3E}">
-        <p14:creationId xmlns:p14="http://schemas.microsoft.com/office/powerpoint/2010/main" val="3408391804"/>
+        <p14:creationId xmlns:p14="http://schemas.microsoft.com/office/powerpoint/2010/main" val="3878385830"/>
       </p:ext>
     </p:extLst>
   </p:cSld>
@@ -1831,7 +2453,7 @@
           <a:p>
             <a:fld id="{64DB6A00-B258-4A0B-8C98-3452E0AE02AB}" type="datetimeFigureOut">
               <a:rPr lang="en-US" smtClean="0"/>
-              <a:t>6/2/2014</a:t>
+              <a:t>6/3/2014</a:t>
             </a:fld>
             <a:endParaRPr lang="en-US"/>
           </a:p>
@@ -1882,7 +2504,7 @@
     </p:spTree>
     <p:extLst>
       <p:ext uri="{BB962C8B-B14F-4D97-AF65-F5344CB8AC3E}">
-        <p14:creationId xmlns:p14="http://schemas.microsoft.com/office/powerpoint/2010/main" val="3043237074"/>
+        <p14:creationId xmlns:p14="http://schemas.microsoft.com/office/powerpoint/2010/main" val="3186775134"/>
       </p:ext>
     </p:extLst>
   </p:cSld>
@@ -1953,7 +2575,7 @@
         </p:nvSpPr>
         <p:spPr>
           <a:xfrm>
-            <a:off x="5183188" y="987425"/>
+            <a:off x="5183188" y="987429"/>
             <a:ext cx="6172200" cy="4873625"/>
           </a:xfrm>
         </p:spPr>
@@ -2049,35 +2671,35 @@
               <a:buNone/>
               <a:defRPr sz="1600"/>
             </a:lvl1pPr>
-            <a:lvl2pPr marL="457200" indent="0">
+            <a:lvl2pPr marL="457178" indent="0">
               <a:buNone/>
               <a:defRPr sz="1400"/>
             </a:lvl2pPr>
-            <a:lvl3pPr marL="914400" indent="0">
+            <a:lvl3pPr marL="914354" indent="0">
               <a:buNone/>
               <a:defRPr sz="1200"/>
             </a:lvl3pPr>
-            <a:lvl4pPr marL="1371600" indent="0">
+            <a:lvl4pPr marL="1371532" indent="0">
               <a:buNone/>
               <a:defRPr sz="1000"/>
             </a:lvl4pPr>
-            <a:lvl5pPr marL="1828800" indent="0">
+            <a:lvl5pPr marL="1828709" indent="0">
               <a:buNone/>
               <a:defRPr sz="1000"/>
             </a:lvl5pPr>
-            <a:lvl6pPr marL="2286000" indent="0">
+            <a:lvl6pPr marL="2285886" indent="0">
               <a:buNone/>
               <a:defRPr sz="1000"/>
             </a:lvl6pPr>
-            <a:lvl7pPr marL="2743200" indent="0">
+            <a:lvl7pPr marL="2743062" indent="0">
               <a:buNone/>
               <a:defRPr sz="1000"/>
             </a:lvl7pPr>
-            <a:lvl8pPr marL="3200400" indent="0">
+            <a:lvl8pPr marL="3200240" indent="0">
               <a:buNone/>
               <a:defRPr sz="1000"/>
             </a:lvl8pPr>
-            <a:lvl9pPr marL="3657600" indent="0">
+            <a:lvl9pPr marL="3657418" indent="0">
               <a:buNone/>
               <a:defRPr sz="1000"/>
             </a:lvl9pPr>
@@ -2108,7 +2730,7 @@
           <a:p>
             <a:fld id="{64DB6A00-B258-4A0B-8C98-3452E0AE02AB}" type="datetimeFigureOut">
               <a:rPr lang="en-US" smtClean="0"/>
-              <a:t>6/2/2014</a:t>
+              <a:t>6/3/2014</a:t>
             </a:fld>
             <a:endParaRPr lang="en-US"/>
           </a:p>
@@ -2159,7 +2781,7 @@
     </p:spTree>
     <p:extLst>
       <p:ext uri="{BB962C8B-B14F-4D97-AF65-F5344CB8AC3E}">
-        <p14:creationId xmlns:p14="http://schemas.microsoft.com/office/powerpoint/2010/main" val="2847294965"/>
+        <p14:creationId xmlns:p14="http://schemas.microsoft.com/office/powerpoint/2010/main" val="4123005377"/>
       </p:ext>
     </p:extLst>
   </p:cSld>
@@ -2230,7 +2852,7 @@
         </p:nvSpPr>
         <p:spPr>
           <a:xfrm>
-            <a:off x="5183188" y="987425"/>
+            <a:off x="5183188" y="987429"/>
             <a:ext cx="6172200" cy="4873625"/>
           </a:xfrm>
         </p:spPr>
@@ -2241,35 +2863,35 @@
               <a:buNone/>
               <a:defRPr sz="3200"/>
             </a:lvl1pPr>
-            <a:lvl2pPr marL="457200" indent="0">
+            <a:lvl2pPr marL="457178" indent="0">
               <a:buNone/>
               <a:defRPr sz="2800"/>
             </a:lvl2pPr>
-            <a:lvl3pPr marL="914400" indent="0">
+            <a:lvl3pPr marL="914354" indent="0">
               <a:buNone/>
               <a:defRPr sz="2400"/>
             </a:lvl3pPr>
-            <a:lvl4pPr marL="1371600" indent="0">
+            <a:lvl4pPr marL="1371532" indent="0">
               <a:buNone/>
               <a:defRPr sz="2000"/>
             </a:lvl4pPr>
-            <a:lvl5pPr marL="1828800" indent="0">
+            <a:lvl5pPr marL="1828709" indent="0">
               <a:buNone/>
               <a:defRPr sz="2000"/>
             </a:lvl5pPr>
-            <a:lvl6pPr marL="2286000" indent="0">
+            <a:lvl6pPr marL="2285886" indent="0">
               <a:buNone/>
               <a:defRPr sz="2000"/>
             </a:lvl6pPr>
-            <a:lvl7pPr marL="2743200" indent="0">
+            <a:lvl7pPr marL="2743062" indent="0">
               <a:buNone/>
               <a:defRPr sz="2000"/>
             </a:lvl7pPr>
-            <a:lvl8pPr marL="3200400" indent="0">
+            <a:lvl8pPr marL="3200240" indent="0">
               <a:buNone/>
               <a:defRPr sz="2000"/>
             </a:lvl8pPr>
-            <a:lvl9pPr marL="3657600" indent="0">
+            <a:lvl9pPr marL="3657418" indent="0">
               <a:buNone/>
               <a:defRPr sz="2000"/>
             </a:lvl9pPr>
@@ -2302,35 +2924,35 @@
               <a:buNone/>
               <a:defRPr sz="1600"/>
             </a:lvl1pPr>
-            <a:lvl2pPr marL="457200" indent="0">
+            <a:lvl2pPr marL="457178" indent="0">
               <a:buNone/>
               <a:defRPr sz="1400"/>
             </a:lvl2pPr>
-            <a:lvl3pPr marL="914400" indent="0">
+            <a:lvl3pPr marL="914354" indent="0">
               <a:buNone/>
               <a:defRPr sz="1200"/>
             </a:lvl3pPr>
-            <a:lvl4pPr marL="1371600" indent="0">
+            <a:lvl4pPr marL="1371532" indent="0">
               <a:buNone/>
               <a:defRPr sz="1000"/>
             </a:lvl4pPr>
-            <a:lvl5pPr marL="1828800" indent="0">
+            <a:lvl5pPr marL="1828709" indent="0">
               <a:buNone/>
               <a:defRPr sz="1000"/>
             </a:lvl5pPr>
-            <a:lvl6pPr marL="2286000" indent="0">
+            <a:lvl6pPr marL="2285886" indent="0">
               <a:buNone/>
               <a:defRPr sz="1000"/>
             </a:lvl6pPr>
-            <a:lvl7pPr marL="2743200" indent="0">
+            <a:lvl7pPr marL="2743062" indent="0">
               <a:buNone/>
               <a:defRPr sz="1000"/>
             </a:lvl7pPr>
-            <a:lvl8pPr marL="3200400" indent="0">
+            <a:lvl8pPr marL="3200240" indent="0">
               <a:buNone/>
               <a:defRPr sz="1000"/>
             </a:lvl8pPr>
-            <a:lvl9pPr marL="3657600" indent="0">
+            <a:lvl9pPr marL="3657418" indent="0">
               <a:buNone/>
               <a:defRPr sz="1000"/>
             </a:lvl9pPr>
@@ -2361,7 +2983,7 @@
           <a:p>
             <a:fld id="{64DB6A00-B258-4A0B-8C98-3452E0AE02AB}" type="datetimeFigureOut">
               <a:rPr lang="en-US" smtClean="0"/>
-              <a:t>6/2/2014</a:t>
+              <a:t>6/3/2014</a:t>
             </a:fld>
             <a:endParaRPr lang="en-US"/>
           </a:p>
@@ -2412,7 +3034,7 @@
     </p:spTree>
     <p:extLst>
       <p:ext uri="{BB962C8B-B14F-4D97-AF65-F5344CB8AC3E}">
-        <p14:creationId xmlns:p14="http://schemas.microsoft.com/office/powerpoint/2010/main" val="777037752"/>
+        <p14:creationId xmlns:p14="http://schemas.microsoft.com/office/powerpoint/2010/main" val="1842672245"/>
       </p:ext>
     </p:extLst>
   </p:cSld>
@@ -2456,7 +3078,7 @@
         </p:nvSpPr>
         <p:spPr>
           <a:xfrm>
-            <a:off x="838200" y="365125"/>
+            <a:off x="838200" y="365129"/>
             <a:ext cx="10515600" cy="1325563"/>
           </a:xfrm>
           <a:prstGeom prst="rect">
@@ -2551,7 +3173,7 @@
         </p:nvSpPr>
         <p:spPr>
           <a:xfrm>
-            <a:off x="838200" y="6356350"/>
+            <a:off x="838200" y="6356354"/>
             <a:ext cx="2743200" cy="365125"/>
           </a:xfrm>
           <a:prstGeom prst="rect">
@@ -2574,7 +3196,7 @@
           <a:p>
             <a:fld id="{64DB6A00-B258-4A0B-8C98-3452E0AE02AB}" type="datetimeFigureOut">
               <a:rPr lang="en-US" smtClean="0"/>
-              <a:t>6/2/2014</a:t>
+              <a:t>6/3/2014</a:t>
             </a:fld>
             <a:endParaRPr lang="en-US"/>
           </a:p>
@@ -2592,7 +3214,7 @@
         </p:nvSpPr>
         <p:spPr>
           <a:xfrm>
-            <a:off x="4038600" y="6356350"/>
+            <a:off x="4038600" y="6356354"/>
             <a:ext cx="4114800" cy="365125"/>
           </a:xfrm>
           <a:prstGeom prst="rect">
@@ -2629,7 +3251,7 @@
         </p:nvSpPr>
         <p:spPr>
           <a:xfrm>
-            <a:off x="8610600" y="6356350"/>
+            <a:off x="8610600" y="6356354"/>
             <a:ext cx="2743200" cy="365125"/>
           </a:xfrm>
           <a:prstGeom prst="rect">
@@ -2661,27 +3283,28 @@
     </p:spTree>
     <p:extLst>
       <p:ext uri="{BB962C8B-B14F-4D97-AF65-F5344CB8AC3E}">
-        <p14:creationId xmlns:p14="http://schemas.microsoft.com/office/powerpoint/2010/main" val="2578784848"/>
+        <p14:creationId xmlns:p14="http://schemas.microsoft.com/office/powerpoint/2010/main" val="4129706683"/>
       </p:ext>
     </p:extLst>
   </p:cSld>
   <p:clrMap bg1="lt1" tx1="dk1" bg2="lt2" tx2="dk2" accent1="accent1" accent2="accent2" accent3="accent3" accent4="accent4" accent5="accent5" accent6="accent6" hlink="hlink" folHlink="folHlink"/>
   <p:sldLayoutIdLst>
-    <p:sldLayoutId id="2147483649" r:id="rId1"/>
-    <p:sldLayoutId id="2147483650" r:id="rId2"/>
-    <p:sldLayoutId id="2147483651" r:id="rId3"/>
-    <p:sldLayoutId id="2147483652" r:id="rId4"/>
-    <p:sldLayoutId id="2147483653" r:id="rId5"/>
-    <p:sldLayoutId id="2147483654" r:id="rId6"/>
-    <p:sldLayoutId id="2147483655" r:id="rId7"/>
-    <p:sldLayoutId id="2147483656" r:id="rId8"/>
-    <p:sldLayoutId id="2147483657" r:id="rId9"/>
-    <p:sldLayoutId id="2147483658" r:id="rId10"/>
-    <p:sldLayoutId id="2147483659" r:id="rId11"/>
+    <p:sldLayoutId id="2147483679" r:id="rId1"/>
+    <p:sldLayoutId id="2147483680" r:id="rId2"/>
+    <p:sldLayoutId id="2147483681" r:id="rId3"/>
+    <p:sldLayoutId id="2147483682" r:id="rId4"/>
+    <p:sldLayoutId id="2147483683" r:id="rId5"/>
+    <p:sldLayoutId id="2147483684" r:id="rId6"/>
+    <p:sldLayoutId id="2147483685" r:id="rId7"/>
+    <p:sldLayoutId id="2147483686" r:id="rId8"/>
+    <p:sldLayoutId id="2147483687" r:id="rId9"/>
+    <p:sldLayoutId id="2147483688" r:id="rId10"/>
+    <p:sldLayoutId id="2147483689" r:id="rId11"/>
+    <p:sldLayoutId id="2147483690" r:id="rId12"/>
   </p:sldLayoutIdLst>
   <p:txStyles>
     <p:titleStyle>
-      <a:lvl1pPr algn="l" defTabSz="914400" rtl="0" eaLnBrk="1" latinLnBrk="0" hangingPunct="1">
+      <a:lvl1pPr algn="l" defTabSz="914354" rtl="0" eaLnBrk="1" latinLnBrk="0" hangingPunct="1">
         <a:lnSpc>
           <a:spcPct val="90000"/>
         </a:lnSpc>
@@ -2700,7 +3323,7 @@
       </a:lvl1pPr>
     </p:titleStyle>
     <p:bodyStyle>
-      <a:lvl1pPr marL="228600" indent="-228600" algn="l" defTabSz="914400" rtl="0" eaLnBrk="1" latinLnBrk="0" hangingPunct="1">
+      <a:lvl1pPr marL="228589" indent="-228589" algn="l" defTabSz="914354" rtl="0" eaLnBrk="1" latinLnBrk="0" hangingPunct="1">
         <a:lnSpc>
           <a:spcPct val="90000"/>
         </a:lnSpc>
@@ -2718,7 +3341,7 @@
           <a:cs typeface="+mn-cs"/>
         </a:defRPr>
       </a:lvl1pPr>
-      <a:lvl2pPr marL="685800" indent="-228600" algn="l" defTabSz="914400" rtl="0" eaLnBrk="1" latinLnBrk="0" hangingPunct="1">
+      <a:lvl2pPr marL="685766" indent="-228589" algn="l" defTabSz="914354" rtl="0" eaLnBrk="1" latinLnBrk="0" hangingPunct="1">
         <a:lnSpc>
           <a:spcPct val="90000"/>
         </a:lnSpc>
@@ -2736,7 +3359,7 @@
           <a:cs typeface="+mn-cs"/>
         </a:defRPr>
       </a:lvl2pPr>
-      <a:lvl3pPr marL="1143000" indent="-228600" algn="l" defTabSz="914400" rtl="0" eaLnBrk="1" latinLnBrk="0" hangingPunct="1">
+      <a:lvl3pPr marL="1142942" indent="-228589" algn="l" defTabSz="914354" rtl="0" eaLnBrk="1" latinLnBrk="0" hangingPunct="1">
         <a:lnSpc>
           <a:spcPct val="90000"/>
         </a:lnSpc>
@@ -2754,7 +3377,7 @@
           <a:cs typeface="+mn-cs"/>
         </a:defRPr>
       </a:lvl3pPr>
-      <a:lvl4pPr marL="1600200" indent="-228600" algn="l" defTabSz="914400" rtl="0" eaLnBrk="1" latinLnBrk="0" hangingPunct="1">
+      <a:lvl4pPr marL="1600120" indent="-228589" algn="l" defTabSz="914354" rtl="0" eaLnBrk="1" latinLnBrk="0" hangingPunct="1">
         <a:lnSpc>
           <a:spcPct val="90000"/>
         </a:lnSpc>
@@ -2772,7 +3395,7 @@
           <a:cs typeface="+mn-cs"/>
         </a:defRPr>
       </a:lvl4pPr>
-      <a:lvl5pPr marL="2057400" indent="-228600" algn="l" defTabSz="914400" rtl="0" eaLnBrk="1" latinLnBrk="0" hangingPunct="1">
+      <a:lvl5pPr marL="2057298" indent="-228589" algn="l" defTabSz="914354" rtl="0" eaLnBrk="1" latinLnBrk="0" hangingPunct="1">
         <a:lnSpc>
           <a:spcPct val="90000"/>
         </a:lnSpc>
@@ -2790,7 +3413,7 @@
           <a:cs typeface="+mn-cs"/>
         </a:defRPr>
       </a:lvl5pPr>
-      <a:lvl6pPr marL="2514600" indent="-228600" algn="l" defTabSz="914400" rtl="0" eaLnBrk="1" latinLnBrk="0" hangingPunct="1">
+      <a:lvl6pPr marL="2514474" indent="-228589" algn="l" defTabSz="914354" rtl="0" eaLnBrk="1" latinLnBrk="0" hangingPunct="1">
         <a:lnSpc>
           <a:spcPct val="90000"/>
         </a:lnSpc>
@@ -2808,7 +3431,7 @@
           <a:cs typeface="+mn-cs"/>
         </a:defRPr>
       </a:lvl6pPr>
-      <a:lvl7pPr marL="2971800" indent="-228600" algn="l" defTabSz="914400" rtl="0" eaLnBrk="1" latinLnBrk="0" hangingPunct="1">
+      <a:lvl7pPr marL="2971652" indent="-228589" algn="l" defTabSz="914354" rtl="0" eaLnBrk="1" latinLnBrk="0" hangingPunct="1">
         <a:lnSpc>
           <a:spcPct val="90000"/>
         </a:lnSpc>
@@ -2826,7 +3449,7 @@
           <a:cs typeface="+mn-cs"/>
         </a:defRPr>
       </a:lvl7pPr>
-      <a:lvl8pPr marL="3429000" indent="-228600" algn="l" defTabSz="914400" rtl="0" eaLnBrk="1" latinLnBrk="0" hangingPunct="1">
+      <a:lvl8pPr marL="3428829" indent="-228589" algn="l" defTabSz="914354" rtl="0" eaLnBrk="1" latinLnBrk="0" hangingPunct="1">
         <a:lnSpc>
           <a:spcPct val="90000"/>
         </a:lnSpc>
@@ -2844,7 +3467,7 @@
           <a:cs typeface="+mn-cs"/>
         </a:defRPr>
       </a:lvl8pPr>
-      <a:lvl9pPr marL="3886200" indent="-228600" algn="l" defTabSz="914400" rtl="0" eaLnBrk="1" latinLnBrk="0" hangingPunct="1">
+      <a:lvl9pPr marL="3886006" indent="-228589" algn="l" defTabSz="914354" rtl="0" eaLnBrk="1" latinLnBrk="0" hangingPunct="1">
         <a:lnSpc>
           <a:spcPct val="90000"/>
         </a:lnSpc>
@@ -2867,7 +3490,7 @@
       <a:defPPr>
         <a:defRPr lang="en-US"/>
       </a:defPPr>
-      <a:lvl1pPr marL="0" algn="l" defTabSz="914400" rtl="0" eaLnBrk="1" latinLnBrk="0" hangingPunct="1">
+      <a:lvl1pPr marL="0" algn="l" defTabSz="914354" rtl="0" eaLnBrk="1" latinLnBrk="0" hangingPunct="1">
         <a:defRPr sz="1800" kern="1200">
           <a:solidFill>
             <a:schemeClr val="tx1"/>
@@ -2877,7 +3500,7 @@
           <a:cs typeface="+mn-cs"/>
         </a:defRPr>
       </a:lvl1pPr>
-      <a:lvl2pPr marL="457200" algn="l" defTabSz="914400" rtl="0" eaLnBrk="1" latinLnBrk="0" hangingPunct="1">
+      <a:lvl2pPr marL="457178" algn="l" defTabSz="914354" rtl="0" eaLnBrk="1" latinLnBrk="0" hangingPunct="1">
         <a:defRPr sz="1800" kern="1200">
           <a:solidFill>
             <a:schemeClr val="tx1"/>
@@ -2887,7 +3510,7 @@
           <a:cs typeface="+mn-cs"/>
         </a:defRPr>
       </a:lvl2pPr>
-      <a:lvl3pPr marL="914400" algn="l" defTabSz="914400" rtl="0" eaLnBrk="1" latinLnBrk="0" hangingPunct="1">
+      <a:lvl3pPr marL="914354" algn="l" defTabSz="914354" rtl="0" eaLnBrk="1" latinLnBrk="0" hangingPunct="1">
         <a:defRPr sz="1800" kern="1200">
           <a:solidFill>
             <a:schemeClr val="tx1"/>
@@ -2897,7 +3520,7 @@
           <a:cs typeface="+mn-cs"/>
         </a:defRPr>
       </a:lvl3pPr>
-      <a:lvl4pPr marL="1371600" algn="l" defTabSz="914400" rtl="0" eaLnBrk="1" latinLnBrk="0" hangingPunct="1">
+      <a:lvl4pPr marL="1371532" algn="l" defTabSz="914354" rtl="0" eaLnBrk="1" latinLnBrk="0" hangingPunct="1">
         <a:defRPr sz="1800" kern="1200">
           <a:solidFill>
             <a:schemeClr val="tx1"/>
@@ -2907,7 +3530,7 @@
           <a:cs typeface="+mn-cs"/>
         </a:defRPr>
       </a:lvl4pPr>
-      <a:lvl5pPr marL="1828800" algn="l" defTabSz="914400" rtl="0" eaLnBrk="1" latinLnBrk="0" hangingPunct="1">
+      <a:lvl5pPr marL="1828709" algn="l" defTabSz="914354" rtl="0" eaLnBrk="1" latinLnBrk="0" hangingPunct="1">
         <a:defRPr sz="1800" kern="1200">
           <a:solidFill>
             <a:schemeClr val="tx1"/>
@@ -2917,7 +3540,7 @@
           <a:cs typeface="+mn-cs"/>
         </a:defRPr>
       </a:lvl5pPr>
-      <a:lvl6pPr marL="2286000" algn="l" defTabSz="914400" rtl="0" eaLnBrk="1" latinLnBrk="0" hangingPunct="1">
+      <a:lvl6pPr marL="2285886" algn="l" defTabSz="914354" rtl="0" eaLnBrk="1" latinLnBrk="0" hangingPunct="1">
         <a:defRPr sz="1800" kern="1200">
           <a:solidFill>
             <a:schemeClr val="tx1"/>
@@ -2927,7 +3550,7 @@
           <a:cs typeface="+mn-cs"/>
         </a:defRPr>
       </a:lvl6pPr>
-      <a:lvl7pPr marL="2743200" algn="l" defTabSz="914400" rtl="0" eaLnBrk="1" latinLnBrk="0" hangingPunct="1">
+      <a:lvl7pPr marL="2743062" algn="l" defTabSz="914354" rtl="0" eaLnBrk="1" latinLnBrk="0" hangingPunct="1">
         <a:defRPr sz="1800" kern="1200">
           <a:solidFill>
             <a:schemeClr val="tx1"/>
@@ -2937,7 +3560,7 @@
           <a:cs typeface="+mn-cs"/>
         </a:defRPr>
       </a:lvl7pPr>
-      <a:lvl8pPr marL="3200400" algn="l" defTabSz="914400" rtl="0" eaLnBrk="1" latinLnBrk="0" hangingPunct="1">
+      <a:lvl8pPr marL="3200240" algn="l" defTabSz="914354" rtl="0" eaLnBrk="1" latinLnBrk="0" hangingPunct="1">
         <a:defRPr sz="1800" kern="1200">
           <a:solidFill>
             <a:schemeClr val="tx1"/>
@@ -2947,7 +3570,7 @@
           <a:cs typeface="+mn-cs"/>
         </a:defRPr>
       </a:lvl8pPr>
-      <a:lvl9pPr marL="3657600" algn="l" defTabSz="914400" rtl="0" eaLnBrk="1" latinLnBrk="0" hangingPunct="1">
+      <a:lvl9pPr marL="3657418" algn="l" defTabSz="914354" rtl="0" eaLnBrk="1" latinLnBrk="0" hangingPunct="1">
         <a:defRPr sz="1800" kern="1200">
           <a:solidFill>
             <a:schemeClr val="tx1"/>
@@ -3048,7 +3671,7 @@
         <p:spPr/>
         <p:txBody>
           <a:bodyPr>
-            <a:normAutofit lnSpcReduction="10000"/>
+            <a:normAutofit fontScale="92500" lnSpcReduction="10000"/>
           </a:bodyPr>
           <a:lstStyle/>
           <a:p>
@@ -3132,10 +3755,22 @@
           <a:lstStyle/>
           <a:p>
             <a:r>
-              <a:rPr lang="en-US" dirty="0" smtClean="0"/>
+              <a:rPr lang="en-US" dirty="0" smtClean="0">
+                <a:solidFill>
+                  <a:schemeClr val="accent1">
+                    <a:lumMod val="75000"/>
+                  </a:schemeClr>
+                </a:solidFill>
+              </a:rPr>
               <a:t>Bus Access and Arbitration</a:t>
             </a:r>
-            <a:endParaRPr lang="en-US" dirty="0"/>
+            <a:endParaRPr lang="en-US" dirty="0">
+              <a:solidFill>
+                <a:schemeClr val="accent1">
+                  <a:lumMod val="75000"/>
+                </a:schemeClr>
+              </a:solidFill>
+            </a:endParaRPr>
           </a:p>
         </p:txBody>
       </p:sp>
@@ -3181,20 +3816,12 @@
             <a:endParaRPr lang="en-US" dirty="0"/>
           </a:p>
           <a:p>
-            <a:pPr marL="457200" lvl="1" indent="0">
+            <a:pPr marL="457166" lvl="1" indent="0">
               <a:buNone/>
             </a:pPr>
             <a:r>
               <a:rPr lang="en-US" sz="2000" dirty="0"/>
-              <a:t> </a:t>
-            </a:r>
-            <a:r>
-              <a:rPr lang="en-US" sz="2000" dirty="0" smtClean="0"/>
-              <a:t>	Bits</a:t>
-            </a:r>
-            <a:r>
-              <a:rPr lang="en-US" sz="2000" dirty="0"/>
-              <a:t>	A[3]	A[2]	A[1]	A[0]</a:t>
+              <a:t> 	Bits	A[3]	A[2]	A[1]	A[0]</a:t>
             </a:r>
             <a:r>
               <a:rPr lang="en-US" dirty="0" smtClean="0"/>
@@ -3202,42 +3829,42 @@
             </a:r>
           </a:p>
           <a:p>
-            <a:pPr marL="457200" lvl="1" indent="0">
+            <a:pPr marL="457166" lvl="1" indent="0">
               <a:buNone/>
             </a:pPr>
             <a:r>
               <a:rPr lang="en-US" dirty="0" smtClean="0"/>
-              <a:t>Node 1	1	0	0</a:t>
-            </a:r>
-          </a:p>
-          <a:p>
-            <a:pPr marL="457200" lvl="1" indent="0">
+              <a:t>Node 1	1	0</a:t>
+            </a:r>
+          </a:p>
+          <a:p>
+            <a:pPr marL="457166" lvl="1" indent="0">
               <a:buNone/>
             </a:pPr>
             <a:endParaRPr lang="en-US" dirty="0"/>
           </a:p>
           <a:p>
-            <a:pPr marL="457200" lvl="1" indent="0">
+            <a:pPr marL="457166" lvl="1" indent="0">
               <a:buNone/>
             </a:pPr>
             <a:r>
               <a:rPr lang="en-US" dirty="0" smtClean="0"/>
-              <a:t>Node 2	1	0	1</a:t>
-            </a:r>
-          </a:p>
-          <a:p>
-            <a:pPr marL="457200" lvl="1" indent="0">
+              <a:t>Node 2	1	0</a:t>
+            </a:r>
+          </a:p>
+          <a:p>
+            <a:pPr marL="457166" lvl="1" indent="0">
               <a:buNone/>
             </a:pPr>
             <a:endParaRPr lang="en-US" dirty="0"/>
           </a:p>
           <a:p>
-            <a:pPr marL="457200" lvl="1" indent="0">
+            <a:pPr marL="457166" lvl="1" indent="0">
               <a:buNone/>
             </a:pPr>
             <a:r>
               <a:rPr lang="en-US" dirty="0" smtClean="0"/>
-              <a:t>Node 3	1	1	S</a:t>
+              <a:t>Node 3	1	1</a:t>
             </a:r>
           </a:p>
         </p:txBody>
@@ -3245,7 +3872,7 @@
     </p:spTree>
     <p:extLst>
       <p:ext uri="{BB962C8B-B14F-4D97-AF65-F5344CB8AC3E}">
-        <p14:creationId xmlns:p14="http://schemas.microsoft.com/office/powerpoint/2010/main" val="1495592865"/>
+        <p14:creationId xmlns:p14="http://schemas.microsoft.com/office/powerpoint/2010/main" val="3012665402"/>
       </p:ext>
     </p:extLst>
   </p:cSld>
@@ -3295,10 +3922,22 @@
           <a:lstStyle/>
           <a:p>
             <a:r>
-              <a:rPr lang="en-US" dirty="0" smtClean="0"/>
+              <a:rPr lang="en-US" dirty="0" smtClean="0">
+                <a:solidFill>
+                  <a:schemeClr val="accent1">
+                    <a:lumMod val="75000"/>
+                  </a:schemeClr>
+                </a:solidFill>
+              </a:rPr>
               <a:t>Bus Access and Arbitration</a:t>
             </a:r>
-            <a:endParaRPr lang="en-US" dirty="0"/>
+            <a:endParaRPr lang="en-US" dirty="0">
+              <a:solidFill>
+                <a:schemeClr val="accent1">
+                  <a:lumMod val="75000"/>
+                </a:schemeClr>
+              </a:solidFill>
+            </a:endParaRPr>
           </a:p>
         </p:txBody>
       </p:sp>
@@ -3344,11 +3983,11 @@
             <a:endParaRPr lang="en-US" dirty="0"/>
           </a:p>
           <a:p>
-            <a:pPr marL="457200" lvl="1" indent="0">
+            <a:pPr marL="457166" lvl="1" indent="0">
               <a:buNone/>
             </a:pPr>
             <a:r>
-              <a:rPr lang="en-US" sz="2000" dirty="0" smtClean="0"/>
+              <a:rPr lang="en-US" sz="2000" dirty="0"/>
               <a:t> 	Bits	A[3]	A[2]	A[1]	A[0]</a:t>
             </a:r>
             <a:r>
@@ -3357,42 +3996,50 @@
             </a:r>
           </a:p>
           <a:p>
-            <a:pPr marL="457200" lvl="1" indent="0">
+            <a:pPr marL="457166" lvl="1" indent="0">
               <a:buNone/>
             </a:pPr>
             <a:r>
               <a:rPr lang="en-US" dirty="0" smtClean="0"/>
-              <a:t>Node 1	1	0	0	0	Bus Master!</a:t>
-            </a:r>
-          </a:p>
-          <a:p>
-            <a:pPr marL="457200" lvl="1" indent="0">
+              <a:t>Node 1	1	0	0</a:t>
+            </a:r>
+          </a:p>
+          <a:p>
+            <a:pPr marL="457166" lvl="1" indent="0">
               <a:buNone/>
             </a:pPr>
             <a:endParaRPr lang="en-US" dirty="0"/>
           </a:p>
           <a:p>
-            <a:pPr marL="457200" lvl="1" indent="0">
+            <a:pPr marL="457166" lvl="1" indent="0">
               <a:buNone/>
             </a:pPr>
             <a:r>
               <a:rPr lang="en-US" dirty="0" smtClean="0"/>
-              <a:t>Node 2	1	0	1	S</a:t>
-            </a:r>
-          </a:p>
-          <a:p>
-            <a:pPr marL="457200" lvl="1" indent="0">
+              <a:t>Node 2	1	0	1</a:t>
+            </a:r>
+          </a:p>
+          <a:p>
+            <a:pPr marL="457166" lvl="1" indent="0">
               <a:buNone/>
             </a:pPr>
             <a:endParaRPr lang="en-US" dirty="0"/>
           </a:p>
           <a:p>
-            <a:pPr marL="457200" lvl="1" indent="0">
+            <a:pPr marL="457166" lvl="1" indent="0">
               <a:buNone/>
             </a:pPr>
             <a:r>
               <a:rPr lang="en-US" dirty="0" smtClean="0"/>
-              <a:t>Node 3	1	1	S	S</a:t>
+              <a:t>Node 3	1	1	</a:t>
+            </a:r>
+            <a:r>
+              <a:rPr lang="en-US" dirty="0" smtClean="0">
+                <a:solidFill>
+                  <a:srgbClr val="FF0000"/>
+                </a:solidFill>
+              </a:rPr>
+              <a:t>S</a:t>
             </a:r>
           </a:p>
         </p:txBody>
@@ -3400,7 +4047,7 @@
     </p:spTree>
     <p:extLst>
       <p:ext uri="{BB962C8B-B14F-4D97-AF65-F5344CB8AC3E}">
-        <p14:creationId xmlns:p14="http://schemas.microsoft.com/office/powerpoint/2010/main" val="3968294117"/>
+        <p14:creationId xmlns:p14="http://schemas.microsoft.com/office/powerpoint/2010/main" val="1495592865"/>
       </p:ext>
     </p:extLst>
   </p:cSld>
@@ -3450,69 +4097,140 @@
           <a:lstStyle/>
           <a:p>
             <a:r>
+              <a:rPr lang="en-US" dirty="0" smtClean="0">
+                <a:solidFill>
+                  <a:schemeClr val="accent1">
+                    <a:lumMod val="75000"/>
+                  </a:schemeClr>
+                </a:solidFill>
+              </a:rPr>
+              <a:t>Bus Access and Arbitration</a:t>
+            </a:r>
+            <a:endParaRPr lang="en-US" dirty="0">
+              <a:solidFill>
+                <a:schemeClr val="accent1">
+                  <a:lumMod val="75000"/>
+                </a:schemeClr>
+              </a:solidFill>
+            </a:endParaRPr>
+          </a:p>
+        </p:txBody>
+      </p:sp>
+      <p:sp>
+        <p:nvSpPr>
+          <p:cNvPr id="3" name="Content Placeholder 2"/>
+          <p:cNvSpPr>
+            <a:spLocks noGrp="1"/>
+          </p:cNvSpPr>
+          <p:nvPr>
+            <p:ph idx="1"/>
+          </p:nvPr>
+        </p:nvSpPr>
+        <p:spPr/>
+        <p:txBody>
+          <a:bodyPr>
+            <a:normAutofit lnSpcReduction="10000"/>
+          </a:bodyPr>
+          <a:lstStyle/>
+          <a:p>
+            <a:pPr>
+              <a:lnSpc>
+                <a:spcPct val="150000"/>
+              </a:lnSpc>
+            </a:pPr>
+            <a:r>
               <a:rPr lang="en-US" dirty="0" smtClean="0"/>
-              <a:t>Frame Formats</a:t>
-            </a:r>
+              <a:t>Arbitration is non-destructive and prioritized by message</a:t>
+            </a:r>
+          </a:p>
+          <a:p>
+            <a:pPr>
+              <a:lnSpc>
+                <a:spcPct val="150000"/>
+              </a:lnSpc>
+            </a:pPr>
+            <a:r>
+              <a:rPr lang="en-US" dirty="0" smtClean="0"/>
+              <a:t>Bitwise Arbitration scheme</a:t>
+            </a:r>
+          </a:p>
+          <a:p>
             <a:endParaRPr lang="en-US" dirty="0"/>
           </a:p>
-        </p:txBody>
-      </p:sp>
-      <p:sp>
-        <p:nvSpPr>
-          <p:cNvPr id="3" name="Content Placeholder 2"/>
-          <p:cNvSpPr>
-            <a:spLocks noGrp="1"/>
-          </p:cNvSpPr>
-          <p:nvPr>
-            <p:ph idx="1"/>
-          </p:nvPr>
-        </p:nvSpPr>
-        <p:spPr/>
-        <p:txBody>
-          <a:bodyPr/>
-          <a:lstStyle/>
-          <a:p>
+          <a:p>
+            <a:pPr marL="457166" lvl="1" indent="0">
+              <a:buNone/>
+            </a:pPr>
+            <a:r>
+              <a:rPr lang="en-US" sz="2000" dirty="0"/>
+              <a:t> 	Bits	A[3]	A[2]	A[1]	A[0]</a:t>
+            </a:r>
             <a:r>
               <a:rPr lang="en-US" dirty="0" smtClean="0"/>
-              <a:t>Data Frame</a:t>
-            </a:r>
-          </a:p>
-          <a:p>
+              <a:t>	</a:t>
+            </a:r>
+          </a:p>
+          <a:p>
+            <a:pPr marL="457166" lvl="1" indent="0">
+              <a:buNone/>
+            </a:pPr>
+            <a:r>
+              <a:rPr lang="en-US" dirty="0" smtClean="0"/>
+              <a:t>Node 1	1	0	0	0	Bus Master!</a:t>
+            </a:r>
+          </a:p>
+          <a:p>
+            <a:pPr marL="457166" lvl="1" indent="0">
+              <a:buNone/>
+            </a:pPr>
             <a:endParaRPr lang="en-US" dirty="0"/>
           </a:p>
           <a:p>
+            <a:pPr marL="457166" lvl="1" indent="0">
+              <a:buNone/>
+            </a:pPr>
+            <a:r>
+              <a:rPr lang="en-US" dirty="0" smtClean="0"/>
+              <a:t>Node 2	1	0	1	</a:t>
+            </a:r>
+            <a:r>
+              <a:rPr lang="en-US" dirty="0" smtClean="0">
+                <a:solidFill>
+                  <a:srgbClr val="FF0000"/>
+                </a:solidFill>
+              </a:rPr>
+              <a:t>S</a:t>
+            </a:r>
+          </a:p>
+          <a:p>
+            <a:pPr marL="457166" lvl="1" indent="0">
+              <a:buNone/>
+            </a:pPr>
             <a:endParaRPr lang="en-US" dirty="0"/>
           </a:p>
-        </p:txBody>
-      </p:sp>
-      <p:pic>
-        <p:nvPicPr>
-          <p:cNvPr id="4" name="Picture 3"/>
-          <p:cNvPicPr>
-            <a:picLocks noChangeAspect="1"/>
-          </p:cNvPicPr>
-          <p:nvPr/>
-        </p:nvPicPr>
-        <p:blipFill>
-          <a:blip r:embed="rId2"/>
-          <a:stretch>
-            <a:fillRect/>
-          </a:stretch>
-        </p:blipFill>
-        <p:spPr>
-          <a:xfrm>
-            <a:off x="561975" y="2516874"/>
-            <a:ext cx="11068050" cy="3352800"/>
-          </a:xfrm>
-          <a:prstGeom prst="rect">
-            <a:avLst/>
-          </a:prstGeom>
-        </p:spPr>
-      </p:pic>
+          <a:p>
+            <a:pPr marL="457166" lvl="1" indent="0">
+              <a:buNone/>
+            </a:pPr>
+            <a:r>
+              <a:rPr lang="en-US" dirty="0" smtClean="0"/>
+              <a:t>Node 3	1	1	</a:t>
+            </a:r>
+            <a:r>
+              <a:rPr lang="en-US" dirty="0" smtClean="0">
+                <a:solidFill>
+                  <a:srgbClr val="FF0000"/>
+                </a:solidFill>
+              </a:rPr>
+              <a:t>S	S</a:t>
+            </a:r>
+          </a:p>
+        </p:txBody>
+      </p:sp>
     </p:spTree>
     <p:extLst>
       <p:ext uri="{BB962C8B-B14F-4D97-AF65-F5344CB8AC3E}">
-        <p14:creationId xmlns:p14="http://schemas.microsoft.com/office/powerpoint/2010/main" val="3912785048"/>
+        <p14:creationId xmlns:p14="http://schemas.microsoft.com/office/powerpoint/2010/main" val="3968294117"/>
       </p:ext>
     </p:extLst>
   </p:cSld>
@@ -3562,76 +4280,43 @@
           <a:lstStyle/>
           <a:p>
             <a:r>
+              <a:rPr lang="en-US" dirty="0" smtClean="0">
+                <a:solidFill>
+                  <a:schemeClr val="accent1">
+                    <a:lumMod val="75000"/>
+                  </a:schemeClr>
+                </a:solidFill>
+              </a:rPr>
+              <a:t>Frame Formats</a:t>
+            </a:r>
+            <a:endParaRPr lang="en-US" dirty="0">
+              <a:solidFill>
+                <a:schemeClr val="accent1">
+                  <a:lumMod val="75000"/>
+                </a:schemeClr>
+              </a:solidFill>
+            </a:endParaRPr>
+          </a:p>
+        </p:txBody>
+      </p:sp>
+      <p:sp>
+        <p:nvSpPr>
+          <p:cNvPr id="3" name="Content Placeholder 2"/>
+          <p:cNvSpPr>
+            <a:spLocks noGrp="1"/>
+          </p:cNvSpPr>
+          <p:nvPr>
+            <p:ph idx="1"/>
+          </p:nvPr>
+        </p:nvSpPr>
+        <p:spPr/>
+        <p:txBody>
+          <a:bodyPr/>
+          <a:lstStyle/>
+          <a:p>
+            <a:r>
               <a:rPr lang="en-US" dirty="0" smtClean="0"/>
-              <a:t>Frame Formats…..</a:t>
-            </a:r>
-            <a:endParaRPr lang="en-US" dirty="0"/>
-          </a:p>
-        </p:txBody>
-      </p:sp>
-      <p:sp>
-        <p:nvSpPr>
-          <p:cNvPr id="3" name="Content Placeholder 2"/>
-          <p:cNvSpPr>
-            <a:spLocks noGrp="1"/>
-          </p:cNvSpPr>
-          <p:nvPr>
-            <p:ph idx="1"/>
-          </p:nvPr>
-        </p:nvSpPr>
-        <p:spPr>
-          <a:xfrm>
-            <a:off x="308649" y="2050766"/>
-            <a:ext cx="4839269" cy="4351338"/>
-          </a:xfrm>
-        </p:spPr>
-        <p:txBody>
-          <a:bodyPr/>
-          <a:lstStyle/>
-          <a:p>
-            <a:pPr algn="just">
-              <a:lnSpc>
-                <a:spcPct val="150000"/>
-              </a:lnSpc>
-            </a:pPr>
-            <a:r>
-              <a:rPr lang="en-US" dirty="0" smtClean="0"/>
-              <a:t>Request Frame</a:t>
-            </a:r>
-          </a:p>
-          <a:p>
-            <a:pPr marL="457200" lvl="1" indent="0" algn="just">
-              <a:lnSpc>
-                <a:spcPct val="150000"/>
-              </a:lnSpc>
-              <a:buNone/>
-            </a:pPr>
-            <a:r>
-              <a:rPr lang="en-US" dirty="0" smtClean="0"/>
-              <a:t>- Similar to Data frame format but no Data field</a:t>
-            </a:r>
-          </a:p>
-          <a:p>
-            <a:pPr algn="just">
-              <a:lnSpc>
-                <a:spcPct val="150000"/>
-              </a:lnSpc>
-            </a:pPr>
-            <a:r>
-              <a:rPr lang="en-US" dirty="0" smtClean="0"/>
-              <a:t>Error Frame </a:t>
-            </a:r>
-          </a:p>
-          <a:p>
-            <a:pPr marL="457200" lvl="1" indent="0" algn="just">
-              <a:lnSpc>
-                <a:spcPct val="150000"/>
-              </a:lnSpc>
-              <a:buNone/>
-            </a:pPr>
-            <a:r>
-              <a:rPr lang="en-US" dirty="0" smtClean="0"/>
-              <a:t>- Fixed Frame format sent on bus error</a:t>
+              <a:t>Data Frame</a:t>
             </a:r>
           </a:p>
           <a:p>
@@ -3658,8 +4343,8 @@
         </p:blipFill>
         <p:spPr>
           <a:xfrm>
-            <a:off x="5147918" y="2050766"/>
-            <a:ext cx="6784774" cy="3734013"/>
+            <a:off x="561983" y="2516876"/>
+            <a:ext cx="11068052" cy="3352800"/>
           </a:xfrm>
           <a:prstGeom prst="rect">
             <a:avLst/>
@@ -3669,7 +4354,7 @@
     </p:spTree>
     <p:extLst>
       <p:ext uri="{BB962C8B-B14F-4D97-AF65-F5344CB8AC3E}">
-        <p14:creationId xmlns:p14="http://schemas.microsoft.com/office/powerpoint/2010/main" val="3067096356"/>
+        <p14:creationId xmlns:p14="http://schemas.microsoft.com/office/powerpoint/2010/main" val="3912785048"/>
       </p:ext>
     </p:extLst>
   </p:cSld>
@@ -3787,36 +4472,126 @@
           <a:lstStyle/>
           <a:p>
             <a:r>
+              <a:rPr lang="en-US" dirty="0" smtClean="0">
+                <a:solidFill>
+                  <a:schemeClr val="accent1">
+                    <a:lumMod val="75000"/>
+                  </a:schemeClr>
+                </a:solidFill>
+              </a:rPr>
+              <a:t>Frame Formats</a:t>
+            </a:r>
+            <a:endParaRPr lang="en-US" dirty="0">
+              <a:solidFill>
+                <a:schemeClr val="accent1">
+                  <a:lumMod val="75000"/>
+                </a:schemeClr>
+              </a:solidFill>
+            </a:endParaRPr>
+          </a:p>
+        </p:txBody>
+      </p:sp>
+      <p:sp>
+        <p:nvSpPr>
+          <p:cNvPr id="3" name="Content Placeholder 2"/>
+          <p:cNvSpPr>
+            <a:spLocks noGrp="1"/>
+          </p:cNvSpPr>
+          <p:nvPr>
+            <p:ph idx="1"/>
+          </p:nvPr>
+        </p:nvSpPr>
+        <p:spPr>
+          <a:xfrm>
+            <a:off x="308655" y="2050765"/>
+            <a:ext cx="4839269" cy="4351339"/>
+          </a:xfrm>
+        </p:spPr>
+        <p:txBody>
+          <a:bodyPr/>
+          <a:lstStyle/>
+          <a:p>
+            <a:pPr algn="just">
+              <a:lnSpc>
+                <a:spcPct val="150000"/>
+              </a:lnSpc>
+            </a:pPr>
+            <a:r>
               <a:rPr lang="en-US" dirty="0" smtClean="0"/>
-              <a:t>CAN Protocol Flow</a:t>
-            </a:r>
+              <a:t>Request Frame</a:t>
+            </a:r>
+          </a:p>
+          <a:p>
+            <a:pPr marL="457166" lvl="1" indent="0" algn="just">
+              <a:lnSpc>
+                <a:spcPct val="150000"/>
+              </a:lnSpc>
+              <a:buNone/>
+            </a:pPr>
+            <a:r>
+              <a:rPr lang="en-US" dirty="0" smtClean="0"/>
+              <a:t>- Similar to Data frame format but no Data field</a:t>
+            </a:r>
+          </a:p>
+          <a:p>
+            <a:pPr algn="just">
+              <a:lnSpc>
+                <a:spcPct val="150000"/>
+              </a:lnSpc>
+            </a:pPr>
+            <a:r>
+              <a:rPr lang="en-US" dirty="0" smtClean="0"/>
+              <a:t>Error Frame </a:t>
+            </a:r>
+          </a:p>
+          <a:p>
+            <a:pPr marL="457166" lvl="1" indent="0" algn="just">
+              <a:lnSpc>
+                <a:spcPct val="150000"/>
+              </a:lnSpc>
+              <a:buNone/>
+            </a:pPr>
+            <a:r>
+              <a:rPr lang="en-US" dirty="0" smtClean="0"/>
+              <a:t>- Fixed Frame format sent by all nodes on bus error</a:t>
+            </a:r>
+          </a:p>
+          <a:p>
             <a:endParaRPr lang="en-US" dirty="0"/>
           </a:p>
-        </p:txBody>
-      </p:sp>
-      <p:sp>
-        <p:nvSpPr>
-          <p:cNvPr id="3" name="Content Placeholder 2"/>
-          <p:cNvSpPr>
-            <a:spLocks noGrp="1"/>
-          </p:cNvSpPr>
-          <p:nvPr>
-            <p:ph idx="1"/>
-          </p:nvPr>
-        </p:nvSpPr>
-        <p:spPr/>
-        <p:txBody>
-          <a:bodyPr/>
-          <a:lstStyle/>
           <a:p>
             <a:endParaRPr lang="en-US" dirty="0"/>
           </a:p>
         </p:txBody>
       </p:sp>
+      <p:pic>
+        <p:nvPicPr>
+          <p:cNvPr id="4" name="Picture 3"/>
+          <p:cNvPicPr>
+            <a:picLocks noChangeAspect="1"/>
+          </p:cNvPicPr>
+          <p:nvPr/>
+        </p:nvPicPr>
+        <p:blipFill>
+          <a:blip r:embed="rId2"/>
+          <a:stretch>
+            <a:fillRect/>
+          </a:stretch>
+        </p:blipFill>
+        <p:spPr>
+          <a:xfrm>
+            <a:off x="5147923" y="2050775"/>
+            <a:ext cx="6784775" cy="3734015"/>
+          </a:xfrm>
+          <a:prstGeom prst="rect">
+            <a:avLst/>
+          </a:prstGeom>
+        </p:spPr>
+      </p:pic>
     </p:spTree>
     <p:extLst>
       <p:ext uri="{BB962C8B-B14F-4D97-AF65-F5344CB8AC3E}">
-        <p14:creationId xmlns:p14="http://schemas.microsoft.com/office/powerpoint/2010/main" val="447514620"/>
+        <p14:creationId xmlns:p14="http://schemas.microsoft.com/office/powerpoint/2010/main" val="3067096356"/>
       </p:ext>
     </p:extLst>
   </p:cSld>
@@ -3826,7 +4601,75 @@
   <p:timing>
     <p:tnLst>
       <p:par>
-        <p:cTn id="1" dur="indefinite" restart="never" nodeType="tmRoot"/>
+        <p:cTn id="1" dur="indefinite" restart="never" nodeType="tmRoot">
+          <p:childTnLst>
+            <p:seq concurrent="1" nextAc="seek">
+              <p:cTn id="2" dur="indefinite" nodeType="mainSeq">
+                <p:childTnLst>
+                  <p:par>
+                    <p:cTn id="3" fill="hold">
+                      <p:stCondLst>
+                        <p:cond delay="indefinite"/>
+                      </p:stCondLst>
+                      <p:childTnLst>
+                        <p:par>
+                          <p:cTn id="4" fill="hold">
+                            <p:stCondLst>
+                              <p:cond delay="0"/>
+                            </p:stCondLst>
+                            <p:childTnLst>
+                              <p:par>
+                                <p:cTn id="5" presetID="1" presetClass="entr" presetSubtype="0" fill="hold" nodeType="clickEffect">
+                                  <p:stCondLst>
+                                    <p:cond delay="0"/>
+                                  </p:stCondLst>
+                                  <p:childTnLst>
+                                    <p:set>
+                                      <p:cBhvr>
+                                        <p:cTn id="6" dur="1" fill="hold">
+                                          <p:stCondLst>
+                                            <p:cond delay="0"/>
+                                          </p:stCondLst>
+                                        </p:cTn>
+                                        <p:tgtEl>
+                                          <p:spTgt spid="4"/>
+                                        </p:tgtEl>
+                                        <p:attrNameLst>
+                                          <p:attrName>style.visibility</p:attrName>
+                                        </p:attrNameLst>
+                                      </p:cBhvr>
+                                      <p:to>
+                                        <p:strVal val="visible"/>
+                                      </p:to>
+                                    </p:set>
+                                  </p:childTnLst>
+                                </p:cTn>
+                              </p:par>
+                            </p:childTnLst>
+                          </p:cTn>
+                        </p:par>
+                      </p:childTnLst>
+                    </p:cTn>
+                  </p:par>
+                </p:childTnLst>
+              </p:cTn>
+              <p:prevCondLst>
+                <p:cond evt="onPrev" delay="0">
+                  <p:tgtEl>
+                    <p:sldTgt/>
+                  </p:tgtEl>
+                </p:cond>
+              </p:prevCondLst>
+              <p:nextCondLst>
+                <p:cond evt="onNext" delay="0">
+                  <p:tgtEl>
+                    <p:sldTgt/>
+                  </p:tgtEl>
+                </p:cond>
+              </p:nextCondLst>
+            </p:seq>
+          </p:childTnLst>
+        </p:cTn>
       </p:par>
     </p:tnLst>
   </p:timing>
@@ -3852,50 +4695,104 @@
       </p:grpSpPr>
       <p:sp>
         <p:nvSpPr>
-          <p:cNvPr id="4" name="Title 3"/>
-          <p:cNvSpPr>
-            <a:spLocks noGrp="1"/>
-          </p:cNvSpPr>
-          <p:nvPr>
-            <p:ph type="ctrTitle"/>
-          </p:nvPr>
-        </p:nvSpPr>
-        <p:spPr/>
-        <p:txBody>
-          <a:bodyPr/>
-          <a:lstStyle/>
-          <a:p>
-            <a:r>
-              <a:rPr lang="en-US" dirty="0" smtClean="0"/>
-              <a:t>IMPLEMENTATION</a:t>
-            </a:r>
-            <a:endParaRPr lang="en-US" dirty="0"/>
-          </a:p>
-        </p:txBody>
-      </p:sp>
-      <p:sp>
-        <p:nvSpPr>
-          <p:cNvPr id="5" name="Subtitle 4"/>
-          <p:cNvSpPr>
-            <a:spLocks noGrp="1"/>
-          </p:cNvSpPr>
-          <p:nvPr>
-            <p:ph type="subTitle" idx="1"/>
-          </p:nvPr>
-        </p:nvSpPr>
-        <p:spPr/>
-        <p:txBody>
-          <a:bodyPr/>
-          <a:lstStyle/>
-          <a:p>
-            <a:endParaRPr lang="en-US"/>
-          </a:p>
-        </p:txBody>
-      </p:sp>
+          <p:cNvPr id="5" name="Title 4"/>
+          <p:cNvSpPr>
+            <a:spLocks noGrp="1"/>
+          </p:cNvSpPr>
+          <p:nvPr>
+            <p:ph type="title"/>
+          </p:nvPr>
+        </p:nvSpPr>
+        <p:spPr>
+          <a:xfrm>
+            <a:off x="4" y="-157810"/>
+            <a:ext cx="10515600" cy="1325563"/>
+          </a:xfrm>
+        </p:spPr>
+        <p:txBody>
+          <a:bodyPr/>
+          <a:lstStyle/>
+          <a:p>
+            <a:r>
+              <a:rPr lang="en-US" dirty="0" smtClean="0">
+                <a:solidFill>
+                  <a:schemeClr val="accent1">
+                    <a:lumMod val="75000"/>
+                  </a:schemeClr>
+                </a:solidFill>
+              </a:rPr>
+              <a:t>Control Flow</a:t>
+            </a:r>
+            <a:endParaRPr lang="en-US" dirty="0">
+              <a:solidFill>
+                <a:schemeClr val="accent1">
+                  <a:lumMod val="75000"/>
+                </a:schemeClr>
+              </a:solidFill>
+            </a:endParaRPr>
+          </a:p>
+        </p:txBody>
+      </p:sp>
+      <p:pic>
+        <p:nvPicPr>
+          <p:cNvPr id="17" name="Content Placeholder 16"/>
+          <p:cNvPicPr>
+            <a:picLocks noGrp="1"/>
+          </p:cNvPicPr>
+          <p:nvPr>
+            <p:ph idx="1"/>
+          </p:nvPr>
+        </p:nvPicPr>
+        <p:blipFill>
+          <a:blip r:embed="rId2" cstate="print">
+            <a:extLst>
+              <a:ext uri="{28A0092B-C50C-407E-A947-70E740481C1C}">
+                <a14:useLocalDpi xmlns:a14="http://schemas.microsoft.com/office/drawing/2010/main" val="0"/>
+              </a:ext>
+            </a:extLst>
+          </a:blip>
+          <a:stretch>
+            <a:fillRect/>
+          </a:stretch>
+        </p:blipFill>
+        <p:spPr>
+          <a:xfrm>
+            <a:off x="1578600" y="504968"/>
+            <a:ext cx="6823881" cy="6114197"/>
+          </a:xfrm>
+          <a:prstGeom prst="rect">
+            <a:avLst/>
+          </a:prstGeom>
+        </p:spPr>
+      </p:pic>
+      <p:pic>
+        <p:nvPicPr>
+          <p:cNvPr id="18" name="Content Placeholder 3"/>
+          <p:cNvPicPr>
+            <a:picLocks noChangeAspect="1"/>
+          </p:cNvPicPr>
+          <p:nvPr/>
+        </p:nvPicPr>
+        <p:blipFill>
+          <a:blip r:embed="rId3"/>
+          <a:stretch>
+            <a:fillRect/>
+          </a:stretch>
+        </p:blipFill>
+        <p:spPr>
+          <a:xfrm>
+            <a:off x="7248250" y="785885"/>
+            <a:ext cx="4667252" cy="2667001"/>
+          </a:xfrm>
+          <a:prstGeom prst="rect">
+            <a:avLst/>
+          </a:prstGeom>
+        </p:spPr>
+      </p:pic>
     </p:spTree>
     <p:extLst>
       <p:ext uri="{BB962C8B-B14F-4D97-AF65-F5344CB8AC3E}">
-        <p14:creationId xmlns:p14="http://schemas.microsoft.com/office/powerpoint/2010/main" val="2278048684"/>
+        <p14:creationId xmlns:p14="http://schemas.microsoft.com/office/powerpoint/2010/main" val="447514620"/>
       </p:ext>
     </p:extLst>
   </p:cSld>
@@ -3905,7 +4802,75 @@
   <p:timing>
     <p:tnLst>
       <p:par>
-        <p:cTn id="1" dur="indefinite" restart="never" nodeType="tmRoot"/>
+        <p:cTn id="1" dur="indefinite" restart="never" nodeType="tmRoot">
+          <p:childTnLst>
+            <p:seq concurrent="1" nextAc="seek">
+              <p:cTn id="2" dur="indefinite" nodeType="mainSeq">
+                <p:childTnLst>
+                  <p:par>
+                    <p:cTn id="3" fill="hold">
+                      <p:stCondLst>
+                        <p:cond delay="indefinite"/>
+                      </p:stCondLst>
+                      <p:childTnLst>
+                        <p:par>
+                          <p:cTn id="4" fill="hold">
+                            <p:stCondLst>
+                              <p:cond delay="0"/>
+                            </p:stCondLst>
+                            <p:childTnLst>
+                              <p:par>
+                                <p:cTn id="5" presetID="1" presetClass="entr" presetSubtype="0" fill="hold" nodeType="clickEffect">
+                                  <p:stCondLst>
+                                    <p:cond delay="0"/>
+                                  </p:stCondLst>
+                                  <p:childTnLst>
+                                    <p:set>
+                                      <p:cBhvr>
+                                        <p:cTn id="6" dur="1" fill="hold">
+                                          <p:stCondLst>
+                                            <p:cond delay="0"/>
+                                          </p:stCondLst>
+                                        </p:cTn>
+                                        <p:tgtEl>
+                                          <p:spTgt spid="18"/>
+                                        </p:tgtEl>
+                                        <p:attrNameLst>
+                                          <p:attrName>style.visibility</p:attrName>
+                                        </p:attrNameLst>
+                                      </p:cBhvr>
+                                      <p:to>
+                                        <p:strVal val="visible"/>
+                                      </p:to>
+                                    </p:set>
+                                  </p:childTnLst>
+                                </p:cTn>
+                              </p:par>
+                            </p:childTnLst>
+                          </p:cTn>
+                        </p:par>
+                      </p:childTnLst>
+                    </p:cTn>
+                  </p:par>
+                </p:childTnLst>
+              </p:cTn>
+              <p:prevCondLst>
+                <p:cond evt="onPrev" delay="0">
+                  <p:tgtEl>
+                    <p:sldTgt/>
+                  </p:tgtEl>
+                </p:cond>
+              </p:prevCondLst>
+              <p:nextCondLst>
+                <p:cond evt="onNext" delay="0">
+                  <p:tgtEl>
+                    <p:sldTgt/>
+                  </p:tgtEl>
+                </p:cond>
+              </p:nextCondLst>
+            </p:seq>
+          </p:childTnLst>
+        </p:cTn>
       </p:par>
     </p:tnLst>
   </p:timing>
@@ -3931,6 +4896,97 @@
       </p:grpSpPr>
       <p:sp>
         <p:nvSpPr>
+          <p:cNvPr id="4" name="Title 3"/>
+          <p:cNvSpPr>
+            <a:spLocks noGrp="1"/>
+          </p:cNvSpPr>
+          <p:nvPr>
+            <p:ph type="ctrTitle"/>
+          </p:nvPr>
+        </p:nvSpPr>
+        <p:spPr/>
+        <p:txBody>
+          <a:bodyPr/>
+          <a:lstStyle/>
+          <a:p>
+            <a:r>
+              <a:rPr lang="en-US" dirty="0" smtClean="0">
+                <a:solidFill>
+                  <a:schemeClr val="accent1">
+                    <a:lumMod val="75000"/>
+                  </a:schemeClr>
+                </a:solidFill>
+              </a:rPr>
+              <a:t>IMPLEMENTATION</a:t>
+            </a:r>
+            <a:endParaRPr lang="en-US" dirty="0">
+              <a:solidFill>
+                <a:schemeClr val="accent1">
+                  <a:lumMod val="75000"/>
+                </a:schemeClr>
+              </a:solidFill>
+            </a:endParaRPr>
+          </a:p>
+        </p:txBody>
+      </p:sp>
+      <p:sp>
+        <p:nvSpPr>
+          <p:cNvPr id="5" name="Subtitle 4"/>
+          <p:cNvSpPr>
+            <a:spLocks noGrp="1"/>
+          </p:cNvSpPr>
+          <p:nvPr>
+            <p:ph type="subTitle" idx="1"/>
+          </p:nvPr>
+        </p:nvSpPr>
+        <p:spPr/>
+        <p:txBody>
+          <a:bodyPr/>
+          <a:lstStyle/>
+          <a:p>
+            <a:endParaRPr lang="en-US"/>
+          </a:p>
+        </p:txBody>
+      </p:sp>
+    </p:spTree>
+    <p:extLst>
+      <p:ext uri="{BB962C8B-B14F-4D97-AF65-F5344CB8AC3E}">
+        <p14:creationId xmlns:p14="http://schemas.microsoft.com/office/powerpoint/2010/main" val="2278048684"/>
+      </p:ext>
+    </p:extLst>
+  </p:cSld>
+  <p:clrMapOvr>
+    <a:masterClrMapping/>
+  </p:clrMapOvr>
+  <p:timing>
+    <p:tnLst>
+      <p:par>
+        <p:cTn id="1" dur="indefinite" restart="never" nodeType="tmRoot"/>
+      </p:par>
+    </p:tnLst>
+  </p:timing>
+</p:sld>
+</file>
+
+<file path=ppt/slides/slide17.xml><?xml version="1.0" encoding="utf-8"?>
+<p:sld xmlns:a="http://schemas.openxmlformats.org/drawingml/2006/main" xmlns:r="http://schemas.openxmlformats.org/officeDocument/2006/relationships" xmlns:p="http://schemas.openxmlformats.org/presentationml/2006/main">
+  <p:cSld>
+    <p:spTree>
+      <p:nvGrpSpPr>
+        <p:cNvPr id="1" name=""/>
+        <p:cNvGrpSpPr/>
+        <p:nvPr/>
+      </p:nvGrpSpPr>
+      <p:grpSpPr>
+        <a:xfrm>
+          <a:off x="0" y="0"/>
+          <a:ext cx="0" cy="0"/>
+          <a:chOff x="0" y="0"/>
+          <a:chExt cx="0" cy="0"/>
+        </a:xfrm>
+      </p:grpSpPr>
+      <p:sp>
+        <p:nvSpPr>
           <p:cNvPr id="2" name="Title 1"/>
           <p:cNvSpPr>
             <a:spLocks noGrp="1"/>
@@ -3945,10 +5001,22 @@
           <a:lstStyle/>
           <a:p>
             <a:r>
-              <a:rPr lang="en-US" dirty="0" smtClean="0"/>
+              <a:rPr lang="en-US" dirty="0" smtClean="0">
+                <a:solidFill>
+                  <a:schemeClr val="accent1">
+                    <a:lumMod val="75000"/>
+                  </a:schemeClr>
+                </a:solidFill>
+              </a:rPr>
               <a:t>Objective</a:t>
             </a:r>
-            <a:endParaRPr lang="en-US" dirty="0"/>
+            <a:endParaRPr lang="en-US" dirty="0">
+              <a:solidFill>
+                <a:schemeClr val="accent1">
+                  <a:lumMod val="75000"/>
+                </a:schemeClr>
+              </a:solidFill>
+            </a:endParaRPr>
           </a:p>
         </p:txBody>
       </p:sp>
@@ -3967,38 +5035,48 @@
           <a:bodyPr/>
           <a:lstStyle/>
           <a:p>
+            <a:pPr>
+              <a:lnSpc>
+                <a:spcPct val="150000"/>
+              </a:lnSpc>
+            </a:pPr>
             <a:r>
               <a:rPr lang="en-US" dirty="0" smtClean="0"/>
               <a:t>Synthesizable Behavioral model of CAN Protocol Controller</a:t>
             </a:r>
           </a:p>
           <a:p>
+            <a:pPr>
+              <a:lnSpc>
+                <a:spcPct val="150000"/>
+              </a:lnSpc>
+            </a:pPr>
             <a:r>
               <a:rPr lang="en-US" dirty="0" smtClean="0"/>
               <a:t>Use System Verilog constructs for functional verification</a:t>
             </a:r>
           </a:p>
           <a:p>
+            <a:pPr>
+              <a:lnSpc>
+                <a:spcPct val="150000"/>
+              </a:lnSpc>
+            </a:pPr>
             <a:r>
               <a:rPr lang="en-US" dirty="0" smtClean="0"/>
-              <a:t>Perform </a:t>
-            </a:r>
-            <a:r>
-              <a:rPr lang="en-US" dirty="0" err="1" smtClean="0"/>
-              <a:t>Veloce</a:t>
-            </a:r>
+              <a:t>Perform Veloce emulation in TBX mode</a:t>
+            </a:r>
+          </a:p>
+          <a:p>
+            <a:pPr>
+              <a:lnSpc>
+                <a:spcPct val="150000"/>
+              </a:lnSpc>
+            </a:pPr>
             <a:r>
               <a:rPr lang="en-US" dirty="0" smtClean="0"/>
-              <a:t> emulation in TBX mode</a:t>
-            </a:r>
-          </a:p>
-          <a:p>
-            <a:r>
-              <a:rPr lang="en-US" dirty="0" smtClean="0"/>
-              <a:t>Designed from scratch , no existing code used</a:t>
-            </a:r>
-          </a:p>
-          <a:p>
+              <a:t>Studied Bosch’s CAN specification and designed from scratch , no existing code used</a:t>
+            </a:r>
             <a:endParaRPr lang="en-US" dirty="0"/>
           </a:p>
         </p:txBody>
@@ -4007,6 +5085,344 @@
     <p:extLst>
       <p:ext uri="{BB962C8B-B14F-4D97-AF65-F5344CB8AC3E}">
         <p14:creationId xmlns:p14="http://schemas.microsoft.com/office/powerpoint/2010/main" val="753289943"/>
+      </p:ext>
+    </p:extLst>
+  </p:cSld>
+  <p:clrMapOvr>
+    <a:masterClrMapping/>
+  </p:clrMapOvr>
+  <p:timing>
+    <p:tnLst>
+      <p:par>
+        <p:cTn id="1" dur="indefinite" restart="never" nodeType="tmRoot"/>
+      </p:par>
+    </p:tnLst>
+  </p:timing>
+</p:sld>
+</file>
+
+<file path=ppt/slides/slide18.xml><?xml version="1.0" encoding="utf-8"?>
+<p:sld xmlns:a="http://schemas.openxmlformats.org/drawingml/2006/main" xmlns:r="http://schemas.openxmlformats.org/officeDocument/2006/relationships" xmlns:p="http://schemas.openxmlformats.org/presentationml/2006/main">
+  <p:cSld>
+    <p:spTree>
+      <p:nvGrpSpPr>
+        <p:cNvPr id="1" name=""/>
+        <p:cNvGrpSpPr/>
+        <p:nvPr/>
+      </p:nvGrpSpPr>
+      <p:grpSpPr>
+        <a:xfrm>
+          <a:off x="0" y="0"/>
+          <a:ext cx="0" cy="0"/>
+          <a:chOff x="0" y="0"/>
+          <a:chExt cx="0" cy="0"/>
+        </a:xfrm>
+      </p:grpSpPr>
+      <p:sp>
+        <p:nvSpPr>
+          <p:cNvPr id="4" name="Title 3"/>
+          <p:cNvSpPr>
+            <a:spLocks noGrp="1"/>
+          </p:cNvSpPr>
+          <p:nvPr>
+            <p:ph type="title"/>
+          </p:nvPr>
+        </p:nvSpPr>
+        <p:spPr/>
+        <p:txBody>
+          <a:bodyPr/>
+          <a:lstStyle/>
+          <a:p>
+            <a:r>
+              <a:rPr lang="en-US" dirty="0" smtClean="0">
+                <a:solidFill>
+                  <a:schemeClr val="accent1">
+                    <a:lumMod val="75000"/>
+                  </a:schemeClr>
+                </a:solidFill>
+              </a:rPr>
+              <a:t>Design Blocks</a:t>
+            </a:r>
+            <a:endParaRPr lang="en-US" dirty="0">
+              <a:solidFill>
+                <a:schemeClr val="accent1">
+                  <a:lumMod val="75000"/>
+                </a:schemeClr>
+              </a:solidFill>
+            </a:endParaRPr>
+          </a:p>
+        </p:txBody>
+      </p:sp>
+      <p:pic>
+        <p:nvPicPr>
+          <p:cNvPr id="10" name="Content Placeholder 9"/>
+          <p:cNvPicPr>
+            <a:picLocks noGrp="1"/>
+          </p:cNvPicPr>
+          <p:nvPr>
+            <p:ph idx="1"/>
+          </p:nvPr>
+        </p:nvPicPr>
+        <p:blipFill>
+          <a:blip r:embed="rId2" cstate="print">
+            <a:extLst>
+              <a:ext uri="{28A0092B-C50C-407E-A947-70E740481C1C}">
+                <a14:useLocalDpi xmlns:a14="http://schemas.microsoft.com/office/drawing/2010/main" val="0"/>
+              </a:ext>
+            </a:extLst>
+          </a:blip>
+          <a:stretch>
+            <a:fillRect/>
+          </a:stretch>
+        </p:blipFill>
+        <p:spPr>
+          <a:xfrm>
+            <a:off x="838207" y="1690690"/>
+            <a:ext cx="5235055" cy="4573636"/>
+          </a:xfrm>
+          <a:prstGeom prst="rect">
+            <a:avLst/>
+          </a:prstGeom>
+        </p:spPr>
+      </p:pic>
+      <p:pic>
+        <p:nvPicPr>
+          <p:cNvPr id="12" name="Picture 11"/>
+          <p:cNvPicPr>
+            <a:picLocks noChangeAspect="1"/>
+          </p:cNvPicPr>
+          <p:nvPr/>
+        </p:nvPicPr>
+        <p:blipFill>
+          <a:blip r:embed="rId3"/>
+          <a:stretch>
+            <a:fillRect/>
+          </a:stretch>
+        </p:blipFill>
+        <p:spPr>
+          <a:xfrm>
+            <a:off x="6926387" y="3800090"/>
+            <a:ext cx="4972052" cy="2933700"/>
+          </a:xfrm>
+          <a:prstGeom prst="rect">
+            <a:avLst/>
+          </a:prstGeom>
+        </p:spPr>
+      </p:pic>
+      <p:pic>
+        <p:nvPicPr>
+          <p:cNvPr id="13" name="Picture 12"/>
+          <p:cNvPicPr>
+            <a:picLocks noChangeAspect="1"/>
+          </p:cNvPicPr>
+          <p:nvPr/>
+        </p:nvPicPr>
+        <p:blipFill>
+          <a:blip r:embed="rId4"/>
+          <a:stretch>
+            <a:fillRect/>
+          </a:stretch>
+        </p:blipFill>
+        <p:spPr>
+          <a:xfrm>
+            <a:off x="6770219" y="329432"/>
+            <a:ext cx="5010151" cy="3648075"/>
+          </a:xfrm>
+          <a:prstGeom prst="rect">
+            <a:avLst/>
+          </a:prstGeom>
+        </p:spPr>
+      </p:pic>
+    </p:spTree>
+    <p:extLst>
+      <p:ext uri="{BB962C8B-B14F-4D97-AF65-F5344CB8AC3E}">
+        <p14:creationId xmlns:p14="http://schemas.microsoft.com/office/powerpoint/2010/main" val="2723233407"/>
+      </p:ext>
+    </p:extLst>
+  </p:cSld>
+  <p:clrMapOvr>
+    <a:masterClrMapping/>
+  </p:clrMapOvr>
+  <p:timing>
+    <p:tnLst>
+      <p:par>
+        <p:cTn id="1" dur="indefinite" restart="never" nodeType="tmRoot">
+          <p:childTnLst>
+            <p:seq concurrent="1" nextAc="seek">
+              <p:cTn id="2" dur="indefinite" nodeType="mainSeq">
+                <p:childTnLst>
+                  <p:par>
+                    <p:cTn id="3" fill="hold">
+                      <p:stCondLst>
+                        <p:cond delay="indefinite"/>
+                      </p:stCondLst>
+                      <p:childTnLst>
+                        <p:par>
+                          <p:cTn id="4" fill="hold">
+                            <p:stCondLst>
+                              <p:cond delay="0"/>
+                            </p:stCondLst>
+                            <p:childTnLst>
+                              <p:par>
+                                <p:cTn id="5" presetID="1" presetClass="entr" presetSubtype="0" fill="hold" nodeType="clickEffect">
+                                  <p:stCondLst>
+                                    <p:cond delay="0"/>
+                                  </p:stCondLst>
+                                  <p:childTnLst>
+                                    <p:set>
+                                      <p:cBhvr>
+                                        <p:cTn id="6" dur="1" fill="hold">
+                                          <p:stCondLst>
+                                            <p:cond delay="0"/>
+                                          </p:stCondLst>
+                                        </p:cTn>
+                                        <p:tgtEl>
+                                          <p:spTgt spid="13"/>
+                                        </p:tgtEl>
+                                        <p:attrNameLst>
+                                          <p:attrName>style.visibility</p:attrName>
+                                        </p:attrNameLst>
+                                      </p:cBhvr>
+                                      <p:to>
+                                        <p:strVal val="visible"/>
+                                      </p:to>
+                                    </p:set>
+                                  </p:childTnLst>
+                                </p:cTn>
+                              </p:par>
+                              <p:par>
+                                <p:cTn id="7" presetID="1" presetClass="entr" presetSubtype="0" fill="hold" nodeType="withEffect">
+                                  <p:stCondLst>
+                                    <p:cond delay="0"/>
+                                  </p:stCondLst>
+                                  <p:childTnLst>
+                                    <p:set>
+                                      <p:cBhvr>
+                                        <p:cTn id="8" dur="1" fill="hold">
+                                          <p:stCondLst>
+                                            <p:cond delay="0"/>
+                                          </p:stCondLst>
+                                        </p:cTn>
+                                        <p:tgtEl>
+                                          <p:spTgt spid="12"/>
+                                        </p:tgtEl>
+                                        <p:attrNameLst>
+                                          <p:attrName>style.visibility</p:attrName>
+                                        </p:attrNameLst>
+                                      </p:cBhvr>
+                                      <p:to>
+                                        <p:strVal val="visible"/>
+                                      </p:to>
+                                    </p:set>
+                                  </p:childTnLst>
+                                </p:cTn>
+                              </p:par>
+                            </p:childTnLst>
+                          </p:cTn>
+                        </p:par>
+                      </p:childTnLst>
+                    </p:cTn>
+                  </p:par>
+                </p:childTnLst>
+              </p:cTn>
+              <p:prevCondLst>
+                <p:cond evt="onPrev" delay="0">
+                  <p:tgtEl>
+                    <p:sldTgt/>
+                  </p:tgtEl>
+                </p:cond>
+              </p:prevCondLst>
+              <p:nextCondLst>
+                <p:cond evt="onNext" delay="0">
+                  <p:tgtEl>
+                    <p:sldTgt/>
+                  </p:tgtEl>
+                </p:cond>
+              </p:nextCondLst>
+            </p:seq>
+          </p:childTnLst>
+        </p:cTn>
+      </p:par>
+    </p:tnLst>
+  </p:timing>
+</p:sld>
+</file>
+
+<file path=ppt/slides/slide19.xml><?xml version="1.0" encoding="utf-8"?>
+<p:sld xmlns:a="http://schemas.openxmlformats.org/drawingml/2006/main" xmlns:r="http://schemas.openxmlformats.org/officeDocument/2006/relationships" xmlns:p="http://schemas.openxmlformats.org/presentationml/2006/main">
+  <p:cSld>
+    <p:spTree>
+      <p:nvGrpSpPr>
+        <p:cNvPr id="1" name=""/>
+        <p:cNvGrpSpPr/>
+        <p:nvPr/>
+      </p:nvGrpSpPr>
+      <p:grpSpPr>
+        <a:xfrm>
+          <a:off x="0" y="0"/>
+          <a:ext cx="0" cy="0"/>
+          <a:chOff x="0" y="0"/>
+          <a:chExt cx="0" cy="0"/>
+        </a:xfrm>
+      </p:grpSpPr>
+      <p:sp>
+        <p:nvSpPr>
+          <p:cNvPr id="2" name="Title 1"/>
+          <p:cNvSpPr>
+            <a:spLocks noGrp="1"/>
+          </p:cNvSpPr>
+          <p:nvPr>
+            <p:ph type="ctrTitle"/>
+          </p:nvPr>
+        </p:nvSpPr>
+        <p:spPr/>
+        <p:txBody>
+          <a:bodyPr/>
+          <a:lstStyle/>
+          <a:p>
+            <a:r>
+              <a:rPr lang="en-US" dirty="0" smtClean="0">
+                <a:solidFill>
+                  <a:schemeClr val="accent1">
+                    <a:lumMod val="75000"/>
+                  </a:schemeClr>
+                </a:solidFill>
+              </a:rPr>
+              <a:t>DESIGN CONSTRUCTS</a:t>
+            </a:r>
+            <a:endParaRPr lang="en-US" dirty="0">
+              <a:solidFill>
+                <a:schemeClr val="accent1">
+                  <a:lumMod val="75000"/>
+                </a:schemeClr>
+              </a:solidFill>
+            </a:endParaRPr>
+          </a:p>
+        </p:txBody>
+      </p:sp>
+      <p:sp>
+        <p:nvSpPr>
+          <p:cNvPr id="3" name="Subtitle 2"/>
+          <p:cNvSpPr>
+            <a:spLocks noGrp="1"/>
+          </p:cNvSpPr>
+          <p:nvPr>
+            <p:ph type="subTitle" idx="1"/>
+          </p:nvPr>
+        </p:nvSpPr>
+        <p:spPr/>
+        <p:txBody>
+          <a:bodyPr/>
+          <a:lstStyle/>
+          <a:p>
+            <a:endParaRPr lang="en-US"/>
+          </a:p>
+        </p:txBody>
+      </p:sp>
+    </p:spTree>
+    <p:extLst>
+      <p:ext uri="{BB962C8B-B14F-4D97-AF65-F5344CB8AC3E}">
+        <p14:creationId xmlns:p14="http://schemas.microsoft.com/office/powerpoint/2010/main" val="2664739709"/>
       </p:ext>
     </p:extLst>
   </p:cSld>
@@ -4114,6 +5530,2018 @@
 </p:sld>
 </file>
 
+<file path=ppt/slides/slide20.xml><?xml version="1.0" encoding="utf-8"?>
+<p:sld xmlns:a="http://schemas.openxmlformats.org/drawingml/2006/main" xmlns:r="http://schemas.openxmlformats.org/officeDocument/2006/relationships" xmlns:p="http://schemas.openxmlformats.org/presentationml/2006/main">
+  <p:cSld>
+    <p:spTree>
+      <p:nvGrpSpPr>
+        <p:cNvPr id="1" name=""/>
+        <p:cNvGrpSpPr/>
+        <p:nvPr/>
+      </p:nvGrpSpPr>
+      <p:grpSpPr>
+        <a:xfrm>
+          <a:off x="0" y="0"/>
+          <a:ext cx="0" cy="0"/>
+          <a:chOff x="0" y="0"/>
+          <a:chExt cx="0" cy="0"/>
+        </a:xfrm>
+      </p:grpSpPr>
+      <p:sp>
+        <p:nvSpPr>
+          <p:cNvPr id="2" name="Title 1"/>
+          <p:cNvSpPr>
+            <a:spLocks noGrp="1"/>
+          </p:cNvSpPr>
+          <p:nvPr>
+            <p:ph type="title"/>
+          </p:nvPr>
+        </p:nvSpPr>
+        <p:spPr/>
+        <p:txBody>
+          <a:bodyPr/>
+          <a:lstStyle/>
+          <a:p>
+            <a:r>
+              <a:rPr lang="en-US" dirty="0" smtClean="0">
+                <a:solidFill>
+                  <a:schemeClr val="accent1">
+                    <a:lumMod val="75000"/>
+                  </a:schemeClr>
+                </a:solidFill>
+              </a:rPr>
+              <a:t>Packages</a:t>
+            </a:r>
+            <a:endParaRPr lang="en-US" dirty="0">
+              <a:solidFill>
+                <a:schemeClr val="accent1">
+                  <a:lumMod val="75000"/>
+                </a:schemeClr>
+              </a:solidFill>
+            </a:endParaRPr>
+          </a:p>
+        </p:txBody>
+      </p:sp>
+      <p:sp>
+        <p:nvSpPr>
+          <p:cNvPr id="3" name="Content Placeholder 2"/>
+          <p:cNvSpPr>
+            <a:spLocks noGrp="1"/>
+          </p:cNvSpPr>
+          <p:nvPr>
+            <p:ph idx="1"/>
+          </p:nvPr>
+        </p:nvSpPr>
+        <p:spPr>
+          <a:xfrm>
+            <a:off x="290506" y="1813992"/>
+            <a:ext cx="3990975" cy="4351339"/>
+          </a:xfrm>
+        </p:spPr>
+        <p:txBody>
+          <a:bodyPr/>
+          <a:lstStyle/>
+          <a:p>
+            <a:r>
+              <a:rPr lang="en-US" dirty="0" smtClean="0"/>
+              <a:t>Parameters			 </a:t>
+            </a:r>
+          </a:p>
+          <a:p>
+            <a:endParaRPr lang="en-US" dirty="0"/>
+          </a:p>
+        </p:txBody>
+      </p:sp>
+      <p:pic>
+        <p:nvPicPr>
+          <p:cNvPr id="4" name="Picture 3"/>
+          <p:cNvPicPr>
+            <a:picLocks noChangeAspect="1"/>
+          </p:cNvPicPr>
+          <p:nvPr/>
+        </p:nvPicPr>
+        <p:blipFill>
+          <a:blip r:embed="rId2"/>
+          <a:stretch>
+            <a:fillRect/>
+          </a:stretch>
+        </p:blipFill>
+        <p:spPr>
+          <a:xfrm>
+            <a:off x="2538983" y="1813992"/>
+            <a:ext cx="3990975" cy="3362325"/>
+          </a:xfrm>
+          <a:prstGeom prst="rect">
+            <a:avLst/>
+          </a:prstGeom>
+        </p:spPr>
+      </p:pic>
+      <p:sp>
+        <p:nvSpPr>
+          <p:cNvPr id="8" name="TextBox 7"/>
+          <p:cNvSpPr txBox="1"/>
+          <p:nvPr/>
+        </p:nvSpPr>
+        <p:spPr>
+          <a:xfrm>
+            <a:off x="5776971" y="1690695"/>
+            <a:ext cx="2308604" cy="954107"/>
+          </a:xfrm>
+          <a:prstGeom prst="rect">
+            <a:avLst/>
+          </a:prstGeom>
+          <a:noFill/>
+        </p:spPr>
+        <p:txBody>
+          <a:bodyPr wrap="square" rtlCol="0">
+            <a:spAutoFit/>
+          </a:bodyPr>
+          <a:lstStyle/>
+          <a:p>
+            <a:pPr marL="285730" indent="-285730">
+              <a:buFont typeface="Arial" panose="020B0604020202020204" pitchFamily="34" charset="0"/>
+              <a:buChar char="•"/>
+            </a:pPr>
+            <a:r>
+              <a:rPr lang="en-US" sz="2800" dirty="0"/>
+              <a:t>Structures &amp; Unions</a:t>
+            </a:r>
+          </a:p>
+        </p:txBody>
+      </p:sp>
+      <p:pic>
+        <p:nvPicPr>
+          <p:cNvPr id="9" name="Picture 8"/>
+          <p:cNvPicPr>
+            <a:picLocks noChangeAspect="1"/>
+          </p:cNvPicPr>
+          <p:nvPr/>
+        </p:nvPicPr>
+        <p:blipFill>
+          <a:blip r:embed="rId3"/>
+          <a:stretch>
+            <a:fillRect/>
+          </a:stretch>
+        </p:blipFill>
+        <p:spPr>
+          <a:xfrm>
+            <a:off x="8561313" y="1163842"/>
+            <a:ext cx="2762251" cy="5429252"/>
+          </a:xfrm>
+          <a:prstGeom prst="rect">
+            <a:avLst/>
+          </a:prstGeom>
+        </p:spPr>
+      </p:pic>
+      <p:sp>
+        <p:nvSpPr>
+          <p:cNvPr id="11" name="TextBox 10"/>
+          <p:cNvSpPr txBox="1"/>
+          <p:nvPr/>
+        </p:nvSpPr>
+        <p:spPr>
+          <a:xfrm>
+            <a:off x="345563" y="5176320"/>
+            <a:ext cx="2634020" cy="523220"/>
+          </a:xfrm>
+          <a:prstGeom prst="rect">
+            <a:avLst/>
+          </a:prstGeom>
+          <a:noFill/>
+        </p:spPr>
+        <p:txBody>
+          <a:bodyPr wrap="square" rtlCol="0">
+            <a:spAutoFit/>
+          </a:bodyPr>
+          <a:lstStyle/>
+          <a:p>
+            <a:pPr marL="457166" indent="-457166">
+              <a:buFont typeface="Arial" panose="020B0604020202020204" pitchFamily="34" charset="0"/>
+              <a:buChar char="•"/>
+            </a:pPr>
+            <a:r>
+              <a:rPr lang="en-US" sz="2800" dirty="0" err="1"/>
+              <a:t>Enums</a:t>
+            </a:r>
+            <a:endParaRPr lang="en-US" sz="2800" dirty="0"/>
+          </a:p>
+        </p:txBody>
+      </p:sp>
+      <p:pic>
+        <p:nvPicPr>
+          <p:cNvPr id="12" name="Picture 11"/>
+          <p:cNvPicPr>
+            <a:picLocks noChangeAspect="1"/>
+          </p:cNvPicPr>
+          <p:nvPr/>
+        </p:nvPicPr>
+        <p:blipFill>
+          <a:blip r:embed="rId4"/>
+          <a:stretch>
+            <a:fillRect/>
+          </a:stretch>
+        </p:blipFill>
+        <p:spPr>
+          <a:xfrm>
+            <a:off x="734243" y="5816883"/>
+            <a:ext cx="7124700" cy="561975"/>
+          </a:xfrm>
+          <a:prstGeom prst="rect">
+            <a:avLst/>
+          </a:prstGeom>
+        </p:spPr>
+      </p:pic>
+    </p:spTree>
+    <p:extLst>
+      <p:ext uri="{BB962C8B-B14F-4D97-AF65-F5344CB8AC3E}">
+        <p14:creationId xmlns:p14="http://schemas.microsoft.com/office/powerpoint/2010/main" val="3283962613"/>
+      </p:ext>
+    </p:extLst>
+  </p:cSld>
+  <p:clrMapOvr>
+    <a:masterClrMapping/>
+  </p:clrMapOvr>
+  <p:timing>
+    <p:tnLst>
+      <p:par>
+        <p:cTn id="1" dur="indefinite" restart="never" nodeType="tmRoot">
+          <p:childTnLst>
+            <p:seq concurrent="1" nextAc="seek">
+              <p:cTn id="2" dur="indefinite" nodeType="mainSeq">
+                <p:childTnLst>
+                  <p:par>
+                    <p:cTn id="3" fill="hold">
+                      <p:stCondLst>
+                        <p:cond delay="indefinite"/>
+                      </p:stCondLst>
+                      <p:childTnLst>
+                        <p:par>
+                          <p:cTn id="4" fill="hold">
+                            <p:stCondLst>
+                              <p:cond delay="0"/>
+                            </p:stCondLst>
+                            <p:childTnLst>
+                              <p:par>
+                                <p:cTn id="5" presetID="1" presetClass="entr" presetSubtype="0" fill="hold" grpId="0" nodeType="clickEffect">
+                                  <p:stCondLst>
+                                    <p:cond delay="0"/>
+                                  </p:stCondLst>
+                                  <p:childTnLst>
+                                    <p:set>
+                                      <p:cBhvr>
+                                        <p:cTn id="6" dur="1" fill="hold">
+                                          <p:stCondLst>
+                                            <p:cond delay="0"/>
+                                          </p:stCondLst>
+                                        </p:cTn>
+                                        <p:tgtEl>
+                                          <p:spTgt spid="11"/>
+                                        </p:tgtEl>
+                                        <p:attrNameLst>
+                                          <p:attrName>style.visibility</p:attrName>
+                                        </p:attrNameLst>
+                                      </p:cBhvr>
+                                      <p:to>
+                                        <p:strVal val="visible"/>
+                                      </p:to>
+                                    </p:set>
+                                  </p:childTnLst>
+                                </p:cTn>
+                              </p:par>
+                              <p:par>
+                                <p:cTn id="7" presetID="1" presetClass="entr" presetSubtype="0" fill="hold" nodeType="withEffect">
+                                  <p:stCondLst>
+                                    <p:cond delay="0"/>
+                                  </p:stCondLst>
+                                  <p:childTnLst>
+                                    <p:set>
+                                      <p:cBhvr>
+                                        <p:cTn id="8" dur="1" fill="hold">
+                                          <p:stCondLst>
+                                            <p:cond delay="0"/>
+                                          </p:stCondLst>
+                                        </p:cTn>
+                                        <p:tgtEl>
+                                          <p:spTgt spid="12"/>
+                                        </p:tgtEl>
+                                        <p:attrNameLst>
+                                          <p:attrName>style.visibility</p:attrName>
+                                        </p:attrNameLst>
+                                      </p:cBhvr>
+                                      <p:to>
+                                        <p:strVal val="visible"/>
+                                      </p:to>
+                                    </p:set>
+                                  </p:childTnLst>
+                                </p:cTn>
+                              </p:par>
+                            </p:childTnLst>
+                          </p:cTn>
+                        </p:par>
+                      </p:childTnLst>
+                    </p:cTn>
+                  </p:par>
+                  <p:par>
+                    <p:cTn id="9" fill="hold">
+                      <p:stCondLst>
+                        <p:cond delay="indefinite"/>
+                      </p:stCondLst>
+                      <p:childTnLst>
+                        <p:par>
+                          <p:cTn id="10" fill="hold">
+                            <p:stCondLst>
+                              <p:cond delay="0"/>
+                            </p:stCondLst>
+                            <p:childTnLst>
+                              <p:par>
+                                <p:cTn id="11" presetID="1" presetClass="entr" presetSubtype="0" fill="hold" grpId="0" nodeType="clickEffect">
+                                  <p:stCondLst>
+                                    <p:cond delay="0"/>
+                                  </p:stCondLst>
+                                  <p:childTnLst>
+                                    <p:set>
+                                      <p:cBhvr>
+                                        <p:cTn id="12" dur="1" fill="hold">
+                                          <p:stCondLst>
+                                            <p:cond delay="0"/>
+                                          </p:stCondLst>
+                                        </p:cTn>
+                                        <p:tgtEl>
+                                          <p:spTgt spid="8"/>
+                                        </p:tgtEl>
+                                        <p:attrNameLst>
+                                          <p:attrName>style.visibility</p:attrName>
+                                        </p:attrNameLst>
+                                      </p:cBhvr>
+                                      <p:to>
+                                        <p:strVal val="visible"/>
+                                      </p:to>
+                                    </p:set>
+                                  </p:childTnLst>
+                                </p:cTn>
+                              </p:par>
+                              <p:par>
+                                <p:cTn id="13" presetID="1" presetClass="entr" presetSubtype="0" fill="hold" nodeType="withEffect">
+                                  <p:stCondLst>
+                                    <p:cond delay="0"/>
+                                  </p:stCondLst>
+                                  <p:childTnLst>
+                                    <p:set>
+                                      <p:cBhvr>
+                                        <p:cTn id="14" dur="1" fill="hold">
+                                          <p:stCondLst>
+                                            <p:cond delay="0"/>
+                                          </p:stCondLst>
+                                        </p:cTn>
+                                        <p:tgtEl>
+                                          <p:spTgt spid="9"/>
+                                        </p:tgtEl>
+                                        <p:attrNameLst>
+                                          <p:attrName>style.visibility</p:attrName>
+                                        </p:attrNameLst>
+                                      </p:cBhvr>
+                                      <p:to>
+                                        <p:strVal val="visible"/>
+                                      </p:to>
+                                    </p:set>
+                                  </p:childTnLst>
+                                </p:cTn>
+                              </p:par>
+                            </p:childTnLst>
+                          </p:cTn>
+                        </p:par>
+                      </p:childTnLst>
+                    </p:cTn>
+                  </p:par>
+                </p:childTnLst>
+              </p:cTn>
+              <p:prevCondLst>
+                <p:cond evt="onPrev" delay="0">
+                  <p:tgtEl>
+                    <p:sldTgt/>
+                  </p:tgtEl>
+                </p:cond>
+              </p:prevCondLst>
+              <p:nextCondLst>
+                <p:cond evt="onNext" delay="0">
+                  <p:tgtEl>
+                    <p:sldTgt/>
+                  </p:tgtEl>
+                </p:cond>
+              </p:nextCondLst>
+            </p:seq>
+          </p:childTnLst>
+        </p:cTn>
+      </p:par>
+    </p:tnLst>
+    <p:bldLst>
+      <p:bldP spid="8" grpId="0"/>
+      <p:bldP spid="11" grpId="0"/>
+    </p:bldLst>
+  </p:timing>
+</p:sld>
+</file>
+
+<file path=ppt/slides/slide21.xml><?xml version="1.0" encoding="utf-8"?>
+<p:sld xmlns:a="http://schemas.openxmlformats.org/drawingml/2006/main" xmlns:r="http://schemas.openxmlformats.org/officeDocument/2006/relationships" xmlns:p="http://schemas.openxmlformats.org/presentationml/2006/main">
+  <p:cSld>
+    <p:spTree>
+      <p:nvGrpSpPr>
+        <p:cNvPr id="1" name=""/>
+        <p:cNvGrpSpPr/>
+        <p:nvPr/>
+      </p:nvGrpSpPr>
+      <p:grpSpPr>
+        <a:xfrm>
+          <a:off x="0" y="0"/>
+          <a:ext cx="0" cy="0"/>
+          <a:chOff x="0" y="0"/>
+          <a:chExt cx="0" cy="0"/>
+        </a:xfrm>
+      </p:grpSpPr>
+      <p:sp>
+        <p:nvSpPr>
+          <p:cNvPr id="4" name="Title 3"/>
+          <p:cNvSpPr>
+            <a:spLocks noGrp="1"/>
+          </p:cNvSpPr>
+          <p:nvPr>
+            <p:ph type="title"/>
+          </p:nvPr>
+        </p:nvSpPr>
+        <p:spPr/>
+        <p:txBody>
+          <a:bodyPr/>
+          <a:lstStyle/>
+          <a:p>
+            <a:r>
+              <a:rPr lang="en-US" dirty="0" smtClean="0">
+                <a:solidFill>
+                  <a:schemeClr val="accent1">
+                    <a:lumMod val="75000"/>
+                  </a:schemeClr>
+                </a:solidFill>
+              </a:rPr>
+              <a:t>Interface</a:t>
+            </a:r>
+            <a:endParaRPr lang="en-US" dirty="0">
+              <a:solidFill>
+                <a:schemeClr val="accent1">
+                  <a:lumMod val="75000"/>
+                </a:schemeClr>
+              </a:solidFill>
+            </a:endParaRPr>
+          </a:p>
+        </p:txBody>
+      </p:sp>
+      <p:pic>
+        <p:nvPicPr>
+          <p:cNvPr id="6" name="Content Placeholder 5"/>
+          <p:cNvPicPr>
+            <a:picLocks noGrp="1" noChangeAspect="1"/>
+          </p:cNvPicPr>
+          <p:nvPr>
+            <p:ph idx="1"/>
+          </p:nvPr>
+        </p:nvPicPr>
+        <p:blipFill>
+          <a:blip r:embed="rId2"/>
+          <a:stretch>
+            <a:fillRect/>
+          </a:stretch>
+        </p:blipFill>
+        <p:spPr>
+          <a:xfrm>
+            <a:off x="1995523" y="1378425"/>
+            <a:ext cx="8321159" cy="5322626"/>
+          </a:xfrm>
+          <a:prstGeom prst="rect">
+            <a:avLst/>
+          </a:prstGeom>
+        </p:spPr>
+      </p:pic>
+    </p:spTree>
+    <p:extLst>
+      <p:ext uri="{BB962C8B-B14F-4D97-AF65-F5344CB8AC3E}">
+        <p14:creationId xmlns:p14="http://schemas.microsoft.com/office/powerpoint/2010/main" val="2954892549"/>
+      </p:ext>
+    </p:extLst>
+  </p:cSld>
+  <p:clrMapOvr>
+    <a:masterClrMapping/>
+  </p:clrMapOvr>
+  <p:timing>
+    <p:tnLst>
+      <p:par>
+        <p:cTn id="1" dur="indefinite" restart="never" nodeType="tmRoot"/>
+      </p:par>
+    </p:tnLst>
+  </p:timing>
+</p:sld>
+</file>
+
+<file path=ppt/slides/slide22.xml><?xml version="1.0" encoding="utf-8"?>
+<p:sld xmlns:a="http://schemas.openxmlformats.org/drawingml/2006/main" xmlns:r="http://schemas.openxmlformats.org/officeDocument/2006/relationships" xmlns:p="http://schemas.openxmlformats.org/presentationml/2006/main">
+  <p:cSld>
+    <p:spTree>
+      <p:nvGrpSpPr>
+        <p:cNvPr id="1" name=""/>
+        <p:cNvGrpSpPr/>
+        <p:nvPr/>
+      </p:nvGrpSpPr>
+      <p:grpSpPr>
+        <a:xfrm>
+          <a:off x="0" y="0"/>
+          <a:ext cx="0" cy="0"/>
+          <a:chOff x="0" y="0"/>
+          <a:chExt cx="0" cy="0"/>
+        </a:xfrm>
+      </p:grpSpPr>
+      <p:sp>
+        <p:nvSpPr>
+          <p:cNvPr id="2" name="Title 1"/>
+          <p:cNvSpPr>
+            <a:spLocks noGrp="1"/>
+          </p:cNvSpPr>
+          <p:nvPr>
+            <p:ph type="title"/>
+          </p:nvPr>
+        </p:nvSpPr>
+        <p:spPr/>
+        <p:txBody>
+          <a:bodyPr/>
+          <a:lstStyle/>
+          <a:p>
+            <a:r>
+              <a:rPr lang="en-US" dirty="0" smtClean="0">
+                <a:solidFill>
+                  <a:schemeClr val="accent1">
+                    <a:lumMod val="75000"/>
+                  </a:schemeClr>
+                </a:solidFill>
+              </a:rPr>
+              <a:t>Procedural blocks</a:t>
+            </a:r>
+            <a:endParaRPr lang="en-US" dirty="0">
+              <a:solidFill>
+                <a:schemeClr val="accent1">
+                  <a:lumMod val="75000"/>
+                </a:schemeClr>
+              </a:solidFill>
+            </a:endParaRPr>
+          </a:p>
+        </p:txBody>
+      </p:sp>
+      <p:sp>
+        <p:nvSpPr>
+          <p:cNvPr id="3" name="Content Placeholder 2"/>
+          <p:cNvSpPr>
+            <a:spLocks noGrp="1"/>
+          </p:cNvSpPr>
+          <p:nvPr>
+            <p:ph idx="1"/>
+          </p:nvPr>
+        </p:nvSpPr>
+        <p:spPr>
+          <a:xfrm>
+            <a:off x="838205" y="1819476"/>
+            <a:ext cx="10515600" cy="4351339"/>
+          </a:xfrm>
+        </p:spPr>
+        <p:txBody>
+          <a:bodyPr/>
+          <a:lstStyle/>
+          <a:p>
+            <a:r>
+              <a:rPr lang="en-US" dirty="0" err="1" smtClean="0"/>
+              <a:t>always_ff</a:t>
+            </a:r>
+            <a:r>
+              <a:rPr lang="en-US" dirty="0" smtClean="0"/>
+              <a:t> &amp; unique</a:t>
+            </a:r>
+            <a:endParaRPr lang="en-US" dirty="0"/>
+          </a:p>
+        </p:txBody>
+      </p:sp>
+      <p:pic>
+        <p:nvPicPr>
+          <p:cNvPr id="6" name="Picture 5"/>
+          <p:cNvPicPr>
+            <a:picLocks noChangeAspect="1"/>
+          </p:cNvPicPr>
+          <p:nvPr/>
+        </p:nvPicPr>
+        <p:blipFill>
+          <a:blip r:embed="rId2"/>
+          <a:stretch>
+            <a:fillRect/>
+          </a:stretch>
+        </p:blipFill>
+        <p:spPr>
+          <a:xfrm>
+            <a:off x="5814519" y="2353250"/>
+            <a:ext cx="6377487" cy="2533652"/>
+          </a:xfrm>
+          <a:prstGeom prst="rect">
+            <a:avLst/>
+          </a:prstGeom>
+        </p:spPr>
+      </p:pic>
+      <p:sp>
+        <p:nvSpPr>
+          <p:cNvPr id="8" name="TextBox 7"/>
+          <p:cNvSpPr txBox="1"/>
+          <p:nvPr/>
+        </p:nvSpPr>
+        <p:spPr>
+          <a:xfrm>
+            <a:off x="5911274" y="1824755"/>
+            <a:ext cx="1406795" cy="523220"/>
+          </a:xfrm>
+          <a:prstGeom prst="rect">
+            <a:avLst/>
+          </a:prstGeom>
+          <a:noFill/>
+        </p:spPr>
+        <p:txBody>
+          <a:bodyPr wrap="none" rtlCol="0">
+            <a:spAutoFit/>
+          </a:bodyPr>
+          <a:lstStyle/>
+          <a:p>
+            <a:pPr marL="457166" indent="-457166">
+              <a:buFont typeface="Arial" panose="020B0604020202020204" pitchFamily="34" charset="0"/>
+              <a:buChar char="•"/>
+            </a:pPr>
+            <a:r>
+              <a:rPr lang="en-US" sz="2800" dirty="0"/>
+              <a:t>Tasks</a:t>
+            </a:r>
+          </a:p>
+        </p:txBody>
+      </p:sp>
+      <p:pic>
+        <p:nvPicPr>
+          <p:cNvPr id="9" name="Picture 8"/>
+          <p:cNvPicPr>
+            <a:picLocks noChangeAspect="1"/>
+          </p:cNvPicPr>
+          <p:nvPr/>
+        </p:nvPicPr>
+        <p:blipFill>
+          <a:blip r:embed="rId3"/>
+          <a:stretch>
+            <a:fillRect/>
+          </a:stretch>
+        </p:blipFill>
+        <p:spPr>
+          <a:xfrm>
+            <a:off x="672379" y="2337571"/>
+            <a:ext cx="4909557" cy="4520436"/>
+          </a:xfrm>
+          <a:prstGeom prst="rect">
+            <a:avLst/>
+          </a:prstGeom>
+        </p:spPr>
+      </p:pic>
+    </p:spTree>
+    <p:extLst>
+      <p:ext uri="{BB962C8B-B14F-4D97-AF65-F5344CB8AC3E}">
+        <p14:creationId xmlns:p14="http://schemas.microsoft.com/office/powerpoint/2010/main" val="1160253980"/>
+      </p:ext>
+    </p:extLst>
+  </p:cSld>
+  <p:clrMapOvr>
+    <a:masterClrMapping/>
+  </p:clrMapOvr>
+  <p:timing>
+    <p:tnLst>
+      <p:par>
+        <p:cTn id="1" dur="indefinite" restart="never" nodeType="tmRoot">
+          <p:childTnLst>
+            <p:seq concurrent="1" nextAc="seek">
+              <p:cTn id="2" dur="indefinite" nodeType="mainSeq">
+                <p:childTnLst>
+                  <p:par>
+                    <p:cTn id="3" fill="hold">
+                      <p:stCondLst>
+                        <p:cond delay="indefinite"/>
+                      </p:stCondLst>
+                      <p:childTnLst>
+                        <p:par>
+                          <p:cTn id="4" fill="hold">
+                            <p:stCondLst>
+                              <p:cond delay="0"/>
+                            </p:stCondLst>
+                            <p:childTnLst>
+                              <p:par>
+                                <p:cTn id="5" presetID="1" presetClass="entr" presetSubtype="0" fill="hold" grpId="0" nodeType="clickEffect">
+                                  <p:stCondLst>
+                                    <p:cond delay="0"/>
+                                  </p:stCondLst>
+                                  <p:childTnLst>
+                                    <p:set>
+                                      <p:cBhvr>
+                                        <p:cTn id="6" dur="1" fill="hold">
+                                          <p:stCondLst>
+                                            <p:cond delay="0"/>
+                                          </p:stCondLst>
+                                        </p:cTn>
+                                        <p:tgtEl>
+                                          <p:spTgt spid="3">
+                                            <p:txEl>
+                                              <p:pRg st="0" end="0"/>
+                                            </p:txEl>
+                                          </p:spTgt>
+                                        </p:tgtEl>
+                                        <p:attrNameLst>
+                                          <p:attrName>style.visibility</p:attrName>
+                                        </p:attrNameLst>
+                                      </p:cBhvr>
+                                      <p:to>
+                                        <p:strVal val="visible"/>
+                                      </p:to>
+                                    </p:set>
+                                  </p:childTnLst>
+                                </p:cTn>
+                              </p:par>
+                              <p:par>
+                                <p:cTn id="7" presetID="1" presetClass="entr" presetSubtype="0" fill="hold" nodeType="withEffect">
+                                  <p:stCondLst>
+                                    <p:cond delay="0"/>
+                                  </p:stCondLst>
+                                  <p:childTnLst>
+                                    <p:set>
+                                      <p:cBhvr>
+                                        <p:cTn id="8" dur="1" fill="hold">
+                                          <p:stCondLst>
+                                            <p:cond delay="0"/>
+                                          </p:stCondLst>
+                                        </p:cTn>
+                                        <p:tgtEl>
+                                          <p:spTgt spid="9"/>
+                                        </p:tgtEl>
+                                        <p:attrNameLst>
+                                          <p:attrName>style.visibility</p:attrName>
+                                        </p:attrNameLst>
+                                      </p:cBhvr>
+                                      <p:to>
+                                        <p:strVal val="visible"/>
+                                      </p:to>
+                                    </p:set>
+                                  </p:childTnLst>
+                                </p:cTn>
+                              </p:par>
+                            </p:childTnLst>
+                          </p:cTn>
+                        </p:par>
+                      </p:childTnLst>
+                    </p:cTn>
+                  </p:par>
+                  <p:par>
+                    <p:cTn id="9" fill="hold">
+                      <p:stCondLst>
+                        <p:cond delay="indefinite"/>
+                      </p:stCondLst>
+                      <p:childTnLst>
+                        <p:par>
+                          <p:cTn id="10" fill="hold">
+                            <p:stCondLst>
+                              <p:cond delay="0"/>
+                            </p:stCondLst>
+                            <p:childTnLst>
+                              <p:par>
+                                <p:cTn id="11" presetID="1" presetClass="entr" presetSubtype="0" fill="hold" grpId="0" nodeType="clickEffect">
+                                  <p:stCondLst>
+                                    <p:cond delay="0"/>
+                                  </p:stCondLst>
+                                  <p:childTnLst>
+                                    <p:set>
+                                      <p:cBhvr>
+                                        <p:cTn id="12" dur="1" fill="hold">
+                                          <p:stCondLst>
+                                            <p:cond delay="0"/>
+                                          </p:stCondLst>
+                                        </p:cTn>
+                                        <p:tgtEl>
+                                          <p:spTgt spid="8"/>
+                                        </p:tgtEl>
+                                        <p:attrNameLst>
+                                          <p:attrName>style.visibility</p:attrName>
+                                        </p:attrNameLst>
+                                      </p:cBhvr>
+                                      <p:to>
+                                        <p:strVal val="visible"/>
+                                      </p:to>
+                                    </p:set>
+                                  </p:childTnLst>
+                                </p:cTn>
+                              </p:par>
+                              <p:par>
+                                <p:cTn id="13" presetID="1" presetClass="entr" presetSubtype="0" fill="hold" nodeType="withEffect">
+                                  <p:stCondLst>
+                                    <p:cond delay="0"/>
+                                  </p:stCondLst>
+                                  <p:childTnLst>
+                                    <p:set>
+                                      <p:cBhvr>
+                                        <p:cTn id="14" dur="1" fill="hold">
+                                          <p:stCondLst>
+                                            <p:cond delay="0"/>
+                                          </p:stCondLst>
+                                        </p:cTn>
+                                        <p:tgtEl>
+                                          <p:spTgt spid="6"/>
+                                        </p:tgtEl>
+                                        <p:attrNameLst>
+                                          <p:attrName>style.visibility</p:attrName>
+                                        </p:attrNameLst>
+                                      </p:cBhvr>
+                                      <p:to>
+                                        <p:strVal val="visible"/>
+                                      </p:to>
+                                    </p:set>
+                                  </p:childTnLst>
+                                </p:cTn>
+                              </p:par>
+                            </p:childTnLst>
+                          </p:cTn>
+                        </p:par>
+                      </p:childTnLst>
+                    </p:cTn>
+                  </p:par>
+                </p:childTnLst>
+              </p:cTn>
+              <p:prevCondLst>
+                <p:cond evt="onPrev" delay="0">
+                  <p:tgtEl>
+                    <p:sldTgt/>
+                  </p:tgtEl>
+                </p:cond>
+              </p:prevCondLst>
+              <p:nextCondLst>
+                <p:cond evt="onNext" delay="0">
+                  <p:tgtEl>
+                    <p:sldTgt/>
+                  </p:tgtEl>
+                </p:cond>
+              </p:nextCondLst>
+            </p:seq>
+          </p:childTnLst>
+        </p:cTn>
+      </p:par>
+    </p:tnLst>
+    <p:bldLst>
+      <p:bldP spid="3" grpId="0" build="p"/>
+      <p:bldP spid="8" grpId="0"/>
+    </p:bldLst>
+  </p:timing>
+</p:sld>
+</file>
+
+<file path=ppt/slides/slide23.xml><?xml version="1.0" encoding="utf-8"?>
+<p:sld xmlns:a="http://schemas.openxmlformats.org/drawingml/2006/main" xmlns:r="http://schemas.openxmlformats.org/officeDocument/2006/relationships" xmlns:p="http://schemas.openxmlformats.org/presentationml/2006/main">
+  <p:cSld>
+    <p:spTree>
+      <p:nvGrpSpPr>
+        <p:cNvPr id="1" name=""/>
+        <p:cNvGrpSpPr/>
+        <p:nvPr/>
+      </p:nvGrpSpPr>
+      <p:grpSpPr>
+        <a:xfrm>
+          <a:off x="0" y="0"/>
+          <a:ext cx="0" cy="0"/>
+          <a:chOff x="0" y="0"/>
+          <a:chExt cx="0" cy="0"/>
+        </a:xfrm>
+      </p:grpSpPr>
+      <p:sp>
+        <p:nvSpPr>
+          <p:cNvPr id="2" name="Title 1"/>
+          <p:cNvSpPr>
+            <a:spLocks noGrp="1"/>
+          </p:cNvSpPr>
+          <p:nvPr>
+            <p:ph type="title"/>
+          </p:nvPr>
+        </p:nvSpPr>
+        <p:spPr/>
+        <p:txBody>
+          <a:bodyPr/>
+          <a:lstStyle/>
+          <a:p>
+            <a:r>
+              <a:rPr lang="en-US" dirty="0" smtClean="0">
+                <a:solidFill>
+                  <a:schemeClr val="accent1">
+                    <a:lumMod val="75000"/>
+                  </a:schemeClr>
+                </a:solidFill>
+              </a:rPr>
+              <a:t>Others….</a:t>
+            </a:r>
+            <a:endParaRPr lang="en-US" dirty="0">
+              <a:solidFill>
+                <a:schemeClr val="accent1">
+                  <a:lumMod val="75000"/>
+                </a:schemeClr>
+              </a:solidFill>
+            </a:endParaRPr>
+          </a:p>
+        </p:txBody>
+      </p:sp>
+      <p:sp>
+        <p:nvSpPr>
+          <p:cNvPr id="3" name="Content Placeholder 2"/>
+          <p:cNvSpPr>
+            <a:spLocks noGrp="1"/>
+          </p:cNvSpPr>
+          <p:nvPr>
+            <p:ph idx="1"/>
+          </p:nvPr>
+        </p:nvSpPr>
+        <p:spPr/>
+        <p:txBody>
+          <a:bodyPr>
+            <a:normAutofit lnSpcReduction="10000"/>
+          </a:bodyPr>
+          <a:lstStyle/>
+          <a:p>
+            <a:pPr>
+              <a:lnSpc>
+                <a:spcPct val="150000"/>
+              </a:lnSpc>
+            </a:pPr>
+            <a:r>
+              <a:rPr lang="en-US" dirty="0" smtClean="0"/>
+              <a:t>.* operator</a:t>
+            </a:r>
+          </a:p>
+          <a:p>
+            <a:pPr>
+              <a:lnSpc>
+                <a:spcPct val="150000"/>
+              </a:lnSpc>
+            </a:pPr>
+            <a:r>
+              <a:rPr lang="en-US" dirty="0"/>
+              <a:t> </a:t>
+            </a:r>
+            <a:r>
+              <a:rPr lang="en-US" dirty="0" smtClean="0"/>
+              <a:t>2 state &amp; logic types</a:t>
+            </a:r>
+          </a:p>
+          <a:p>
+            <a:pPr>
+              <a:lnSpc>
+                <a:spcPct val="150000"/>
+              </a:lnSpc>
+            </a:pPr>
+            <a:r>
+              <a:rPr lang="en-US" dirty="0" smtClean="0"/>
+              <a:t>Queues &amp; Associative arrays for debugging &amp; Scoreboard</a:t>
+            </a:r>
+          </a:p>
+          <a:p>
+            <a:pPr>
+              <a:lnSpc>
+                <a:spcPct val="150000"/>
+              </a:lnSpc>
+            </a:pPr>
+            <a:r>
+              <a:rPr lang="en-US" dirty="0" err="1" smtClean="0"/>
+              <a:t>Foreach</a:t>
+            </a:r>
+            <a:r>
+              <a:rPr lang="en-US" dirty="0" smtClean="0"/>
+              <a:t> loops</a:t>
+            </a:r>
+          </a:p>
+          <a:p>
+            <a:pPr>
+              <a:lnSpc>
+                <a:spcPct val="150000"/>
+              </a:lnSpc>
+            </a:pPr>
+            <a:r>
+              <a:rPr lang="en-US" dirty="0" smtClean="0"/>
+              <a:t>Final blocks</a:t>
+            </a:r>
+          </a:p>
+          <a:p>
+            <a:pPr>
+              <a:lnSpc>
+                <a:spcPct val="150000"/>
+              </a:lnSpc>
+            </a:pPr>
+            <a:r>
+              <a:rPr lang="en-US" dirty="0" err="1"/>
+              <a:t>t</a:t>
+            </a:r>
+            <a:r>
+              <a:rPr lang="en-US" dirty="0" err="1" smtClean="0"/>
+              <a:t>imeunit</a:t>
+            </a:r>
+            <a:r>
+              <a:rPr lang="en-US" dirty="0" smtClean="0"/>
+              <a:t> &amp; </a:t>
+            </a:r>
+            <a:r>
+              <a:rPr lang="en-US" dirty="0" err="1" smtClean="0"/>
+              <a:t>timeprecision</a:t>
+            </a:r>
+            <a:endParaRPr lang="en-US" dirty="0" smtClean="0"/>
+          </a:p>
+          <a:p>
+            <a:endParaRPr lang="en-US" dirty="0"/>
+          </a:p>
+        </p:txBody>
+      </p:sp>
+    </p:spTree>
+    <p:extLst>
+      <p:ext uri="{BB962C8B-B14F-4D97-AF65-F5344CB8AC3E}">
+        <p14:creationId xmlns:p14="http://schemas.microsoft.com/office/powerpoint/2010/main" val="122231812"/>
+      </p:ext>
+    </p:extLst>
+  </p:cSld>
+  <p:clrMapOvr>
+    <a:masterClrMapping/>
+  </p:clrMapOvr>
+  <p:timing>
+    <p:tnLst>
+      <p:par>
+        <p:cTn id="1" dur="indefinite" restart="never" nodeType="tmRoot"/>
+      </p:par>
+    </p:tnLst>
+  </p:timing>
+</p:sld>
+</file>
+
+<file path=ppt/slides/slide24.xml><?xml version="1.0" encoding="utf-8"?>
+<p:sld xmlns:a="http://schemas.openxmlformats.org/drawingml/2006/main" xmlns:r="http://schemas.openxmlformats.org/officeDocument/2006/relationships" xmlns:p="http://schemas.openxmlformats.org/presentationml/2006/main">
+  <p:cSld>
+    <p:spTree>
+      <p:nvGrpSpPr>
+        <p:cNvPr id="1" name=""/>
+        <p:cNvGrpSpPr/>
+        <p:nvPr/>
+      </p:nvGrpSpPr>
+      <p:grpSpPr>
+        <a:xfrm>
+          <a:off x="0" y="0"/>
+          <a:ext cx="0" cy="0"/>
+          <a:chOff x="0" y="0"/>
+          <a:chExt cx="0" cy="0"/>
+        </a:xfrm>
+      </p:grpSpPr>
+      <p:sp>
+        <p:nvSpPr>
+          <p:cNvPr id="2" name="Title 1"/>
+          <p:cNvSpPr>
+            <a:spLocks noGrp="1"/>
+          </p:cNvSpPr>
+          <p:nvPr>
+            <p:ph type="title"/>
+          </p:nvPr>
+        </p:nvSpPr>
+        <p:spPr/>
+        <p:txBody>
+          <a:bodyPr/>
+          <a:lstStyle/>
+          <a:p>
+            <a:r>
+              <a:rPr lang="en-US" dirty="0" smtClean="0">
+                <a:solidFill>
+                  <a:schemeClr val="accent1">
+                    <a:lumMod val="75000"/>
+                  </a:schemeClr>
+                </a:solidFill>
+              </a:rPr>
+              <a:t>Design Features</a:t>
+            </a:r>
+            <a:endParaRPr lang="en-US" dirty="0">
+              <a:solidFill>
+                <a:schemeClr val="accent1">
+                  <a:lumMod val="75000"/>
+                </a:schemeClr>
+              </a:solidFill>
+            </a:endParaRPr>
+          </a:p>
+        </p:txBody>
+      </p:sp>
+      <p:sp>
+        <p:nvSpPr>
+          <p:cNvPr id="3" name="Content Placeholder 2"/>
+          <p:cNvSpPr>
+            <a:spLocks noGrp="1"/>
+          </p:cNvSpPr>
+          <p:nvPr>
+            <p:ph idx="1"/>
+          </p:nvPr>
+        </p:nvSpPr>
+        <p:spPr/>
+        <p:txBody>
+          <a:bodyPr/>
+          <a:lstStyle/>
+          <a:p>
+            <a:pPr>
+              <a:lnSpc>
+                <a:spcPct val="150000"/>
+              </a:lnSpc>
+            </a:pPr>
+            <a:r>
+              <a:rPr lang="en-US" dirty="0" smtClean="0"/>
+              <a:t>Used generate blocks to allow multiple node instantiations</a:t>
+            </a:r>
+          </a:p>
+          <a:p>
+            <a:pPr>
+              <a:lnSpc>
+                <a:spcPct val="150000"/>
+              </a:lnSpc>
+            </a:pPr>
+            <a:r>
+              <a:rPr lang="en-US" dirty="0" smtClean="0"/>
+              <a:t>All CAN specifications such as Field widths are parameterized for code reusability</a:t>
+            </a:r>
+          </a:p>
+          <a:p>
+            <a:pPr>
+              <a:lnSpc>
+                <a:spcPct val="150000"/>
+              </a:lnSpc>
+            </a:pPr>
+            <a:r>
+              <a:rPr lang="en-US" dirty="0" smtClean="0"/>
+              <a:t>Flags for Debug, Assertion, Error inject &amp; </a:t>
+            </a:r>
+            <a:r>
+              <a:rPr lang="en-US" dirty="0"/>
+              <a:t>V</a:t>
+            </a:r>
+            <a:r>
+              <a:rPr lang="en-US" dirty="0" smtClean="0"/>
+              <a:t>eloce modes</a:t>
+            </a:r>
+            <a:endParaRPr lang="en-US" dirty="0"/>
+          </a:p>
+        </p:txBody>
+      </p:sp>
+    </p:spTree>
+    <p:extLst>
+      <p:ext uri="{BB962C8B-B14F-4D97-AF65-F5344CB8AC3E}">
+        <p14:creationId xmlns:p14="http://schemas.microsoft.com/office/powerpoint/2010/main" val="1143047270"/>
+      </p:ext>
+    </p:extLst>
+  </p:cSld>
+  <p:clrMapOvr>
+    <a:masterClrMapping/>
+  </p:clrMapOvr>
+  <p:timing>
+    <p:tnLst>
+      <p:par>
+        <p:cTn id="1" dur="indefinite" restart="never" nodeType="tmRoot"/>
+      </p:par>
+    </p:tnLst>
+  </p:timing>
+</p:sld>
+</file>
+
+<file path=ppt/slides/slide25.xml><?xml version="1.0" encoding="utf-8"?>
+<p:sld xmlns:a="http://schemas.openxmlformats.org/drawingml/2006/main" xmlns:r="http://schemas.openxmlformats.org/officeDocument/2006/relationships" xmlns:p="http://schemas.openxmlformats.org/presentationml/2006/main">
+  <p:cSld>
+    <p:spTree>
+      <p:nvGrpSpPr>
+        <p:cNvPr id="1" name=""/>
+        <p:cNvGrpSpPr/>
+        <p:nvPr/>
+      </p:nvGrpSpPr>
+      <p:grpSpPr>
+        <a:xfrm>
+          <a:off x="0" y="0"/>
+          <a:ext cx="0" cy="0"/>
+          <a:chOff x="0" y="0"/>
+          <a:chExt cx="0" cy="0"/>
+        </a:xfrm>
+      </p:grpSpPr>
+      <p:sp>
+        <p:nvSpPr>
+          <p:cNvPr id="4" name="Title 3"/>
+          <p:cNvSpPr>
+            <a:spLocks noGrp="1"/>
+          </p:cNvSpPr>
+          <p:nvPr>
+            <p:ph type="ctrTitle"/>
+          </p:nvPr>
+        </p:nvSpPr>
+        <p:spPr/>
+        <p:txBody>
+          <a:bodyPr/>
+          <a:lstStyle/>
+          <a:p>
+            <a:r>
+              <a:rPr lang="en-US" dirty="0" smtClean="0">
+                <a:solidFill>
+                  <a:schemeClr val="accent1">
+                    <a:lumMod val="75000"/>
+                  </a:schemeClr>
+                </a:solidFill>
+              </a:rPr>
+              <a:t>VERIFICATION</a:t>
+            </a:r>
+            <a:endParaRPr lang="en-US" dirty="0">
+              <a:solidFill>
+                <a:schemeClr val="accent1">
+                  <a:lumMod val="75000"/>
+                </a:schemeClr>
+              </a:solidFill>
+            </a:endParaRPr>
+          </a:p>
+        </p:txBody>
+      </p:sp>
+      <p:sp>
+        <p:nvSpPr>
+          <p:cNvPr id="5" name="Subtitle 4"/>
+          <p:cNvSpPr>
+            <a:spLocks noGrp="1"/>
+          </p:cNvSpPr>
+          <p:nvPr>
+            <p:ph type="subTitle" idx="1"/>
+          </p:nvPr>
+        </p:nvSpPr>
+        <p:spPr/>
+        <p:txBody>
+          <a:bodyPr/>
+          <a:lstStyle/>
+          <a:p>
+            <a:endParaRPr lang="en-US"/>
+          </a:p>
+        </p:txBody>
+      </p:sp>
+    </p:spTree>
+    <p:extLst>
+      <p:ext uri="{BB962C8B-B14F-4D97-AF65-F5344CB8AC3E}">
+        <p14:creationId xmlns:p14="http://schemas.microsoft.com/office/powerpoint/2010/main" val="3745701883"/>
+      </p:ext>
+    </p:extLst>
+  </p:cSld>
+  <p:clrMapOvr>
+    <a:masterClrMapping/>
+  </p:clrMapOvr>
+  <p:timing>
+    <p:tnLst>
+      <p:par>
+        <p:cTn id="1" dur="indefinite" restart="never" nodeType="tmRoot"/>
+      </p:par>
+    </p:tnLst>
+  </p:timing>
+</p:sld>
+</file>
+
+<file path=ppt/slides/slide26.xml><?xml version="1.0" encoding="utf-8"?>
+<p:sld xmlns:a="http://schemas.openxmlformats.org/drawingml/2006/main" xmlns:r="http://schemas.openxmlformats.org/officeDocument/2006/relationships" xmlns:p="http://schemas.openxmlformats.org/presentationml/2006/main">
+  <p:cSld>
+    <p:spTree>
+      <p:nvGrpSpPr>
+        <p:cNvPr id="1" name=""/>
+        <p:cNvGrpSpPr/>
+        <p:nvPr/>
+      </p:nvGrpSpPr>
+      <p:grpSpPr>
+        <a:xfrm>
+          <a:off x="0" y="0"/>
+          <a:ext cx="0" cy="0"/>
+          <a:chOff x="0" y="0"/>
+          <a:chExt cx="0" cy="0"/>
+        </a:xfrm>
+      </p:grpSpPr>
+      <p:sp>
+        <p:nvSpPr>
+          <p:cNvPr id="2" name="Title 1"/>
+          <p:cNvSpPr>
+            <a:spLocks noGrp="1"/>
+          </p:cNvSpPr>
+          <p:nvPr>
+            <p:ph type="title"/>
+          </p:nvPr>
+        </p:nvSpPr>
+        <p:spPr/>
+        <p:txBody>
+          <a:bodyPr/>
+          <a:lstStyle/>
+          <a:p>
+            <a:r>
+              <a:rPr lang="en-US" dirty="0" smtClean="0">
+                <a:solidFill>
+                  <a:schemeClr val="accent1">
+                    <a:lumMod val="75000"/>
+                  </a:schemeClr>
+                </a:solidFill>
+              </a:rPr>
+              <a:t>Assertions</a:t>
+            </a:r>
+            <a:endParaRPr lang="en-US" dirty="0">
+              <a:solidFill>
+                <a:schemeClr val="accent1">
+                  <a:lumMod val="75000"/>
+                </a:schemeClr>
+              </a:solidFill>
+            </a:endParaRPr>
+          </a:p>
+        </p:txBody>
+      </p:sp>
+      <p:sp>
+        <p:nvSpPr>
+          <p:cNvPr id="3" name="Content Placeholder 2"/>
+          <p:cNvSpPr>
+            <a:spLocks noGrp="1"/>
+          </p:cNvSpPr>
+          <p:nvPr>
+            <p:ph idx="1"/>
+          </p:nvPr>
+        </p:nvSpPr>
+        <p:spPr/>
+        <p:txBody>
+          <a:bodyPr>
+            <a:normAutofit fontScale="85000" lnSpcReduction="10000"/>
+          </a:bodyPr>
+          <a:lstStyle/>
+          <a:p>
+            <a:pPr algn="just">
+              <a:lnSpc>
+                <a:spcPct val="150000"/>
+              </a:lnSpc>
+            </a:pPr>
+            <a:r>
+              <a:rPr lang="en-US" dirty="0" smtClean="0"/>
+              <a:t>Employed both immediate &amp; concurrent assertions</a:t>
+            </a:r>
+          </a:p>
+          <a:p>
+            <a:pPr algn="just">
+              <a:lnSpc>
+                <a:spcPct val="150000"/>
+              </a:lnSpc>
+            </a:pPr>
+            <a:r>
+              <a:rPr lang="en-US" dirty="0" smtClean="0"/>
+              <a:t>Helped us immensely to localize bugs at the early stages of design as each transaction took multiple cycles, looking at waveforms or $monitor output is tedious</a:t>
+            </a:r>
+          </a:p>
+          <a:p>
+            <a:pPr algn="just">
+              <a:lnSpc>
+                <a:spcPct val="150000"/>
+              </a:lnSpc>
+            </a:pPr>
+            <a:r>
+              <a:rPr lang="en-US" dirty="0" smtClean="0"/>
+              <a:t>In the later part, developed separate assertion module which runs in parallel</a:t>
+            </a:r>
+          </a:p>
+          <a:p>
+            <a:pPr algn="just">
+              <a:lnSpc>
+                <a:spcPct val="150000"/>
+              </a:lnSpc>
+            </a:pPr>
+            <a:r>
+              <a:rPr lang="en-US" dirty="0" smtClean="0"/>
+              <a:t>Ensure nodes adhered to protocol throughout simulation and also prints out a scoreboard at end</a:t>
+            </a:r>
+            <a:endParaRPr lang="en-US" dirty="0"/>
+          </a:p>
+        </p:txBody>
+      </p:sp>
+    </p:spTree>
+    <p:extLst>
+      <p:ext uri="{BB962C8B-B14F-4D97-AF65-F5344CB8AC3E}">
+        <p14:creationId xmlns:p14="http://schemas.microsoft.com/office/powerpoint/2010/main" val="2856279754"/>
+      </p:ext>
+    </p:extLst>
+  </p:cSld>
+  <p:clrMapOvr>
+    <a:masterClrMapping/>
+  </p:clrMapOvr>
+  <p:timing>
+    <p:tnLst>
+      <p:par>
+        <p:cTn id="1" dur="indefinite" restart="never" nodeType="tmRoot"/>
+      </p:par>
+    </p:tnLst>
+  </p:timing>
+</p:sld>
+</file>
+
+<file path=ppt/slides/slide27.xml><?xml version="1.0" encoding="utf-8"?>
+<p:sld xmlns:a="http://schemas.openxmlformats.org/drawingml/2006/main" xmlns:r="http://schemas.openxmlformats.org/officeDocument/2006/relationships" xmlns:p="http://schemas.openxmlformats.org/presentationml/2006/main">
+  <p:cSld>
+    <p:spTree>
+      <p:nvGrpSpPr>
+        <p:cNvPr id="1" name=""/>
+        <p:cNvGrpSpPr/>
+        <p:nvPr/>
+      </p:nvGrpSpPr>
+      <p:grpSpPr>
+        <a:xfrm>
+          <a:off x="0" y="0"/>
+          <a:ext cx="0" cy="0"/>
+          <a:chOff x="0" y="0"/>
+          <a:chExt cx="0" cy="0"/>
+        </a:xfrm>
+      </p:grpSpPr>
+      <p:sp>
+        <p:nvSpPr>
+          <p:cNvPr id="2" name="Title 1"/>
+          <p:cNvSpPr>
+            <a:spLocks noGrp="1"/>
+          </p:cNvSpPr>
+          <p:nvPr>
+            <p:ph type="title"/>
+          </p:nvPr>
+        </p:nvSpPr>
+        <p:spPr/>
+        <p:txBody>
+          <a:bodyPr/>
+          <a:lstStyle/>
+          <a:p>
+            <a:r>
+              <a:rPr lang="en-US" dirty="0" smtClean="0">
+                <a:solidFill>
+                  <a:schemeClr val="accent1">
+                    <a:lumMod val="75000"/>
+                  </a:schemeClr>
+                </a:solidFill>
+              </a:rPr>
+              <a:t>Immediate Assertions</a:t>
+            </a:r>
+            <a:endParaRPr lang="en-US" dirty="0">
+              <a:solidFill>
+                <a:schemeClr val="accent1">
+                  <a:lumMod val="75000"/>
+                </a:schemeClr>
+              </a:solidFill>
+            </a:endParaRPr>
+          </a:p>
+        </p:txBody>
+      </p:sp>
+      <p:sp>
+        <p:nvSpPr>
+          <p:cNvPr id="3" name="Content Placeholder 2"/>
+          <p:cNvSpPr>
+            <a:spLocks noGrp="1"/>
+          </p:cNvSpPr>
+          <p:nvPr>
+            <p:ph idx="1"/>
+          </p:nvPr>
+        </p:nvSpPr>
+        <p:spPr>
+          <a:xfrm>
+            <a:off x="838206" y="1825634"/>
+            <a:ext cx="10352964" cy="4520585"/>
+          </a:xfrm>
+        </p:spPr>
+        <p:txBody>
+          <a:bodyPr>
+            <a:normAutofit/>
+          </a:bodyPr>
+          <a:lstStyle/>
+          <a:p>
+            <a:pPr marL="800066" lvl="1" indent="-342900">
+              <a:lnSpc>
+                <a:spcPct val="150000"/>
+              </a:lnSpc>
+            </a:pPr>
+            <a:r>
+              <a:rPr lang="en-US" dirty="0" smtClean="0"/>
+              <a:t>IFS Check:</a:t>
+            </a:r>
+          </a:p>
+          <a:p>
+            <a:pPr marL="457166" lvl="1" indent="0">
+              <a:lnSpc>
+                <a:spcPct val="150000"/>
+              </a:lnSpc>
+              <a:buNone/>
+            </a:pPr>
+            <a:endParaRPr lang="en-US" dirty="0" smtClean="0"/>
+          </a:p>
+          <a:p>
+            <a:pPr marL="457166" lvl="1" indent="0">
+              <a:lnSpc>
+                <a:spcPct val="150000"/>
+              </a:lnSpc>
+              <a:buNone/>
+            </a:pPr>
+            <a:endParaRPr lang="en-US" dirty="0" smtClean="0"/>
+          </a:p>
+          <a:p>
+            <a:pPr marL="800066" lvl="1" indent="-342900">
+              <a:lnSpc>
+                <a:spcPct val="150000"/>
+              </a:lnSpc>
+            </a:pPr>
+            <a:r>
+              <a:rPr lang="en-US" dirty="0" smtClean="0"/>
+              <a:t>CRC Check:</a:t>
+            </a:r>
+            <a:endParaRPr lang="en-US" dirty="0"/>
+          </a:p>
+        </p:txBody>
+      </p:sp>
+      <p:pic>
+        <p:nvPicPr>
+          <p:cNvPr id="4" name="Picture 3"/>
+          <p:cNvPicPr>
+            <a:picLocks noChangeAspect="1"/>
+          </p:cNvPicPr>
+          <p:nvPr/>
+        </p:nvPicPr>
+        <p:blipFill>
+          <a:blip r:embed="rId3"/>
+          <a:stretch>
+            <a:fillRect/>
+          </a:stretch>
+        </p:blipFill>
+        <p:spPr>
+          <a:xfrm>
+            <a:off x="1798877" y="2712396"/>
+            <a:ext cx="7113007" cy="740155"/>
+          </a:xfrm>
+          <a:prstGeom prst="rect">
+            <a:avLst/>
+          </a:prstGeom>
+        </p:spPr>
+      </p:pic>
+      <p:pic>
+        <p:nvPicPr>
+          <p:cNvPr id="5" name="Picture 3"/>
+          <p:cNvPicPr>
+            <a:picLocks noChangeAspect="1" noChangeArrowheads="1"/>
+          </p:cNvPicPr>
+          <p:nvPr/>
+        </p:nvPicPr>
+        <p:blipFill>
+          <a:blip r:embed="rId4">
+            <a:extLst>
+              <a:ext uri="{28A0092B-C50C-407E-A947-70E740481C1C}">
+                <a14:useLocalDpi xmlns:a14="http://schemas.microsoft.com/office/drawing/2010/main" val="0"/>
+              </a:ext>
+            </a:extLst>
+          </a:blip>
+          <a:srcRect/>
+          <a:stretch>
+            <a:fillRect/>
+          </a:stretch>
+        </p:blipFill>
+        <p:spPr bwMode="auto">
+          <a:xfrm>
+            <a:off x="1533686" y="4489438"/>
+            <a:ext cx="8243887" cy="1143001"/>
+          </a:xfrm>
+          <a:prstGeom prst="rect">
+            <a:avLst/>
+          </a:prstGeom>
+          <a:noFill/>
+          <a:ln>
+            <a:noFill/>
+          </a:ln>
+          <a:effectLst/>
+          <a:extLst>
+            <a:ext uri="{909E8E84-426E-40DD-AFC4-6F175D3DCCD1}">
+              <a14:hiddenFill xmlns:a14="http://schemas.microsoft.com/office/drawing/2010/main">
+                <a:solidFill>
+                  <a:schemeClr val="accent1"/>
+                </a:solidFill>
+              </a14:hiddenFill>
+            </a:ext>
+            <a:ext uri="{91240B29-F687-4F45-9708-019B960494DF}">
+              <a14:hiddenLine xmlns:a14="http://schemas.microsoft.com/office/drawing/2010/main" w="9525">
+                <a:solidFill>
+                  <a:schemeClr val="tx1"/>
+                </a:solidFill>
+                <a:miter lim="800000"/>
+                <a:headEnd/>
+                <a:tailEnd/>
+              </a14:hiddenLine>
+            </a:ext>
+            <a:ext uri="{AF507438-7753-43E0-B8FC-AC1667EBCBE1}">
+              <a14:hiddenEffects xmlns:a14="http://schemas.microsoft.com/office/drawing/2010/main">
+                <a:effectLst>
+                  <a:outerShdw dist="35921" dir="2700000" algn="ctr" rotWithShape="0">
+                    <a:schemeClr val="bg2"/>
+                  </a:outerShdw>
+                </a:effectLst>
+              </a14:hiddenEffects>
+            </a:ext>
+          </a:extLst>
+        </p:spPr>
+      </p:pic>
+    </p:spTree>
+    <p:extLst>
+      <p:ext uri="{BB962C8B-B14F-4D97-AF65-F5344CB8AC3E}">
+        <p14:creationId xmlns:p14="http://schemas.microsoft.com/office/powerpoint/2010/main" val="903818194"/>
+      </p:ext>
+    </p:extLst>
+  </p:cSld>
+  <p:clrMapOvr>
+    <a:masterClrMapping/>
+  </p:clrMapOvr>
+  <p:timing>
+    <p:tnLst>
+      <p:par>
+        <p:cTn id="1" dur="indefinite" restart="never" nodeType="tmRoot"/>
+      </p:par>
+    </p:tnLst>
+  </p:timing>
+</p:sld>
+</file>
+
+<file path=ppt/slides/slide28.xml><?xml version="1.0" encoding="utf-8"?>
+<p:sld xmlns:a="http://schemas.openxmlformats.org/drawingml/2006/main" xmlns:r="http://schemas.openxmlformats.org/officeDocument/2006/relationships" xmlns:p="http://schemas.openxmlformats.org/presentationml/2006/main">
+  <p:cSld>
+    <p:spTree>
+      <p:nvGrpSpPr>
+        <p:cNvPr id="1" name=""/>
+        <p:cNvGrpSpPr/>
+        <p:nvPr/>
+      </p:nvGrpSpPr>
+      <p:grpSpPr>
+        <a:xfrm>
+          <a:off x="0" y="0"/>
+          <a:ext cx="0" cy="0"/>
+          <a:chOff x="0" y="0"/>
+          <a:chExt cx="0" cy="0"/>
+        </a:xfrm>
+      </p:grpSpPr>
+      <p:sp>
+        <p:nvSpPr>
+          <p:cNvPr id="2" name="Title 1"/>
+          <p:cNvSpPr>
+            <a:spLocks noGrp="1"/>
+          </p:cNvSpPr>
+          <p:nvPr>
+            <p:ph type="title"/>
+          </p:nvPr>
+        </p:nvSpPr>
+        <p:spPr/>
+        <p:txBody>
+          <a:bodyPr/>
+          <a:lstStyle/>
+          <a:p>
+            <a:r>
+              <a:rPr lang="en-US" dirty="0" smtClean="0">
+                <a:solidFill>
+                  <a:schemeClr val="accent1">
+                    <a:lumMod val="75000"/>
+                  </a:schemeClr>
+                </a:solidFill>
+              </a:rPr>
+              <a:t>Concurrent Assertions</a:t>
+            </a:r>
+            <a:endParaRPr lang="en-US" dirty="0">
+              <a:solidFill>
+                <a:schemeClr val="accent1">
+                  <a:lumMod val="75000"/>
+                </a:schemeClr>
+              </a:solidFill>
+            </a:endParaRPr>
+          </a:p>
+        </p:txBody>
+      </p:sp>
+      <p:pic>
+        <p:nvPicPr>
+          <p:cNvPr id="5" name="Picture 2"/>
+          <p:cNvPicPr>
+            <a:picLocks noGrp="1" noChangeAspect="1" noChangeArrowheads="1"/>
+          </p:cNvPicPr>
+          <p:nvPr>
+            <p:ph idx="1"/>
+          </p:nvPr>
+        </p:nvPicPr>
+        <p:blipFill>
+          <a:blip r:embed="rId2">
+            <a:extLst>
+              <a:ext uri="{28A0092B-C50C-407E-A947-70E740481C1C}">
+                <a14:useLocalDpi xmlns:a14="http://schemas.microsoft.com/office/drawing/2010/main" val="0"/>
+              </a:ext>
+            </a:extLst>
+          </a:blip>
+          <a:srcRect/>
+          <a:stretch>
+            <a:fillRect/>
+          </a:stretch>
+        </p:blipFill>
+        <p:spPr bwMode="auto">
+          <a:xfrm>
+            <a:off x="551604" y="1805154"/>
+            <a:ext cx="5337755" cy="4561529"/>
+          </a:xfrm>
+          <a:prstGeom prst="rect">
+            <a:avLst/>
+          </a:prstGeom>
+          <a:noFill/>
+          <a:ln>
+            <a:noFill/>
+          </a:ln>
+          <a:effectLst/>
+          <a:extLst>
+            <a:ext uri="{909E8E84-426E-40DD-AFC4-6F175D3DCCD1}">
+              <a14:hiddenFill xmlns:a14="http://schemas.microsoft.com/office/drawing/2010/main">
+                <a:solidFill>
+                  <a:schemeClr val="accent1"/>
+                </a:solidFill>
+              </a14:hiddenFill>
+            </a:ext>
+            <a:ext uri="{91240B29-F687-4F45-9708-019B960494DF}">
+              <a14:hiddenLine xmlns:a14="http://schemas.microsoft.com/office/drawing/2010/main" w="9525">
+                <a:solidFill>
+                  <a:schemeClr val="tx1"/>
+                </a:solidFill>
+                <a:miter lim="800000"/>
+                <a:headEnd/>
+                <a:tailEnd/>
+              </a14:hiddenLine>
+            </a:ext>
+            <a:ext uri="{AF507438-7753-43E0-B8FC-AC1667EBCBE1}">
+              <a14:hiddenEffects xmlns:a14="http://schemas.microsoft.com/office/drawing/2010/main">
+                <a:effectLst>
+                  <a:outerShdw dist="35921" dir="2700000" algn="ctr" rotWithShape="0">
+                    <a:schemeClr val="bg2"/>
+                  </a:outerShdw>
+                </a:effectLst>
+              </a14:hiddenEffects>
+            </a:ext>
+          </a:extLst>
+        </p:spPr>
+      </p:pic>
+      <p:pic>
+        <p:nvPicPr>
+          <p:cNvPr id="7" name="Picture 6"/>
+          <p:cNvPicPr>
+            <a:picLocks noChangeAspect="1"/>
+          </p:cNvPicPr>
+          <p:nvPr/>
+        </p:nvPicPr>
+        <p:blipFill>
+          <a:blip r:embed="rId3"/>
+          <a:stretch>
+            <a:fillRect/>
+          </a:stretch>
+        </p:blipFill>
+        <p:spPr>
+          <a:xfrm>
+            <a:off x="6096000" y="4085918"/>
+            <a:ext cx="5685567" cy="2644020"/>
+          </a:xfrm>
+          <a:prstGeom prst="rect">
+            <a:avLst/>
+          </a:prstGeom>
+        </p:spPr>
+      </p:pic>
+      <p:pic>
+        <p:nvPicPr>
+          <p:cNvPr id="8" name="Picture 7"/>
+          <p:cNvPicPr>
+            <a:picLocks/>
+          </p:cNvPicPr>
+          <p:nvPr/>
+        </p:nvPicPr>
+        <p:blipFill>
+          <a:blip r:embed="rId4" cstate="print">
+            <a:extLst>
+              <a:ext uri="{28A0092B-C50C-407E-A947-70E740481C1C}">
+                <a14:useLocalDpi xmlns:a14="http://schemas.microsoft.com/office/drawing/2010/main" val="0"/>
+              </a:ext>
+            </a:extLst>
+          </a:blip>
+          <a:stretch>
+            <a:fillRect/>
+          </a:stretch>
+        </p:blipFill>
+        <p:spPr>
+          <a:xfrm>
+            <a:off x="6096000" y="365129"/>
+            <a:ext cx="5205984" cy="3681984"/>
+          </a:xfrm>
+          <a:prstGeom prst="rect">
+            <a:avLst/>
+          </a:prstGeom>
+        </p:spPr>
+      </p:pic>
+    </p:spTree>
+    <p:extLst>
+      <p:ext uri="{BB962C8B-B14F-4D97-AF65-F5344CB8AC3E}">
+        <p14:creationId xmlns:p14="http://schemas.microsoft.com/office/powerpoint/2010/main" val="2183408740"/>
+      </p:ext>
+    </p:extLst>
+  </p:cSld>
+  <p:clrMapOvr>
+    <a:masterClrMapping/>
+  </p:clrMapOvr>
+  <p:timing>
+    <p:tnLst>
+      <p:par>
+        <p:cTn id="1" dur="indefinite" restart="never" nodeType="tmRoot">
+          <p:childTnLst>
+            <p:seq concurrent="1" nextAc="seek">
+              <p:cTn id="2" dur="indefinite" nodeType="mainSeq">
+                <p:childTnLst>
+                  <p:par>
+                    <p:cTn id="3" fill="hold">
+                      <p:stCondLst>
+                        <p:cond delay="indefinite"/>
+                      </p:stCondLst>
+                      <p:childTnLst>
+                        <p:par>
+                          <p:cTn id="4" fill="hold">
+                            <p:stCondLst>
+                              <p:cond delay="0"/>
+                            </p:stCondLst>
+                            <p:childTnLst>
+                              <p:par>
+                                <p:cTn id="5" presetID="1" presetClass="entr" presetSubtype="0" fill="hold" nodeType="clickEffect">
+                                  <p:stCondLst>
+                                    <p:cond delay="0"/>
+                                  </p:stCondLst>
+                                  <p:childTnLst>
+                                    <p:set>
+                                      <p:cBhvr>
+                                        <p:cTn id="6" dur="1" fill="hold">
+                                          <p:stCondLst>
+                                            <p:cond delay="0"/>
+                                          </p:stCondLst>
+                                        </p:cTn>
+                                        <p:tgtEl>
+                                          <p:spTgt spid="8"/>
+                                        </p:tgtEl>
+                                        <p:attrNameLst>
+                                          <p:attrName>style.visibility</p:attrName>
+                                        </p:attrNameLst>
+                                      </p:cBhvr>
+                                      <p:to>
+                                        <p:strVal val="visible"/>
+                                      </p:to>
+                                    </p:set>
+                                  </p:childTnLst>
+                                </p:cTn>
+                              </p:par>
+                            </p:childTnLst>
+                          </p:cTn>
+                        </p:par>
+                      </p:childTnLst>
+                    </p:cTn>
+                  </p:par>
+                </p:childTnLst>
+              </p:cTn>
+              <p:prevCondLst>
+                <p:cond evt="onPrev" delay="0">
+                  <p:tgtEl>
+                    <p:sldTgt/>
+                  </p:tgtEl>
+                </p:cond>
+              </p:prevCondLst>
+              <p:nextCondLst>
+                <p:cond evt="onNext" delay="0">
+                  <p:tgtEl>
+                    <p:sldTgt/>
+                  </p:tgtEl>
+                </p:cond>
+              </p:nextCondLst>
+            </p:seq>
+          </p:childTnLst>
+        </p:cTn>
+      </p:par>
+    </p:tnLst>
+  </p:timing>
+</p:sld>
+</file>
+
+<file path=ppt/slides/slide29.xml><?xml version="1.0" encoding="utf-8"?>
+<p:sld xmlns:a="http://schemas.openxmlformats.org/drawingml/2006/main" xmlns:r="http://schemas.openxmlformats.org/officeDocument/2006/relationships" xmlns:p="http://schemas.openxmlformats.org/presentationml/2006/main">
+  <p:cSld>
+    <p:spTree>
+      <p:nvGrpSpPr>
+        <p:cNvPr id="1" name=""/>
+        <p:cNvGrpSpPr/>
+        <p:nvPr/>
+      </p:nvGrpSpPr>
+      <p:grpSpPr>
+        <a:xfrm>
+          <a:off x="0" y="0"/>
+          <a:ext cx="0" cy="0"/>
+          <a:chOff x="0" y="0"/>
+          <a:chExt cx="0" cy="0"/>
+        </a:xfrm>
+      </p:grpSpPr>
+      <p:sp>
+        <p:nvSpPr>
+          <p:cNvPr id="2" name="Title 1"/>
+          <p:cNvSpPr>
+            <a:spLocks noGrp="1"/>
+          </p:cNvSpPr>
+          <p:nvPr>
+            <p:ph type="title"/>
+          </p:nvPr>
+        </p:nvSpPr>
+        <p:spPr/>
+        <p:txBody>
+          <a:bodyPr/>
+          <a:lstStyle/>
+          <a:p>
+            <a:r>
+              <a:rPr lang="en-US" dirty="0" smtClean="0">
+                <a:solidFill>
+                  <a:schemeClr val="accent1">
+                    <a:lumMod val="75000"/>
+                  </a:schemeClr>
+                </a:solidFill>
+              </a:rPr>
+              <a:t>Scoreboard (Normal Mode)</a:t>
+            </a:r>
+            <a:endParaRPr lang="en-US" dirty="0">
+              <a:solidFill>
+                <a:schemeClr val="accent1">
+                  <a:lumMod val="75000"/>
+                </a:schemeClr>
+              </a:solidFill>
+            </a:endParaRPr>
+          </a:p>
+        </p:txBody>
+      </p:sp>
+      <p:pic>
+        <p:nvPicPr>
+          <p:cNvPr id="4" name="Content Placeholder 3"/>
+          <p:cNvPicPr>
+            <a:picLocks noGrp="1" noChangeAspect="1"/>
+          </p:cNvPicPr>
+          <p:nvPr>
+            <p:ph idx="1"/>
+          </p:nvPr>
+        </p:nvPicPr>
+        <p:blipFill>
+          <a:blip r:embed="rId2"/>
+          <a:stretch>
+            <a:fillRect/>
+          </a:stretch>
+        </p:blipFill>
+        <p:spPr>
+          <a:xfrm>
+            <a:off x="2047881" y="2996413"/>
+            <a:ext cx="8096251" cy="2009775"/>
+          </a:xfrm>
+          <a:prstGeom prst="rect">
+            <a:avLst/>
+          </a:prstGeom>
+        </p:spPr>
+      </p:pic>
+      <p:pic>
+        <p:nvPicPr>
+          <p:cNvPr id="5" name="Content Placeholder 3"/>
+          <p:cNvPicPr>
+            <a:picLocks noChangeAspect="1"/>
+          </p:cNvPicPr>
+          <p:nvPr/>
+        </p:nvPicPr>
+        <p:blipFill>
+          <a:blip r:embed="rId3"/>
+          <a:stretch>
+            <a:fillRect/>
+          </a:stretch>
+        </p:blipFill>
+        <p:spPr>
+          <a:xfrm>
+            <a:off x="622294" y="1690689"/>
+            <a:ext cx="10947433" cy="4682816"/>
+          </a:xfrm>
+          <a:prstGeom prst="rect">
+            <a:avLst/>
+          </a:prstGeom>
+        </p:spPr>
+      </p:pic>
+    </p:spTree>
+    <p:extLst>
+      <p:ext uri="{BB962C8B-B14F-4D97-AF65-F5344CB8AC3E}">
+        <p14:creationId xmlns:p14="http://schemas.microsoft.com/office/powerpoint/2010/main" val="364410527"/>
+      </p:ext>
+    </p:extLst>
+  </p:cSld>
+  <p:clrMapOvr>
+    <a:masterClrMapping/>
+  </p:clrMapOvr>
+  <p:timing>
+    <p:tnLst>
+      <p:par>
+        <p:cTn id="1" dur="indefinite" restart="never" nodeType="tmRoot"/>
+      </p:par>
+    </p:tnLst>
+  </p:timing>
+</p:sld>
+</file>
+
 <file path=ppt/slides/slide3.xml><?xml version="1.0" encoding="utf-8"?>
 <p:sld xmlns:a="http://schemas.openxmlformats.org/drawingml/2006/main" xmlns:r="http://schemas.openxmlformats.org/officeDocument/2006/relationships" xmlns:p="http://schemas.openxmlformats.org/presentationml/2006/main">
   <p:cSld>
@@ -4220,6 +7648,1444 @@
     <p:extLst>
       <p:ext uri="{BB962C8B-B14F-4D97-AF65-F5344CB8AC3E}">
         <p14:creationId xmlns:p14="http://schemas.microsoft.com/office/powerpoint/2010/main" val="606625221"/>
+      </p:ext>
+    </p:extLst>
+  </p:cSld>
+  <p:clrMapOvr>
+    <a:masterClrMapping/>
+  </p:clrMapOvr>
+  <p:timing>
+    <p:tnLst>
+      <p:par>
+        <p:cTn id="1" dur="indefinite" restart="never" nodeType="tmRoot"/>
+      </p:par>
+    </p:tnLst>
+  </p:timing>
+</p:sld>
+</file>
+
+<file path=ppt/slides/slide30.xml><?xml version="1.0" encoding="utf-8"?>
+<p:sld xmlns:a="http://schemas.openxmlformats.org/drawingml/2006/main" xmlns:r="http://schemas.openxmlformats.org/officeDocument/2006/relationships" xmlns:p="http://schemas.openxmlformats.org/presentationml/2006/main">
+  <p:cSld>
+    <p:spTree>
+      <p:nvGrpSpPr>
+        <p:cNvPr id="1" name=""/>
+        <p:cNvGrpSpPr/>
+        <p:nvPr/>
+      </p:nvGrpSpPr>
+      <p:grpSpPr>
+        <a:xfrm>
+          <a:off x="0" y="0"/>
+          <a:ext cx="0" cy="0"/>
+          <a:chOff x="0" y="0"/>
+          <a:chExt cx="0" cy="0"/>
+        </a:xfrm>
+      </p:grpSpPr>
+      <p:sp>
+        <p:nvSpPr>
+          <p:cNvPr id="2" name="Title 1"/>
+          <p:cNvSpPr>
+            <a:spLocks noGrp="1"/>
+          </p:cNvSpPr>
+          <p:nvPr>
+            <p:ph type="title"/>
+          </p:nvPr>
+        </p:nvSpPr>
+        <p:spPr/>
+        <p:txBody>
+          <a:bodyPr/>
+          <a:lstStyle/>
+          <a:p>
+            <a:r>
+              <a:rPr lang="en-US" dirty="0" smtClean="0">
+                <a:solidFill>
+                  <a:schemeClr val="accent1">
+                    <a:lumMod val="75000"/>
+                  </a:schemeClr>
+                </a:solidFill>
+              </a:rPr>
+              <a:t>Scoreboard (Error inject Mode)</a:t>
+            </a:r>
+            <a:endParaRPr lang="en-US" dirty="0">
+              <a:solidFill>
+                <a:schemeClr val="accent1">
+                  <a:lumMod val="75000"/>
+                </a:schemeClr>
+              </a:solidFill>
+            </a:endParaRPr>
+          </a:p>
+        </p:txBody>
+      </p:sp>
+      <p:pic>
+        <p:nvPicPr>
+          <p:cNvPr id="4" name="Content Placeholder 3"/>
+          <p:cNvPicPr>
+            <a:picLocks noGrp="1" noChangeAspect="1"/>
+          </p:cNvPicPr>
+          <p:nvPr>
+            <p:ph idx="1"/>
+          </p:nvPr>
+        </p:nvPicPr>
+        <p:blipFill>
+          <a:blip r:embed="rId2"/>
+          <a:stretch>
+            <a:fillRect/>
+          </a:stretch>
+        </p:blipFill>
+        <p:spPr>
+          <a:xfrm>
+            <a:off x="2047881" y="2996413"/>
+            <a:ext cx="8096251" cy="2009775"/>
+          </a:xfrm>
+          <a:prstGeom prst="rect">
+            <a:avLst/>
+          </a:prstGeom>
+        </p:spPr>
+      </p:pic>
+      <p:pic>
+        <p:nvPicPr>
+          <p:cNvPr id="5" name="Content Placeholder 3"/>
+          <p:cNvPicPr>
+            <a:picLocks noChangeAspect="1"/>
+          </p:cNvPicPr>
+          <p:nvPr/>
+        </p:nvPicPr>
+        <p:blipFill>
+          <a:blip r:embed="rId3"/>
+          <a:stretch>
+            <a:fillRect/>
+          </a:stretch>
+        </p:blipFill>
+        <p:spPr>
+          <a:xfrm>
+            <a:off x="622294" y="1690689"/>
+            <a:ext cx="10947433" cy="4682816"/>
+          </a:xfrm>
+          <a:prstGeom prst="rect">
+            <a:avLst/>
+          </a:prstGeom>
+        </p:spPr>
+      </p:pic>
+      <p:pic>
+        <p:nvPicPr>
+          <p:cNvPr id="6" name="Content Placeholder 3"/>
+          <p:cNvPicPr>
+            <a:picLocks noChangeAspect="1"/>
+          </p:cNvPicPr>
+          <p:nvPr/>
+        </p:nvPicPr>
+        <p:blipFill>
+          <a:blip r:embed="rId2"/>
+          <a:stretch>
+            <a:fillRect/>
+          </a:stretch>
+        </p:blipFill>
+        <p:spPr>
+          <a:xfrm>
+            <a:off x="621275" y="1690689"/>
+            <a:ext cx="10948452" cy="4682816"/>
+          </a:xfrm>
+          <a:prstGeom prst="rect">
+            <a:avLst/>
+          </a:prstGeom>
+        </p:spPr>
+      </p:pic>
+    </p:spTree>
+    <p:extLst>
+      <p:ext uri="{BB962C8B-B14F-4D97-AF65-F5344CB8AC3E}">
+        <p14:creationId xmlns:p14="http://schemas.microsoft.com/office/powerpoint/2010/main" val="3847002515"/>
+      </p:ext>
+    </p:extLst>
+  </p:cSld>
+  <p:clrMapOvr>
+    <a:masterClrMapping/>
+  </p:clrMapOvr>
+  <p:timing>
+    <p:tnLst>
+      <p:par>
+        <p:cTn id="1" dur="indefinite" restart="never" nodeType="tmRoot"/>
+      </p:par>
+    </p:tnLst>
+  </p:timing>
+</p:sld>
+</file>
+
+<file path=ppt/slides/slide31.xml><?xml version="1.0" encoding="utf-8"?>
+<p:sld xmlns:a="http://schemas.openxmlformats.org/drawingml/2006/main" xmlns:r="http://schemas.openxmlformats.org/officeDocument/2006/relationships" xmlns:p="http://schemas.openxmlformats.org/presentationml/2006/main">
+  <p:cSld>
+    <p:spTree>
+      <p:nvGrpSpPr>
+        <p:cNvPr id="1" name=""/>
+        <p:cNvGrpSpPr/>
+        <p:nvPr/>
+      </p:nvGrpSpPr>
+      <p:grpSpPr>
+        <a:xfrm>
+          <a:off x="0" y="0"/>
+          <a:ext cx="0" cy="0"/>
+          <a:chOff x="0" y="0"/>
+          <a:chExt cx="0" cy="0"/>
+        </a:xfrm>
+      </p:grpSpPr>
+      <p:sp>
+        <p:nvSpPr>
+          <p:cNvPr id="2" name="Title 1"/>
+          <p:cNvSpPr>
+            <a:spLocks noGrp="1"/>
+          </p:cNvSpPr>
+          <p:nvPr>
+            <p:ph type="ctrTitle"/>
+          </p:nvPr>
+        </p:nvSpPr>
+        <p:spPr/>
+        <p:txBody>
+          <a:bodyPr/>
+          <a:lstStyle/>
+          <a:p>
+            <a:r>
+              <a:rPr lang="en-US" dirty="0" smtClean="0">
+                <a:solidFill>
+                  <a:schemeClr val="accent1">
+                    <a:lumMod val="75000"/>
+                  </a:schemeClr>
+                </a:solidFill>
+              </a:rPr>
+              <a:t>VELOCE EMULATION</a:t>
+            </a:r>
+            <a:endParaRPr lang="en-US" dirty="0">
+              <a:solidFill>
+                <a:schemeClr val="accent1">
+                  <a:lumMod val="75000"/>
+                </a:schemeClr>
+              </a:solidFill>
+            </a:endParaRPr>
+          </a:p>
+        </p:txBody>
+      </p:sp>
+      <p:sp>
+        <p:nvSpPr>
+          <p:cNvPr id="3" name="Subtitle 2"/>
+          <p:cNvSpPr>
+            <a:spLocks noGrp="1"/>
+          </p:cNvSpPr>
+          <p:nvPr>
+            <p:ph type="subTitle" idx="1"/>
+          </p:nvPr>
+        </p:nvSpPr>
+        <p:spPr/>
+        <p:txBody>
+          <a:bodyPr/>
+          <a:lstStyle/>
+          <a:p>
+            <a:endParaRPr lang="en-US"/>
+          </a:p>
+        </p:txBody>
+      </p:sp>
+    </p:spTree>
+    <p:extLst>
+      <p:ext uri="{BB962C8B-B14F-4D97-AF65-F5344CB8AC3E}">
+        <p14:creationId xmlns:p14="http://schemas.microsoft.com/office/powerpoint/2010/main" val="2653437203"/>
+      </p:ext>
+    </p:extLst>
+  </p:cSld>
+  <p:clrMapOvr>
+    <a:masterClrMapping/>
+  </p:clrMapOvr>
+  <p:timing>
+    <p:tnLst>
+      <p:par>
+        <p:cTn id="1" dur="indefinite" restart="never" nodeType="tmRoot"/>
+      </p:par>
+    </p:tnLst>
+  </p:timing>
+</p:sld>
+</file>
+
+<file path=ppt/slides/slide32.xml><?xml version="1.0" encoding="utf-8"?>
+<p:sld xmlns:a="http://schemas.openxmlformats.org/drawingml/2006/main" xmlns:r="http://schemas.openxmlformats.org/officeDocument/2006/relationships" xmlns:p="http://schemas.openxmlformats.org/presentationml/2006/main">
+  <p:cSld>
+    <p:spTree>
+      <p:nvGrpSpPr>
+        <p:cNvPr id="1" name=""/>
+        <p:cNvGrpSpPr/>
+        <p:nvPr/>
+      </p:nvGrpSpPr>
+      <p:grpSpPr>
+        <a:xfrm>
+          <a:off x="0" y="0"/>
+          <a:ext cx="0" cy="0"/>
+          <a:chOff x="0" y="0"/>
+          <a:chExt cx="0" cy="0"/>
+        </a:xfrm>
+      </p:grpSpPr>
+      <p:sp>
+        <p:nvSpPr>
+          <p:cNvPr id="2" name="Title 1"/>
+          <p:cNvSpPr>
+            <a:spLocks noGrp="1"/>
+          </p:cNvSpPr>
+          <p:nvPr>
+            <p:ph type="title"/>
+          </p:nvPr>
+        </p:nvSpPr>
+        <p:spPr/>
+        <p:txBody>
+          <a:bodyPr/>
+          <a:lstStyle/>
+          <a:p>
+            <a:r>
+              <a:rPr lang="en-US" dirty="0" smtClean="0">
+                <a:solidFill>
+                  <a:schemeClr val="accent1">
+                    <a:lumMod val="75000"/>
+                  </a:schemeClr>
+                </a:solidFill>
+              </a:rPr>
+              <a:t>TBX Mode</a:t>
+            </a:r>
+            <a:endParaRPr lang="en-US" dirty="0">
+              <a:solidFill>
+                <a:schemeClr val="accent1">
+                  <a:lumMod val="75000"/>
+                </a:schemeClr>
+              </a:solidFill>
+            </a:endParaRPr>
+          </a:p>
+        </p:txBody>
+      </p:sp>
+      <p:pic>
+        <p:nvPicPr>
+          <p:cNvPr id="4" name="Content Placeholder 3"/>
+          <p:cNvPicPr>
+            <a:picLocks noGrp="1"/>
+          </p:cNvPicPr>
+          <p:nvPr>
+            <p:ph idx="1"/>
+          </p:nvPr>
+        </p:nvPicPr>
+        <p:blipFill>
+          <a:blip r:embed="rId2" cstate="print">
+            <a:extLst>
+              <a:ext uri="{28A0092B-C50C-407E-A947-70E740481C1C}">
+                <a14:useLocalDpi xmlns:a14="http://schemas.microsoft.com/office/drawing/2010/main" val="0"/>
+              </a:ext>
+            </a:extLst>
+          </a:blip>
+          <a:stretch>
+            <a:fillRect/>
+          </a:stretch>
+        </p:blipFill>
+        <p:spPr>
+          <a:xfrm>
+            <a:off x="6056194" y="1618245"/>
+            <a:ext cx="5685430" cy="4682812"/>
+          </a:xfrm>
+          <a:prstGeom prst="rect">
+            <a:avLst/>
+          </a:prstGeom>
+        </p:spPr>
+      </p:pic>
+      <p:sp>
+        <p:nvSpPr>
+          <p:cNvPr id="5" name="TextBox 4"/>
+          <p:cNvSpPr txBox="1"/>
+          <p:nvPr/>
+        </p:nvSpPr>
+        <p:spPr>
+          <a:xfrm>
+            <a:off x="450376" y="1690692"/>
+            <a:ext cx="4817660" cy="4662815"/>
+          </a:xfrm>
+          <a:prstGeom prst="rect">
+            <a:avLst/>
+          </a:prstGeom>
+          <a:noFill/>
+        </p:spPr>
+        <p:txBody>
+          <a:bodyPr wrap="square" rtlCol="0">
+            <a:spAutoFit/>
+          </a:bodyPr>
+          <a:lstStyle/>
+          <a:p>
+            <a:pPr marL="285750" indent="-285750" algn="just">
+              <a:lnSpc>
+                <a:spcPct val="150000"/>
+              </a:lnSpc>
+              <a:buFont typeface="Arial" panose="020B0604020202020204" pitchFamily="34" charset="0"/>
+              <a:buChar char="•"/>
+            </a:pPr>
+            <a:r>
+              <a:rPr lang="en-US" sz="2200" dirty="0" smtClean="0"/>
+              <a:t>XRTL Transactor configured as host processor stub for CAN nodes</a:t>
+            </a:r>
+          </a:p>
+          <a:p>
+            <a:pPr marL="285750" indent="-285750" algn="just">
+              <a:lnSpc>
+                <a:spcPct val="150000"/>
+              </a:lnSpc>
+              <a:buFont typeface="Arial" panose="020B0604020202020204" pitchFamily="34" charset="0"/>
+              <a:buChar char="•"/>
+            </a:pPr>
+            <a:r>
+              <a:rPr lang="en-US" sz="2200" dirty="0" smtClean="0"/>
+              <a:t>Input SCEMI pipe used to get data packets generated from HVL side</a:t>
+            </a:r>
+          </a:p>
+          <a:p>
+            <a:pPr marL="285750" indent="-285750" algn="just">
+              <a:lnSpc>
+                <a:spcPct val="150000"/>
+              </a:lnSpc>
+              <a:buFont typeface="Arial" panose="020B0604020202020204" pitchFamily="34" charset="0"/>
+              <a:buChar char="•"/>
+            </a:pPr>
+            <a:r>
+              <a:rPr lang="en-US" sz="2200" dirty="0" smtClean="0"/>
+              <a:t>Received  packets, after bus transaction, are sent through </a:t>
+            </a:r>
+            <a:r>
+              <a:rPr lang="en-US" sz="2200" dirty="0"/>
+              <a:t>o</a:t>
+            </a:r>
+            <a:r>
+              <a:rPr lang="en-US" sz="2200" dirty="0" smtClean="0"/>
+              <a:t>utput SCEMI</a:t>
+            </a:r>
+          </a:p>
+          <a:p>
+            <a:pPr marL="285750" indent="-285750" algn="just">
+              <a:lnSpc>
+                <a:spcPct val="150000"/>
+              </a:lnSpc>
+              <a:buFont typeface="Arial" panose="020B0604020202020204" pitchFamily="34" charset="0"/>
+              <a:buChar char="•"/>
+            </a:pPr>
+            <a:r>
+              <a:rPr lang="en-US" sz="2200" dirty="0" smtClean="0"/>
+              <a:t>HVL then does scoreboard of sent and received packets and prints out log</a:t>
+            </a:r>
+            <a:endParaRPr lang="en-US" sz="2200" dirty="0"/>
+          </a:p>
+        </p:txBody>
+      </p:sp>
+    </p:spTree>
+    <p:extLst>
+      <p:ext uri="{BB962C8B-B14F-4D97-AF65-F5344CB8AC3E}">
+        <p14:creationId xmlns:p14="http://schemas.microsoft.com/office/powerpoint/2010/main" val="1079015518"/>
+      </p:ext>
+    </p:extLst>
+  </p:cSld>
+  <p:clrMapOvr>
+    <a:masterClrMapping/>
+  </p:clrMapOvr>
+  <p:timing>
+    <p:tnLst>
+      <p:par>
+        <p:cTn id="1" dur="indefinite" restart="never" nodeType="tmRoot">
+          <p:childTnLst>
+            <p:seq concurrent="1" nextAc="seek">
+              <p:cTn id="2" dur="indefinite" nodeType="mainSeq">
+                <p:childTnLst>
+                  <p:par>
+                    <p:cTn id="3" fill="hold">
+                      <p:stCondLst>
+                        <p:cond delay="indefinite"/>
+                      </p:stCondLst>
+                      <p:childTnLst>
+                        <p:par>
+                          <p:cTn id="4" fill="hold">
+                            <p:stCondLst>
+                              <p:cond delay="0"/>
+                            </p:stCondLst>
+                            <p:childTnLst>
+                              <p:par>
+                                <p:cTn id="5" presetID="1" presetClass="entr" presetSubtype="0" fill="hold" grpId="0" nodeType="clickEffect">
+                                  <p:stCondLst>
+                                    <p:cond delay="0"/>
+                                  </p:stCondLst>
+                                  <p:childTnLst>
+                                    <p:set>
+                                      <p:cBhvr>
+                                        <p:cTn id="6" dur="1" fill="hold">
+                                          <p:stCondLst>
+                                            <p:cond delay="0"/>
+                                          </p:stCondLst>
+                                        </p:cTn>
+                                        <p:tgtEl>
+                                          <p:spTgt spid="5"/>
+                                        </p:tgtEl>
+                                        <p:attrNameLst>
+                                          <p:attrName>style.visibility</p:attrName>
+                                        </p:attrNameLst>
+                                      </p:cBhvr>
+                                      <p:to>
+                                        <p:strVal val="visible"/>
+                                      </p:to>
+                                    </p:set>
+                                  </p:childTnLst>
+                                </p:cTn>
+                              </p:par>
+                            </p:childTnLst>
+                          </p:cTn>
+                        </p:par>
+                      </p:childTnLst>
+                    </p:cTn>
+                  </p:par>
+                </p:childTnLst>
+              </p:cTn>
+              <p:prevCondLst>
+                <p:cond evt="onPrev" delay="0">
+                  <p:tgtEl>
+                    <p:sldTgt/>
+                  </p:tgtEl>
+                </p:cond>
+              </p:prevCondLst>
+              <p:nextCondLst>
+                <p:cond evt="onNext" delay="0">
+                  <p:tgtEl>
+                    <p:sldTgt/>
+                  </p:tgtEl>
+                </p:cond>
+              </p:nextCondLst>
+            </p:seq>
+          </p:childTnLst>
+        </p:cTn>
+      </p:par>
+    </p:tnLst>
+    <p:bldLst>
+      <p:bldP spid="5" grpId="0"/>
+    </p:bldLst>
+  </p:timing>
+</p:sld>
+</file>
+
+<file path=ppt/slides/slide33.xml><?xml version="1.0" encoding="utf-8"?>
+<p:sld xmlns:a="http://schemas.openxmlformats.org/drawingml/2006/main" xmlns:r="http://schemas.openxmlformats.org/officeDocument/2006/relationships" xmlns:p="http://schemas.openxmlformats.org/presentationml/2006/main">
+  <p:cSld>
+    <p:spTree>
+      <p:nvGrpSpPr>
+        <p:cNvPr id="1" name=""/>
+        <p:cNvGrpSpPr/>
+        <p:nvPr/>
+      </p:nvGrpSpPr>
+      <p:grpSpPr>
+        <a:xfrm>
+          <a:off x="0" y="0"/>
+          <a:ext cx="0" cy="0"/>
+          <a:chOff x="0" y="0"/>
+          <a:chExt cx="0" cy="0"/>
+        </a:xfrm>
+      </p:grpSpPr>
+      <p:sp>
+        <p:nvSpPr>
+          <p:cNvPr id="4" name="Title 3"/>
+          <p:cNvSpPr>
+            <a:spLocks noGrp="1"/>
+          </p:cNvSpPr>
+          <p:nvPr>
+            <p:ph type="title"/>
+          </p:nvPr>
+        </p:nvSpPr>
+        <p:spPr/>
+        <p:txBody>
+          <a:bodyPr/>
+          <a:lstStyle/>
+          <a:p>
+            <a:r>
+              <a:rPr lang="en-US" dirty="0" smtClean="0">
+                <a:solidFill>
+                  <a:schemeClr val="accent1">
+                    <a:lumMod val="75000"/>
+                  </a:schemeClr>
+                </a:solidFill>
+              </a:rPr>
+              <a:t>HVL</a:t>
+            </a:r>
+            <a:endParaRPr lang="en-US" dirty="0">
+              <a:solidFill>
+                <a:schemeClr val="accent1">
+                  <a:lumMod val="75000"/>
+                </a:schemeClr>
+              </a:solidFill>
+            </a:endParaRPr>
+          </a:p>
+        </p:txBody>
+      </p:sp>
+      <p:sp>
+        <p:nvSpPr>
+          <p:cNvPr id="5" name="Content Placeholder 4"/>
+          <p:cNvSpPr>
+            <a:spLocks noGrp="1"/>
+          </p:cNvSpPr>
+          <p:nvPr>
+            <p:ph idx="1"/>
+          </p:nvPr>
+        </p:nvSpPr>
+        <p:spPr/>
+        <p:txBody>
+          <a:bodyPr/>
+          <a:lstStyle/>
+          <a:p>
+            <a:pPr>
+              <a:lnSpc>
+                <a:spcPct val="150000"/>
+              </a:lnSpc>
+            </a:pPr>
+            <a:r>
+              <a:rPr lang="en-US" dirty="0" smtClean="0"/>
+              <a:t>Implements Constrained Randomization &amp; OOP techniques for generating test packets &amp; Identifiers</a:t>
+            </a:r>
+          </a:p>
+          <a:p>
+            <a:pPr>
+              <a:lnSpc>
+                <a:spcPct val="150000"/>
+              </a:lnSpc>
+            </a:pPr>
+            <a:r>
+              <a:rPr lang="en-US" dirty="0" smtClean="0"/>
+              <a:t>Monitors received packets and produces a scoreboard at end of simulation run</a:t>
+            </a:r>
+          </a:p>
+          <a:p>
+            <a:pPr>
+              <a:lnSpc>
+                <a:spcPct val="150000"/>
+              </a:lnSpc>
+            </a:pPr>
+            <a:r>
+              <a:rPr lang="en-US" dirty="0" smtClean="0"/>
+              <a:t>Logging of inputs and outputs in files</a:t>
+            </a:r>
+            <a:endParaRPr lang="en-US" dirty="0"/>
+          </a:p>
+        </p:txBody>
+      </p:sp>
+    </p:spTree>
+    <p:extLst>
+      <p:ext uri="{BB962C8B-B14F-4D97-AF65-F5344CB8AC3E}">
+        <p14:creationId xmlns:p14="http://schemas.microsoft.com/office/powerpoint/2010/main" val="532632597"/>
+      </p:ext>
+    </p:extLst>
+  </p:cSld>
+  <p:clrMapOvr>
+    <a:masterClrMapping/>
+  </p:clrMapOvr>
+  <p:timing>
+    <p:tnLst>
+      <p:par>
+        <p:cTn id="1" dur="indefinite" restart="never" nodeType="tmRoot"/>
+      </p:par>
+    </p:tnLst>
+  </p:timing>
+</p:sld>
+</file>
+
+<file path=ppt/slides/slide34.xml><?xml version="1.0" encoding="utf-8"?>
+<p:sld xmlns:a="http://schemas.openxmlformats.org/drawingml/2006/main" xmlns:r="http://schemas.openxmlformats.org/officeDocument/2006/relationships" xmlns:p="http://schemas.openxmlformats.org/presentationml/2006/main">
+  <p:cSld>
+    <p:spTree>
+      <p:nvGrpSpPr>
+        <p:cNvPr id="1" name=""/>
+        <p:cNvGrpSpPr/>
+        <p:nvPr/>
+      </p:nvGrpSpPr>
+      <p:grpSpPr>
+        <a:xfrm>
+          <a:off x="0" y="0"/>
+          <a:ext cx="0" cy="0"/>
+          <a:chOff x="0" y="0"/>
+          <a:chExt cx="0" cy="0"/>
+        </a:xfrm>
+      </p:grpSpPr>
+      <p:sp>
+        <p:nvSpPr>
+          <p:cNvPr id="2" name="Title 1"/>
+          <p:cNvSpPr>
+            <a:spLocks noGrp="1"/>
+          </p:cNvSpPr>
+          <p:nvPr>
+            <p:ph type="title"/>
+          </p:nvPr>
+        </p:nvSpPr>
+        <p:spPr/>
+        <p:txBody>
+          <a:bodyPr/>
+          <a:lstStyle/>
+          <a:p>
+            <a:r>
+              <a:rPr lang="en-US" dirty="0" smtClean="0">
+                <a:solidFill>
+                  <a:schemeClr val="accent1">
+                    <a:lumMod val="75000"/>
+                  </a:schemeClr>
+                </a:solidFill>
+              </a:rPr>
+              <a:t>Randomization &amp; OOP Constructs</a:t>
+            </a:r>
+            <a:endParaRPr lang="en-US" dirty="0">
+              <a:solidFill>
+                <a:schemeClr val="accent1">
+                  <a:lumMod val="75000"/>
+                </a:schemeClr>
+              </a:solidFill>
+            </a:endParaRPr>
+          </a:p>
+        </p:txBody>
+      </p:sp>
+      <p:pic>
+        <p:nvPicPr>
+          <p:cNvPr id="4" name="Content Placeholder 3"/>
+          <p:cNvPicPr>
+            <a:picLocks noGrp="1" noChangeAspect="1"/>
+          </p:cNvPicPr>
+          <p:nvPr>
+            <p:ph idx="1"/>
+          </p:nvPr>
+        </p:nvPicPr>
+        <p:blipFill>
+          <a:blip r:embed="rId2"/>
+          <a:stretch>
+            <a:fillRect/>
+          </a:stretch>
+        </p:blipFill>
+        <p:spPr>
+          <a:xfrm>
+            <a:off x="838200" y="1819783"/>
+            <a:ext cx="9324134" cy="2711273"/>
+          </a:xfrm>
+          <a:prstGeom prst="rect">
+            <a:avLst/>
+          </a:prstGeom>
+        </p:spPr>
+      </p:pic>
+      <p:pic>
+        <p:nvPicPr>
+          <p:cNvPr id="5" name="Picture 4"/>
+          <p:cNvPicPr>
+            <a:picLocks noChangeAspect="1"/>
+          </p:cNvPicPr>
+          <p:nvPr/>
+        </p:nvPicPr>
+        <p:blipFill>
+          <a:blip r:embed="rId3"/>
+          <a:stretch>
+            <a:fillRect/>
+          </a:stretch>
+        </p:blipFill>
+        <p:spPr>
+          <a:xfrm>
+            <a:off x="838200" y="4660147"/>
+            <a:ext cx="10176835" cy="1890778"/>
+          </a:xfrm>
+          <a:prstGeom prst="rect">
+            <a:avLst/>
+          </a:prstGeom>
+        </p:spPr>
+      </p:pic>
+    </p:spTree>
+    <p:extLst>
+      <p:ext uri="{BB962C8B-B14F-4D97-AF65-F5344CB8AC3E}">
+        <p14:creationId xmlns:p14="http://schemas.microsoft.com/office/powerpoint/2010/main" val="1471419628"/>
+      </p:ext>
+    </p:extLst>
+  </p:cSld>
+  <p:clrMapOvr>
+    <a:masterClrMapping/>
+  </p:clrMapOvr>
+  <p:timing>
+    <p:tnLst>
+      <p:par>
+        <p:cTn id="1" dur="indefinite" restart="never" nodeType="tmRoot">
+          <p:childTnLst>
+            <p:seq concurrent="1" nextAc="seek">
+              <p:cTn id="2" dur="indefinite" nodeType="mainSeq">
+                <p:childTnLst>
+                  <p:par>
+                    <p:cTn id="3" fill="hold">
+                      <p:stCondLst>
+                        <p:cond delay="indefinite"/>
+                      </p:stCondLst>
+                      <p:childTnLst>
+                        <p:par>
+                          <p:cTn id="4" fill="hold">
+                            <p:stCondLst>
+                              <p:cond delay="0"/>
+                            </p:stCondLst>
+                            <p:childTnLst>
+                              <p:par>
+                                <p:cTn id="5" presetID="1" presetClass="entr" presetSubtype="0" fill="hold" nodeType="clickEffect">
+                                  <p:stCondLst>
+                                    <p:cond delay="0"/>
+                                  </p:stCondLst>
+                                  <p:childTnLst>
+                                    <p:set>
+                                      <p:cBhvr>
+                                        <p:cTn id="6" dur="1" fill="hold">
+                                          <p:stCondLst>
+                                            <p:cond delay="0"/>
+                                          </p:stCondLst>
+                                        </p:cTn>
+                                        <p:tgtEl>
+                                          <p:spTgt spid="5"/>
+                                        </p:tgtEl>
+                                        <p:attrNameLst>
+                                          <p:attrName>style.visibility</p:attrName>
+                                        </p:attrNameLst>
+                                      </p:cBhvr>
+                                      <p:to>
+                                        <p:strVal val="visible"/>
+                                      </p:to>
+                                    </p:set>
+                                  </p:childTnLst>
+                                </p:cTn>
+                              </p:par>
+                            </p:childTnLst>
+                          </p:cTn>
+                        </p:par>
+                      </p:childTnLst>
+                    </p:cTn>
+                  </p:par>
+                </p:childTnLst>
+              </p:cTn>
+              <p:prevCondLst>
+                <p:cond evt="onPrev" delay="0">
+                  <p:tgtEl>
+                    <p:sldTgt/>
+                  </p:tgtEl>
+                </p:cond>
+              </p:prevCondLst>
+              <p:nextCondLst>
+                <p:cond evt="onNext" delay="0">
+                  <p:tgtEl>
+                    <p:sldTgt/>
+                  </p:tgtEl>
+                </p:cond>
+              </p:nextCondLst>
+            </p:seq>
+          </p:childTnLst>
+        </p:cTn>
+      </p:par>
+    </p:tnLst>
+  </p:timing>
+</p:sld>
+</file>
+
+<file path=ppt/slides/slide35.xml><?xml version="1.0" encoding="utf-8"?>
+<p:sld xmlns:a="http://schemas.openxmlformats.org/drawingml/2006/main" xmlns:r="http://schemas.openxmlformats.org/officeDocument/2006/relationships" xmlns:p="http://schemas.openxmlformats.org/presentationml/2006/main">
+  <p:cSld>
+    <p:spTree>
+      <p:nvGrpSpPr>
+        <p:cNvPr id="1" name=""/>
+        <p:cNvGrpSpPr/>
+        <p:nvPr/>
+      </p:nvGrpSpPr>
+      <p:grpSpPr>
+        <a:xfrm>
+          <a:off x="0" y="0"/>
+          <a:ext cx="0" cy="0"/>
+          <a:chOff x="0" y="0"/>
+          <a:chExt cx="0" cy="0"/>
+        </a:xfrm>
+      </p:grpSpPr>
+      <p:sp>
+        <p:nvSpPr>
+          <p:cNvPr id="2" name="Title 1"/>
+          <p:cNvSpPr>
+            <a:spLocks noGrp="1"/>
+          </p:cNvSpPr>
+          <p:nvPr>
+            <p:ph type="title"/>
+          </p:nvPr>
+        </p:nvSpPr>
+        <p:spPr/>
+        <p:txBody>
+          <a:bodyPr/>
+          <a:lstStyle/>
+          <a:p>
+            <a:r>
+              <a:rPr lang="en-US" dirty="0" smtClean="0">
+                <a:solidFill>
+                  <a:schemeClr val="accent1">
+                    <a:lumMod val="75000"/>
+                  </a:schemeClr>
+                </a:solidFill>
+              </a:rPr>
+              <a:t>Scoreboard (Normal Mode)</a:t>
+            </a:r>
+            <a:endParaRPr lang="en-US" dirty="0">
+              <a:solidFill>
+                <a:schemeClr val="accent1">
+                  <a:lumMod val="75000"/>
+                </a:schemeClr>
+              </a:solidFill>
+            </a:endParaRPr>
+          </a:p>
+        </p:txBody>
+      </p:sp>
+      <p:pic>
+        <p:nvPicPr>
+          <p:cNvPr id="4" name="Content Placeholder 3"/>
+          <p:cNvPicPr>
+            <a:picLocks noGrp="1" noChangeAspect="1"/>
+          </p:cNvPicPr>
+          <p:nvPr>
+            <p:ph idx="1"/>
+          </p:nvPr>
+        </p:nvPicPr>
+        <p:blipFill>
+          <a:blip r:embed="rId2"/>
+          <a:stretch>
+            <a:fillRect/>
+          </a:stretch>
+        </p:blipFill>
+        <p:spPr>
+          <a:xfrm>
+            <a:off x="838200" y="1690691"/>
+            <a:ext cx="10830636" cy="4819291"/>
+          </a:xfrm>
+          <a:prstGeom prst="rect">
+            <a:avLst/>
+          </a:prstGeom>
+        </p:spPr>
+      </p:pic>
+      <p:pic>
+        <p:nvPicPr>
+          <p:cNvPr id="5" name="Picture 4"/>
+          <p:cNvPicPr>
+            <a:picLocks noChangeAspect="1"/>
+          </p:cNvPicPr>
+          <p:nvPr/>
+        </p:nvPicPr>
+        <p:blipFill>
+          <a:blip r:embed="rId3"/>
+          <a:stretch>
+            <a:fillRect/>
+          </a:stretch>
+        </p:blipFill>
+        <p:spPr>
+          <a:xfrm>
+            <a:off x="838200" y="1690690"/>
+            <a:ext cx="10830636" cy="4819291"/>
+          </a:xfrm>
+          <a:prstGeom prst="rect">
+            <a:avLst/>
+          </a:prstGeom>
+        </p:spPr>
+      </p:pic>
+    </p:spTree>
+    <p:extLst>
+      <p:ext uri="{BB962C8B-B14F-4D97-AF65-F5344CB8AC3E}">
+        <p14:creationId xmlns:p14="http://schemas.microsoft.com/office/powerpoint/2010/main" val="3560787225"/>
+      </p:ext>
+    </p:extLst>
+  </p:cSld>
+  <p:clrMapOvr>
+    <a:masterClrMapping/>
+  </p:clrMapOvr>
+  <p:timing>
+    <p:tnLst>
+      <p:par>
+        <p:cTn id="1" dur="indefinite" restart="never" nodeType="tmRoot"/>
+      </p:par>
+    </p:tnLst>
+  </p:timing>
+</p:sld>
+</file>
+
+<file path=ppt/slides/slide36.xml><?xml version="1.0" encoding="utf-8"?>
+<p:sld xmlns:a="http://schemas.openxmlformats.org/drawingml/2006/main" xmlns:r="http://schemas.openxmlformats.org/officeDocument/2006/relationships" xmlns:p="http://schemas.openxmlformats.org/presentationml/2006/main">
+  <p:cSld>
+    <p:spTree>
+      <p:nvGrpSpPr>
+        <p:cNvPr id="1" name=""/>
+        <p:cNvGrpSpPr/>
+        <p:nvPr/>
+      </p:nvGrpSpPr>
+      <p:grpSpPr>
+        <a:xfrm>
+          <a:off x="0" y="0"/>
+          <a:ext cx="0" cy="0"/>
+          <a:chOff x="0" y="0"/>
+          <a:chExt cx="0" cy="0"/>
+        </a:xfrm>
+      </p:grpSpPr>
+      <p:sp>
+        <p:nvSpPr>
+          <p:cNvPr id="2" name="Title 1"/>
+          <p:cNvSpPr>
+            <a:spLocks noGrp="1"/>
+          </p:cNvSpPr>
+          <p:nvPr>
+            <p:ph type="title"/>
+          </p:nvPr>
+        </p:nvSpPr>
+        <p:spPr/>
+        <p:txBody>
+          <a:bodyPr/>
+          <a:lstStyle/>
+          <a:p>
+            <a:r>
+              <a:rPr lang="en-US" dirty="0" smtClean="0">
+                <a:solidFill>
+                  <a:schemeClr val="accent1">
+                    <a:lumMod val="75000"/>
+                  </a:schemeClr>
+                </a:solidFill>
+              </a:rPr>
+              <a:t>Scoreboard (Error inject Mode)</a:t>
+            </a:r>
+            <a:endParaRPr lang="en-US" dirty="0">
+              <a:solidFill>
+                <a:schemeClr val="accent1">
+                  <a:lumMod val="75000"/>
+                </a:schemeClr>
+              </a:solidFill>
+            </a:endParaRPr>
+          </a:p>
+        </p:txBody>
+      </p:sp>
+      <p:pic>
+        <p:nvPicPr>
+          <p:cNvPr id="4" name="Content Placeholder 3"/>
+          <p:cNvPicPr>
+            <a:picLocks noGrp="1" noChangeAspect="1"/>
+          </p:cNvPicPr>
+          <p:nvPr>
+            <p:ph idx="1"/>
+          </p:nvPr>
+        </p:nvPicPr>
+        <p:blipFill>
+          <a:blip r:embed="rId2"/>
+          <a:stretch>
+            <a:fillRect/>
+          </a:stretch>
+        </p:blipFill>
+        <p:spPr>
+          <a:xfrm>
+            <a:off x="838200" y="1690691"/>
+            <a:ext cx="10830636" cy="4819291"/>
+          </a:xfrm>
+          <a:prstGeom prst="rect">
+            <a:avLst/>
+          </a:prstGeom>
+        </p:spPr>
+      </p:pic>
+      <p:pic>
+        <p:nvPicPr>
+          <p:cNvPr id="5" name="Picture 4"/>
+          <p:cNvPicPr>
+            <a:picLocks noChangeAspect="1"/>
+          </p:cNvPicPr>
+          <p:nvPr/>
+        </p:nvPicPr>
+        <p:blipFill>
+          <a:blip r:embed="rId3"/>
+          <a:stretch>
+            <a:fillRect/>
+          </a:stretch>
+        </p:blipFill>
+        <p:spPr>
+          <a:xfrm>
+            <a:off x="838200" y="1690690"/>
+            <a:ext cx="10830636" cy="4819291"/>
+          </a:xfrm>
+          <a:prstGeom prst="rect">
+            <a:avLst/>
+          </a:prstGeom>
+        </p:spPr>
+      </p:pic>
+      <p:pic>
+        <p:nvPicPr>
+          <p:cNvPr id="7" name="Picture 6"/>
+          <p:cNvPicPr>
+            <a:picLocks noChangeAspect="1"/>
+          </p:cNvPicPr>
+          <p:nvPr/>
+        </p:nvPicPr>
+        <p:blipFill>
+          <a:blip r:embed="rId4"/>
+          <a:stretch>
+            <a:fillRect/>
+          </a:stretch>
+        </p:blipFill>
+        <p:spPr>
+          <a:xfrm>
+            <a:off x="838200" y="1690689"/>
+            <a:ext cx="10830636" cy="4819292"/>
+          </a:xfrm>
+          <a:prstGeom prst="rect">
+            <a:avLst/>
+          </a:prstGeom>
+        </p:spPr>
+      </p:pic>
+    </p:spTree>
+    <p:extLst>
+      <p:ext uri="{BB962C8B-B14F-4D97-AF65-F5344CB8AC3E}">
+        <p14:creationId xmlns:p14="http://schemas.microsoft.com/office/powerpoint/2010/main" val="525371353"/>
+      </p:ext>
+    </p:extLst>
+  </p:cSld>
+  <p:clrMapOvr>
+    <a:masterClrMapping/>
+  </p:clrMapOvr>
+  <p:timing>
+    <p:tnLst>
+      <p:par>
+        <p:cTn id="1" dur="indefinite" restart="never" nodeType="tmRoot"/>
+      </p:par>
+    </p:tnLst>
+  </p:timing>
+</p:sld>
+</file>
+
+<file path=ppt/slides/slide37.xml><?xml version="1.0" encoding="utf-8"?>
+<p:sld xmlns:a="http://schemas.openxmlformats.org/drawingml/2006/main" xmlns:r="http://schemas.openxmlformats.org/officeDocument/2006/relationships" xmlns:p="http://schemas.openxmlformats.org/presentationml/2006/main">
+  <p:cSld>
+    <p:spTree>
+      <p:nvGrpSpPr>
+        <p:cNvPr id="1" name=""/>
+        <p:cNvGrpSpPr/>
+        <p:nvPr/>
+      </p:nvGrpSpPr>
+      <p:grpSpPr>
+        <a:xfrm>
+          <a:off x="0" y="0"/>
+          <a:ext cx="0" cy="0"/>
+          <a:chOff x="0" y="0"/>
+          <a:chExt cx="0" cy="0"/>
+        </a:xfrm>
+      </p:grpSpPr>
+      <p:sp>
+        <p:nvSpPr>
+          <p:cNvPr id="2" name="Title 1"/>
+          <p:cNvSpPr>
+            <a:spLocks noGrp="1"/>
+          </p:cNvSpPr>
+          <p:nvPr>
+            <p:ph type="title"/>
+          </p:nvPr>
+        </p:nvSpPr>
+        <p:spPr/>
+        <p:txBody>
+          <a:bodyPr/>
+          <a:lstStyle/>
+          <a:p>
+            <a:r>
+              <a:rPr lang="en-US" dirty="0" smtClean="0">
+                <a:solidFill>
+                  <a:schemeClr val="accent1">
+                    <a:lumMod val="75000"/>
+                  </a:schemeClr>
+                </a:solidFill>
+              </a:rPr>
+              <a:t>Verification Features</a:t>
+            </a:r>
+            <a:endParaRPr lang="en-US" dirty="0">
+              <a:solidFill>
+                <a:schemeClr val="accent1">
+                  <a:lumMod val="75000"/>
+                </a:schemeClr>
+              </a:solidFill>
+            </a:endParaRPr>
+          </a:p>
+        </p:txBody>
+      </p:sp>
+      <p:sp>
+        <p:nvSpPr>
+          <p:cNvPr id="3" name="Content Placeholder 2"/>
+          <p:cNvSpPr>
+            <a:spLocks noGrp="1"/>
+          </p:cNvSpPr>
+          <p:nvPr>
+            <p:ph idx="1"/>
+          </p:nvPr>
+        </p:nvSpPr>
+        <p:spPr/>
+        <p:txBody>
+          <a:bodyPr>
+            <a:normAutofit fontScale="92500" lnSpcReduction="20000"/>
+          </a:bodyPr>
+          <a:lstStyle/>
+          <a:p>
+            <a:pPr algn="just">
+              <a:lnSpc>
+                <a:spcPct val="150000"/>
+              </a:lnSpc>
+            </a:pPr>
+            <a:r>
+              <a:rPr lang="en-US" dirty="0" smtClean="0"/>
+              <a:t>Monitor module running concurrent assertions to trap protocol violations</a:t>
+            </a:r>
+          </a:p>
+          <a:p>
+            <a:pPr algn="just">
+              <a:lnSpc>
+                <a:spcPct val="150000"/>
+              </a:lnSpc>
+            </a:pPr>
+            <a:r>
+              <a:rPr lang="en-US" dirty="0" smtClean="0"/>
+              <a:t>Weighted randomizations allows more control on test vector generation</a:t>
+            </a:r>
+          </a:p>
+          <a:p>
+            <a:pPr algn="just">
+              <a:lnSpc>
+                <a:spcPct val="150000"/>
+              </a:lnSpc>
+            </a:pPr>
+            <a:r>
+              <a:rPr lang="en-US" dirty="0" smtClean="0"/>
+              <a:t>Randomization done on:</a:t>
+            </a:r>
+          </a:p>
+          <a:p>
+            <a:pPr lvl="1" algn="just">
+              <a:lnSpc>
+                <a:spcPct val="150000"/>
+              </a:lnSpc>
+            </a:pPr>
+            <a:r>
+              <a:rPr lang="en-US" dirty="0" smtClean="0"/>
+              <a:t>Environment configuration – Multiple nodes instantiated using generate blocks and simple ID assignment algorithm employed by transactor to configure acceptance filters </a:t>
+            </a:r>
+          </a:p>
+          <a:p>
+            <a:pPr lvl="1" algn="just">
+              <a:lnSpc>
+                <a:spcPct val="150000"/>
+              </a:lnSpc>
+            </a:pPr>
+            <a:r>
+              <a:rPr lang="en-US" dirty="0" smtClean="0"/>
+              <a:t>Device configuration – Random ID’s (hence randomized priority), Error injection, type of frames</a:t>
+            </a:r>
+          </a:p>
+          <a:p>
+            <a:pPr lvl="1"/>
+            <a:endParaRPr lang="en-US" dirty="0"/>
+          </a:p>
+        </p:txBody>
+      </p:sp>
+    </p:spTree>
+    <p:extLst>
+      <p:ext uri="{BB962C8B-B14F-4D97-AF65-F5344CB8AC3E}">
+        <p14:creationId xmlns:p14="http://schemas.microsoft.com/office/powerpoint/2010/main" val="3962304335"/>
+      </p:ext>
+    </p:extLst>
+  </p:cSld>
+  <p:clrMapOvr>
+    <a:masterClrMapping/>
+  </p:clrMapOvr>
+  <p:timing>
+    <p:tnLst>
+      <p:par>
+        <p:cTn id="1" dur="indefinite" restart="never" nodeType="tmRoot"/>
+      </p:par>
+    </p:tnLst>
+  </p:timing>
+</p:sld>
+</file>
+
+<file path=ppt/slides/slide38.xml><?xml version="1.0" encoding="utf-8"?>
+<p:sld xmlns:a="http://schemas.openxmlformats.org/drawingml/2006/main" xmlns:r="http://schemas.openxmlformats.org/officeDocument/2006/relationships" xmlns:p="http://schemas.openxmlformats.org/presentationml/2006/main">
+  <p:cSld>
+    <p:spTree>
+      <p:nvGrpSpPr>
+        <p:cNvPr id="1" name=""/>
+        <p:cNvGrpSpPr/>
+        <p:nvPr/>
+      </p:nvGrpSpPr>
+      <p:grpSpPr>
+        <a:xfrm>
+          <a:off x="0" y="0"/>
+          <a:ext cx="0" cy="0"/>
+          <a:chOff x="0" y="0"/>
+          <a:chExt cx="0" cy="0"/>
+        </a:xfrm>
+      </p:grpSpPr>
+      <p:sp>
+        <p:nvSpPr>
+          <p:cNvPr id="2" name="Title 1"/>
+          <p:cNvSpPr>
+            <a:spLocks noGrp="1"/>
+          </p:cNvSpPr>
+          <p:nvPr>
+            <p:ph type="title"/>
+          </p:nvPr>
+        </p:nvSpPr>
+        <p:spPr/>
+        <p:txBody>
+          <a:bodyPr/>
+          <a:lstStyle/>
+          <a:p>
+            <a:r>
+              <a:rPr lang="en-US" dirty="0" smtClean="0">
+                <a:solidFill>
+                  <a:schemeClr val="accent1">
+                    <a:lumMod val="75000"/>
+                  </a:schemeClr>
+                </a:solidFill>
+              </a:rPr>
+              <a:t>Summary</a:t>
+            </a:r>
+            <a:endParaRPr lang="en-US" dirty="0">
+              <a:solidFill>
+                <a:schemeClr val="accent1">
+                  <a:lumMod val="75000"/>
+                </a:schemeClr>
+              </a:solidFill>
+            </a:endParaRPr>
+          </a:p>
+        </p:txBody>
+      </p:sp>
+      <p:sp>
+        <p:nvSpPr>
+          <p:cNvPr id="3" name="Content Placeholder 2"/>
+          <p:cNvSpPr>
+            <a:spLocks noGrp="1"/>
+          </p:cNvSpPr>
+          <p:nvPr>
+            <p:ph idx="1"/>
+          </p:nvPr>
+        </p:nvSpPr>
+        <p:spPr/>
+        <p:txBody>
+          <a:bodyPr/>
+          <a:lstStyle/>
+          <a:p>
+            <a:pPr>
+              <a:lnSpc>
+                <a:spcPct val="150000"/>
+              </a:lnSpc>
+            </a:pPr>
+            <a:r>
+              <a:rPr lang="en-US" dirty="0" smtClean="0"/>
+              <a:t>Build design from scratch using only a specification document</a:t>
+            </a:r>
+          </a:p>
+          <a:p>
+            <a:pPr>
+              <a:lnSpc>
+                <a:spcPct val="150000"/>
+              </a:lnSpc>
+            </a:pPr>
+            <a:r>
+              <a:rPr lang="en-US" dirty="0" smtClean="0"/>
+              <a:t>Developed test environment for generating random stimulus and scoreboard</a:t>
+            </a:r>
+          </a:p>
+          <a:p>
+            <a:pPr>
+              <a:lnSpc>
+                <a:spcPct val="150000"/>
+              </a:lnSpc>
+            </a:pPr>
+            <a:r>
+              <a:rPr lang="en-US" dirty="0" smtClean="0"/>
+              <a:t>Exercised most of the system Verilog constructs gained from the course in both design and functional verification</a:t>
+            </a:r>
+            <a:endParaRPr lang="en-US" dirty="0"/>
+          </a:p>
+        </p:txBody>
+      </p:sp>
+    </p:spTree>
+    <p:extLst>
+      <p:ext uri="{BB962C8B-B14F-4D97-AF65-F5344CB8AC3E}">
+        <p14:creationId xmlns:p14="http://schemas.microsoft.com/office/powerpoint/2010/main" val="132156906"/>
+      </p:ext>
+    </p:extLst>
+  </p:cSld>
+  <p:clrMapOvr>
+    <a:masterClrMapping/>
+  </p:clrMapOvr>
+  <p:timing>
+    <p:tnLst>
+      <p:par>
+        <p:cTn id="1" dur="indefinite" restart="never" nodeType="tmRoot"/>
+      </p:par>
+    </p:tnLst>
+  </p:timing>
+</p:sld>
+</file>
+
+<file path=ppt/slides/slide39.xml><?xml version="1.0" encoding="utf-8"?>
+<p:sld xmlns:a="http://schemas.openxmlformats.org/drawingml/2006/main" xmlns:r="http://schemas.openxmlformats.org/officeDocument/2006/relationships" xmlns:p="http://schemas.openxmlformats.org/presentationml/2006/main">
+  <p:cSld>
+    <p:spTree>
+      <p:nvGrpSpPr>
+        <p:cNvPr id="1" name=""/>
+        <p:cNvGrpSpPr/>
+        <p:nvPr/>
+      </p:nvGrpSpPr>
+      <p:grpSpPr>
+        <a:xfrm>
+          <a:off x="0" y="0"/>
+          <a:ext cx="0" cy="0"/>
+          <a:chOff x="0" y="0"/>
+          <a:chExt cx="0" cy="0"/>
+        </a:xfrm>
+      </p:grpSpPr>
+      <p:sp>
+        <p:nvSpPr>
+          <p:cNvPr id="2" name="Title 1"/>
+          <p:cNvSpPr>
+            <a:spLocks noGrp="1"/>
+          </p:cNvSpPr>
+          <p:nvPr>
+            <p:ph type="title"/>
+          </p:nvPr>
+        </p:nvSpPr>
+        <p:spPr/>
+        <p:txBody>
+          <a:bodyPr/>
+          <a:lstStyle/>
+          <a:p>
+            <a:r>
+              <a:rPr lang="en-US" dirty="0" smtClean="0">
+                <a:solidFill>
+                  <a:schemeClr val="accent1">
+                    <a:lumMod val="75000"/>
+                  </a:schemeClr>
+                </a:solidFill>
+              </a:rPr>
+              <a:t>Questions ?</a:t>
+            </a:r>
+            <a:endParaRPr lang="en-US" dirty="0">
+              <a:solidFill>
+                <a:schemeClr val="accent1">
+                  <a:lumMod val="75000"/>
+                </a:schemeClr>
+              </a:solidFill>
+            </a:endParaRPr>
+          </a:p>
+        </p:txBody>
+      </p:sp>
+      <p:sp>
+        <p:nvSpPr>
+          <p:cNvPr id="3" name="Content Placeholder 2"/>
+          <p:cNvSpPr>
+            <a:spLocks noGrp="1"/>
+          </p:cNvSpPr>
+          <p:nvPr>
+            <p:ph idx="1"/>
+          </p:nvPr>
+        </p:nvSpPr>
+        <p:spPr/>
+        <p:txBody>
+          <a:bodyPr/>
+          <a:lstStyle/>
+          <a:p>
+            <a:endParaRPr lang="en-US" dirty="0"/>
+          </a:p>
+        </p:txBody>
+      </p:sp>
+    </p:spTree>
+    <p:extLst>
+      <p:ext uri="{BB962C8B-B14F-4D97-AF65-F5344CB8AC3E}">
+        <p14:creationId xmlns:p14="http://schemas.microsoft.com/office/powerpoint/2010/main" val="464833708"/>
       </p:ext>
     </p:extLst>
   </p:cSld>
@@ -4300,13 +9166,13 @@
         </p:nvSpPr>
         <p:spPr>
           <a:xfrm>
-            <a:off x="483359" y="1825625"/>
-            <a:ext cx="5494360" cy="4351338"/>
+            <a:off x="483362" y="1825625"/>
+            <a:ext cx="5494361" cy="4351339"/>
           </a:xfrm>
         </p:spPr>
         <p:txBody>
           <a:bodyPr>
-            <a:normAutofit fontScale="92500" lnSpcReduction="20000"/>
+            <a:normAutofit fontScale="92500" lnSpcReduction="10000"/>
           </a:bodyPr>
           <a:lstStyle/>
           <a:p>
@@ -4332,29 +9198,31 @@
             </a:r>
           </a:p>
           <a:p>
-            <a:pPr lvl="1" algn="just">
+            <a:pPr marL="457177" lvl="1" indent="0" algn="just">
               <a:lnSpc>
                 <a:spcPct val="150000"/>
               </a:lnSpc>
-              <a:buFontTx/>
-              <a:buChar char="-"/>
+              <a:buNone/>
             </a:pPr>
             <a:r>
               <a:rPr lang="en-US" dirty="0" smtClean="0"/>
-              <a:t>Master: Packets, Serializes and transmits on bus</a:t>
-            </a:r>
-          </a:p>
-          <a:p>
-            <a:pPr lvl="1" algn="just">
+              <a:t>- Packets, Serializes and transmits on bus</a:t>
+            </a:r>
+          </a:p>
+          <a:p>
+            <a:pPr marL="457177" lvl="1" indent="0" algn="just">
               <a:lnSpc>
                 <a:spcPct val="150000"/>
               </a:lnSpc>
-              <a:buFontTx/>
-              <a:buChar char="-"/>
+              <a:buNone/>
             </a:pPr>
             <a:r>
+              <a:rPr lang="en-US" smtClean="0"/>
+              <a:t>- Stores </a:t>
+            </a:r>
+            <a:r>
               <a:rPr lang="en-US" dirty="0" smtClean="0"/>
-              <a:t>Slave: Stores received bits and hands it over to CPU</a:t>
+              <a:t>received bits and hands it over to CPU</a:t>
             </a:r>
           </a:p>
           <a:p>
@@ -4387,8 +9255,8 @@
         </p:blipFill>
         <p:spPr>
           <a:xfrm>
-            <a:off x="6127845" y="1825625"/>
-            <a:ext cx="5754806" cy="4547095"/>
+            <a:off x="6127855" y="1825635"/>
+            <a:ext cx="5754807" cy="4547095"/>
           </a:xfrm>
           <a:prstGeom prst="rect">
             <a:avLst/>
@@ -4408,7 +9276,75 @@
   <p:timing>
     <p:tnLst>
       <p:par>
-        <p:cTn id="1" dur="indefinite" restart="never" nodeType="tmRoot"/>
+        <p:cTn id="1" dur="indefinite" restart="never" nodeType="tmRoot">
+          <p:childTnLst>
+            <p:seq concurrent="1" nextAc="seek">
+              <p:cTn id="2" dur="indefinite" nodeType="mainSeq">
+                <p:childTnLst>
+                  <p:par>
+                    <p:cTn id="3" fill="hold">
+                      <p:stCondLst>
+                        <p:cond delay="indefinite"/>
+                      </p:stCondLst>
+                      <p:childTnLst>
+                        <p:par>
+                          <p:cTn id="4" fill="hold">
+                            <p:stCondLst>
+                              <p:cond delay="0"/>
+                            </p:stCondLst>
+                            <p:childTnLst>
+                              <p:par>
+                                <p:cTn id="5" presetID="1" presetClass="entr" presetSubtype="0" fill="hold" nodeType="clickEffect">
+                                  <p:stCondLst>
+                                    <p:cond delay="0"/>
+                                  </p:stCondLst>
+                                  <p:childTnLst>
+                                    <p:set>
+                                      <p:cBhvr>
+                                        <p:cTn id="6" dur="1" fill="hold">
+                                          <p:stCondLst>
+                                            <p:cond delay="0"/>
+                                          </p:stCondLst>
+                                        </p:cTn>
+                                        <p:tgtEl>
+                                          <p:spTgt spid="4"/>
+                                        </p:tgtEl>
+                                        <p:attrNameLst>
+                                          <p:attrName>style.visibility</p:attrName>
+                                        </p:attrNameLst>
+                                      </p:cBhvr>
+                                      <p:to>
+                                        <p:strVal val="visible"/>
+                                      </p:to>
+                                    </p:set>
+                                  </p:childTnLst>
+                                </p:cTn>
+                              </p:par>
+                            </p:childTnLst>
+                          </p:cTn>
+                        </p:par>
+                      </p:childTnLst>
+                    </p:cTn>
+                  </p:par>
+                </p:childTnLst>
+              </p:cTn>
+              <p:prevCondLst>
+                <p:cond evt="onPrev" delay="0">
+                  <p:tgtEl>
+                    <p:sldTgt/>
+                  </p:tgtEl>
+                </p:cond>
+              </p:prevCondLst>
+              <p:nextCondLst>
+                <p:cond evt="onNext" delay="0">
+                  <p:tgtEl>
+                    <p:sldTgt/>
+                  </p:tgtEl>
+                </p:cond>
+              </p:nextCondLst>
+            </p:seq>
+          </p:childTnLst>
+        </p:cTn>
       </p:par>
     </p:tnLst>
   </p:timing>
@@ -4583,10 +9519,22 @@
           <a:lstStyle/>
           <a:p>
             <a:r>
-              <a:rPr lang="en-US" dirty="0" smtClean="0"/>
+              <a:rPr lang="en-US" dirty="0" smtClean="0">
+                <a:solidFill>
+                  <a:schemeClr val="accent1">
+                    <a:lumMod val="75000"/>
+                  </a:schemeClr>
+                </a:solidFill>
+              </a:rPr>
               <a:t>BASIC CONCEPTS</a:t>
             </a:r>
-            <a:endParaRPr lang="en-US" dirty="0"/>
+            <a:endParaRPr lang="en-US" dirty="0">
+              <a:solidFill>
+                <a:schemeClr val="accent1">
+                  <a:lumMod val="75000"/>
+                </a:schemeClr>
+              </a:solidFill>
+            </a:endParaRPr>
           </a:p>
         </p:txBody>
       </p:sp>
@@ -4658,7 +9606,7 @@
         </p:nvSpPr>
         <p:spPr>
           <a:xfrm>
-            <a:off x="838200" y="378773"/>
+            <a:off x="838205" y="378780"/>
             <a:ext cx="10515600" cy="1325563"/>
           </a:xfrm>
         </p:spPr>
@@ -4667,10 +9615,22 @@
           <a:lstStyle/>
           <a:p>
             <a:r>
-              <a:rPr lang="en-US" dirty="0" smtClean="0"/>
+              <a:rPr lang="en-US" dirty="0" smtClean="0">
+                <a:solidFill>
+                  <a:schemeClr val="accent1">
+                    <a:lumMod val="75000"/>
+                  </a:schemeClr>
+                </a:solidFill>
+              </a:rPr>
               <a:t>Bus Characteristics</a:t>
             </a:r>
-            <a:endParaRPr lang="en-US" dirty="0"/>
+            <a:endParaRPr lang="en-US" dirty="0">
+              <a:solidFill>
+                <a:schemeClr val="accent1">
+                  <a:lumMod val="75000"/>
+                </a:schemeClr>
+              </a:solidFill>
+            </a:endParaRPr>
           </a:p>
         </p:txBody>
       </p:sp>
@@ -4726,7 +9686,7 @@
             </a:r>
           </a:p>
           <a:p>
-            <a:pPr marL="457200" lvl="1" indent="0" algn="just">
+            <a:pPr marL="457166" lvl="1" indent="0" algn="just">
               <a:lnSpc>
                 <a:spcPct val="150000"/>
               </a:lnSpc>
@@ -4766,8 +9726,8 @@
         </p:blipFill>
         <p:spPr>
           <a:xfrm>
-            <a:off x="5459105" y="1704336"/>
-            <a:ext cx="4490113" cy="2401306"/>
+            <a:off x="5459116" y="1704341"/>
+            <a:ext cx="4490113" cy="2401307"/>
           </a:xfrm>
           <a:prstGeom prst="rect">
             <a:avLst/>
@@ -4787,7 +9747,75 @@
   <p:timing>
     <p:tnLst>
       <p:par>
-        <p:cTn id="1" dur="indefinite" restart="never" nodeType="tmRoot"/>
+        <p:cTn id="1" dur="indefinite" restart="never" nodeType="tmRoot">
+          <p:childTnLst>
+            <p:seq concurrent="1" nextAc="seek">
+              <p:cTn id="2" dur="indefinite" nodeType="mainSeq">
+                <p:childTnLst>
+                  <p:par>
+                    <p:cTn id="3" fill="hold">
+                      <p:stCondLst>
+                        <p:cond delay="indefinite"/>
+                      </p:stCondLst>
+                      <p:childTnLst>
+                        <p:par>
+                          <p:cTn id="4" fill="hold">
+                            <p:stCondLst>
+                              <p:cond delay="0"/>
+                            </p:stCondLst>
+                            <p:childTnLst>
+                              <p:par>
+                                <p:cTn id="5" presetID="1" presetClass="entr" presetSubtype="0" fill="hold" nodeType="clickEffect">
+                                  <p:stCondLst>
+                                    <p:cond delay="0"/>
+                                  </p:stCondLst>
+                                  <p:childTnLst>
+                                    <p:set>
+                                      <p:cBhvr>
+                                        <p:cTn id="6" dur="1" fill="hold">
+                                          <p:stCondLst>
+                                            <p:cond delay="0"/>
+                                          </p:stCondLst>
+                                        </p:cTn>
+                                        <p:tgtEl>
+                                          <p:spTgt spid="4"/>
+                                        </p:tgtEl>
+                                        <p:attrNameLst>
+                                          <p:attrName>style.visibility</p:attrName>
+                                        </p:attrNameLst>
+                                      </p:cBhvr>
+                                      <p:to>
+                                        <p:strVal val="visible"/>
+                                      </p:to>
+                                    </p:set>
+                                  </p:childTnLst>
+                                </p:cTn>
+                              </p:par>
+                            </p:childTnLst>
+                          </p:cTn>
+                        </p:par>
+                      </p:childTnLst>
+                    </p:cTn>
+                  </p:par>
+                </p:childTnLst>
+              </p:cTn>
+              <p:prevCondLst>
+                <p:cond evt="onPrev" delay="0">
+                  <p:tgtEl>
+                    <p:sldTgt/>
+                  </p:tgtEl>
+                </p:cond>
+              </p:prevCondLst>
+              <p:nextCondLst>
+                <p:cond evt="onNext" delay="0">
+                  <p:tgtEl>
+                    <p:sldTgt/>
+                  </p:tgtEl>
+                </p:cond>
+              </p:nextCondLst>
+            </p:seq>
+          </p:childTnLst>
+        </p:cTn>
       </p:par>
     </p:tnLst>
   </p:timing>
@@ -4827,10 +9855,22 @@
           <a:lstStyle/>
           <a:p>
             <a:r>
-              <a:rPr lang="en-US" dirty="0" smtClean="0"/>
+              <a:rPr lang="en-US" dirty="0" smtClean="0">
+                <a:solidFill>
+                  <a:schemeClr val="accent1">
+                    <a:lumMod val="75000"/>
+                  </a:schemeClr>
+                </a:solidFill>
+              </a:rPr>
               <a:t>Bus Access and Arbitration</a:t>
             </a:r>
-            <a:endParaRPr lang="en-US" dirty="0"/>
+            <a:endParaRPr lang="en-US" dirty="0">
+              <a:solidFill>
+                <a:schemeClr val="accent1">
+                  <a:lumMod val="75000"/>
+                </a:schemeClr>
+              </a:solidFill>
+            </a:endParaRPr>
           </a:p>
         </p:txBody>
       </p:sp>
@@ -4876,7 +9916,7 @@
             <a:endParaRPr lang="en-US" dirty="0"/>
           </a:p>
           <a:p>
-            <a:pPr marL="457200" lvl="1" indent="0">
+            <a:pPr marL="457166" lvl="1" indent="0">
               <a:buNone/>
             </a:pPr>
             <a:r>
@@ -4884,12 +9924,8 @@
               <a:t>	</a:t>
             </a:r>
             <a:r>
-              <a:rPr lang="en-US" sz="2000" dirty="0" smtClean="0"/>
-              <a:t>Bits</a:t>
-            </a:r>
-            <a:r>
               <a:rPr lang="en-US" sz="2000" dirty="0"/>
-              <a:t>	A[3]	A[2]	A[1]	A[0]</a:t>
+              <a:t>Bits	A[3]	A[2]	A[1]	A[0]</a:t>
             </a:r>
             <a:r>
               <a:rPr lang="en-US" dirty="0" smtClean="0"/>
@@ -4897,42 +9933,42 @@
             </a:r>
           </a:p>
           <a:p>
-            <a:pPr marL="457200" lvl="1" indent="0">
+            <a:pPr marL="457166" lvl="1" indent="0">
               <a:buNone/>
             </a:pPr>
             <a:r>
               <a:rPr lang="en-US" dirty="0" smtClean="0"/>
-              <a:t>Node 1	1	</a:t>
-            </a:r>
-          </a:p>
-          <a:p>
-            <a:pPr marL="457200" lvl="1" indent="0">
+              <a:t>Node 1		</a:t>
+            </a:r>
+          </a:p>
+          <a:p>
+            <a:pPr marL="457166" lvl="1" indent="0">
               <a:buNone/>
             </a:pPr>
             <a:endParaRPr lang="en-US" dirty="0"/>
           </a:p>
           <a:p>
-            <a:pPr marL="457200" lvl="1" indent="0">
+            <a:pPr marL="457166" lvl="1" indent="0">
               <a:buNone/>
             </a:pPr>
             <a:r>
               <a:rPr lang="en-US" dirty="0" smtClean="0"/>
-              <a:t>Node 2	1	</a:t>
-            </a:r>
-          </a:p>
-          <a:p>
-            <a:pPr marL="457200" lvl="1" indent="0">
+              <a:t>Node 2		</a:t>
+            </a:r>
+          </a:p>
+          <a:p>
+            <a:pPr marL="457166" lvl="1" indent="0">
               <a:buNone/>
             </a:pPr>
             <a:endParaRPr lang="en-US" dirty="0"/>
           </a:p>
           <a:p>
-            <a:pPr marL="457200" lvl="1" indent="0">
+            <a:pPr marL="457166" lvl="1" indent="0">
               <a:buNone/>
             </a:pPr>
             <a:r>
               <a:rPr lang="en-US" dirty="0" smtClean="0"/>
-              <a:t>Node 3	1</a:t>
+              <a:t>Node 3	</a:t>
             </a:r>
           </a:p>
         </p:txBody>
@@ -5173,10 +10209,22 @@
           <a:lstStyle/>
           <a:p>
             <a:r>
-              <a:rPr lang="en-US" dirty="0" smtClean="0"/>
+              <a:rPr lang="en-US" dirty="0" smtClean="0">
+                <a:solidFill>
+                  <a:schemeClr val="accent1">
+                    <a:lumMod val="75000"/>
+                  </a:schemeClr>
+                </a:solidFill>
+              </a:rPr>
               <a:t>Bus Access and Arbitration</a:t>
             </a:r>
-            <a:endParaRPr lang="en-US" dirty="0"/>
+            <a:endParaRPr lang="en-US" dirty="0">
+              <a:solidFill>
+                <a:schemeClr val="accent1">
+                  <a:lumMod val="75000"/>
+                </a:schemeClr>
+              </a:solidFill>
+            </a:endParaRPr>
           </a:p>
         </p:txBody>
       </p:sp>
@@ -5222,20 +10270,16 @@
             <a:endParaRPr lang="en-US" dirty="0"/>
           </a:p>
           <a:p>
-            <a:pPr marL="457200" lvl="1" indent="0">
+            <a:pPr marL="457166" lvl="1" indent="0">
               <a:buNone/>
             </a:pPr>
             <a:r>
+              <a:rPr lang="en-US" dirty="0"/>
+              <a:t>	</a:t>
+            </a:r>
+            <a:r>
               <a:rPr lang="en-US" sz="2000" dirty="0"/>
-              <a:t> </a:t>
-            </a:r>
-            <a:r>
-              <a:rPr lang="en-US" sz="2000" dirty="0" smtClean="0"/>
-              <a:t>	Bits</a:t>
-            </a:r>
-            <a:r>
-              <a:rPr lang="en-US" sz="2000" dirty="0"/>
-              <a:t>	A[3]	A[2]	A[1]	A[0]</a:t>
+              <a:t>Bits	A[3]	A[2]	A[1]	A[0]</a:t>
             </a:r>
             <a:r>
               <a:rPr lang="en-US" dirty="0" smtClean="0"/>
@@ -5243,42 +10287,42 @@
             </a:r>
           </a:p>
           <a:p>
-            <a:pPr marL="457200" lvl="1" indent="0">
+            <a:pPr marL="457166" lvl="1" indent="0">
               <a:buNone/>
             </a:pPr>
             <a:r>
               <a:rPr lang="en-US" dirty="0" smtClean="0"/>
-              <a:t>Node 1	1	0</a:t>
-            </a:r>
-          </a:p>
-          <a:p>
-            <a:pPr marL="457200" lvl="1" indent="0">
+              <a:t>Node 1	1	</a:t>
+            </a:r>
+          </a:p>
+          <a:p>
+            <a:pPr marL="457166" lvl="1" indent="0">
               <a:buNone/>
             </a:pPr>
             <a:endParaRPr lang="en-US" dirty="0"/>
           </a:p>
           <a:p>
-            <a:pPr marL="457200" lvl="1" indent="0">
+            <a:pPr marL="457166" lvl="1" indent="0">
               <a:buNone/>
             </a:pPr>
             <a:r>
               <a:rPr lang="en-US" dirty="0" smtClean="0"/>
-              <a:t>Node 2	1	0</a:t>
-            </a:r>
-          </a:p>
-          <a:p>
-            <a:pPr marL="457200" lvl="1" indent="0">
+              <a:t>Node 2	1	</a:t>
+            </a:r>
+          </a:p>
+          <a:p>
+            <a:pPr marL="457166" lvl="1" indent="0">
               <a:buNone/>
             </a:pPr>
             <a:endParaRPr lang="en-US" dirty="0"/>
           </a:p>
           <a:p>
-            <a:pPr marL="457200" lvl="1" indent="0">
+            <a:pPr marL="457166" lvl="1" indent="0">
               <a:buNone/>
             </a:pPr>
             <a:r>
               <a:rPr lang="en-US" dirty="0" smtClean="0"/>
-              <a:t>Node 3	1	1</a:t>
+              <a:t>Node 3	1</a:t>
             </a:r>
           </a:p>
         </p:txBody>
@@ -5286,7 +10330,7 @@
     </p:spTree>
     <p:extLst>
       <p:ext uri="{BB962C8B-B14F-4D97-AF65-F5344CB8AC3E}">
-        <p14:creationId xmlns:p14="http://schemas.microsoft.com/office/powerpoint/2010/main" val="3012665402"/>
+        <p14:creationId xmlns:p14="http://schemas.microsoft.com/office/powerpoint/2010/main" val="3446756887"/>
       </p:ext>
     </p:extLst>
   </p:cSld>
@@ -5562,4 +10606,265 @@
     </a:ext>
   </a:extLst>
 </a:theme>
+</file>
+
+<file path=ppt/theme/theme2.xml><?xml version="1.0" encoding="utf-8"?>
+<a:theme xmlns:a="http://schemas.openxmlformats.org/drawingml/2006/main" name="Office Theme">
+  <a:themeElements>
+    <a:clrScheme name="Office">
+      <a:dk1>
+        <a:sysClr val="windowText" lastClr="000000"/>
+      </a:dk1>
+      <a:lt1>
+        <a:sysClr val="window" lastClr="FFFFFF"/>
+      </a:lt1>
+      <a:dk2>
+        <a:srgbClr val="44546A"/>
+      </a:dk2>
+      <a:lt2>
+        <a:srgbClr val="E7E6E6"/>
+      </a:lt2>
+      <a:accent1>
+        <a:srgbClr val="5B9BD5"/>
+      </a:accent1>
+      <a:accent2>
+        <a:srgbClr val="ED7D31"/>
+      </a:accent2>
+      <a:accent3>
+        <a:srgbClr val="A5A5A5"/>
+      </a:accent3>
+      <a:accent4>
+        <a:srgbClr val="FFC000"/>
+      </a:accent4>
+      <a:accent5>
+        <a:srgbClr val="4472C4"/>
+      </a:accent5>
+      <a:accent6>
+        <a:srgbClr val="70AD47"/>
+      </a:accent6>
+      <a:hlink>
+        <a:srgbClr val="0563C1"/>
+      </a:hlink>
+      <a:folHlink>
+        <a:srgbClr val="954F72"/>
+      </a:folHlink>
+    </a:clrScheme>
+    <a:fontScheme name="Office">
+      <a:majorFont>
+        <a:latin typeface="Calibri Light" panose="020F0302020204030204"/>
+        <a:ea typeface=""/>
+        <a:cs typeface=""/>
+        <a:font script="Jpan" typeface="ＭＳ Ｐゴシック"/>
+        <a:font script="Hang" typeface="맑은 고딕"/>
+        <a:font script="Hans" typeface="宋体"/>
+        <a:font script="Hant" typeface="新細明體"/>
+        <a:font script="Arab" typeface="Times New Roman"/>
+        <a:font script="Hebr" typeface="Times New Roman"/>
+        <a:font script="Thai" typeface="Angsana New"/>
+        <a:font script="Ethi" typeface="Nyala"/>
+        <a:font script="Beng" typeface="Vrinda"/>
+        <a:font script="Gujr" typeface="Shruti"/>
+        <a:font script="Khmr" typeface="MoolBoran"/>
+        <a:font script="Knda" typeface="Tunga"/>
+        <a:font script="Guru" typeface="Raavi"/>
+        <a:font script="Cans" typeface="Euphemia"/>
+        <a:font script="Cher" typeface="Plantagenet Cherokee"/>
+        <a:font script="Yiii" typeface="Microsoft Yi Baiti"/>
+        <a:font script="Tibt" typeface="Microsoft Himalaya"/>
+        <a:font script="Thaa" typeface="MV Boli"/>
+        <a:font script="Deva" typeface="Mangal"/>
+        <a:font script="Telu" typeface="Gautami"/>
+        <a:font script="Taml" typeface="Latha"/>
+        <a:font script="Syrc" typeface="Estrangelo Edessa"/>
+        <a:font script="Orya" typeface="Kalinga"/>
+        <a:font script="Mlym" typeface="Kartika"/>
+        <a:font script="Laoo" typeface="DokChampa"/>
+        <a:font script="Sinh" typeface="Iskoola Pota"/>
+        <a:font script="Mong" typeface="Mongolian Baiti"/>
+        <a:font script="Viet" typeface="Times New Roman"/>
+        <a:font script="Uigh" typeface="Microsoft Uighur"/>
+        <a:font script="Geor" typeface="Sylfaen"/>
+      </a:majorFont>
+      <a:minorFont>
+        <a:latin typeface="Calibri" panose="020F0502020204030204"/>
+        <a:ea typeface=""/>
+        <a:cs typeface=""/>
+        <a:font script="Jpan" typeface="ＭＳ Ｐゴシック"/>
+        <a:font script="Hang" typeface="맑은 고딕"/>
+        <a:font script="Hans" typeface="宋体"/>
+        <a:font script="Hant" typeface="新細明體"/>
+        <a:font script="Arab" typeface="Arial"/>
+        <a:font script="Hebr" typeface="Arial"/>
+        <a:font script="Thai" typeface="Cordia New"/>
+        <a:font script="Ethi" typeface="Nyala"/>
+        <a:font script="Beng" typeface="Vrinda"/>
+        <a:font script="Gujr" typeface="Shruti"/>
+        <a:font script="Khmr" typeface="DaunPenh"/>
+        <a:font script="Knda" typeface="Tunga"/>
+        <a:font script="Guru" typeface="Raavi"/>
+        <a:font script="Cans" typeface="Euphemia"/>
+        <a:font script="Cher" typeface="Plantagenet Cherokee"/>
+        <a:font script="Yiii" typeface="Microsoft Yi Baiti"/>
+        <a:font script="Tibt" typeface="Microsoft Himalaya"/>
+        <a:font script="Thaa" typeface="MV Boli"/>
+        <a:font script="Deva" typeface="Mangal"/>
+        <a:font script="Telu" typeface="Gautami"/>
+        <a:font script="Taml" typeface="Latha"/>
+        <a:font script="Syrc" typeface="Estrangelo Edessa"/>
+        <a:font script="Orya" typeface="Kalinga"/>
+        <a:font script="Mlym" typeface="Kartika"/>
+        <a:font script="Laoo" typeface="DokChampa"/>
+        <a:font script="Sinh" typeface="Iskoola Pota"/>
+        <a:font script="Mong" typeface="Mongolian Baiti"/>
+        <a:font script="Viet" typeface="Arial"/>
+        <a:font script="Uigh" typeface="Microsoft Uighur"/>
+        <a:font script="Geor" typeface="Sylfaen"/>
+      </a:minorFont>
+    </a:fontScheme>
+    <a:fmtScheme name="Office">
+      <a:fillStyleLst>
+        <a:solidFill>
+          <a:schemeClr val="phClr"/>
+        </a:solidFill>
+        <a:gradFill rotWithShape="1">
+          <a:gsLst>
+            <a:gs pos="0">
+              <a:schemeClr val="phClr">
+                <a:lumMod val="110000"/>
+                <a:satMod val="105000"/>
+                <a:tint val="67000"/>
+              </a:schemeClr>
+            </a:gs>
+            <a:gs pos="50000">
+              <a:schemeClr val="phClr">
+                <a:lumMod val="105000"/>
+                <a:satMod val="103000"/>
+                <a:tint val="73000"/>
+              </a:schemeClr>
+            </a:gs>
+            <a:gs pos="100000">
+              <a:schemeClr val="phClr">
+                <a:lumMod val="105000"/>
+                <a:satMod val="109000"/>
+                <a:tint val="81000"/>
+              </a:schemeClr>
+            </a:gs>
+          </a:gsLst>
+          <a:lin ang="5400000" scaled="0"/>
+        </a:gradFill>
+        <a:gradFill rotWithShape="1">
+          <a:gsLst>
+            <a:gs pos="0">
+              <a:schemeClr val="phClr">
+                <a:satMod val="103000"/>
+                <a:lumMod val="102000"/>
+                <a:tint val="94000"/>
+              </a:schemeClr>
+            </a:gs>
+            <a:gs pos="50000">
+              <a:schemeClr val="phClr">
+                <a:satMod val="110000"/>
+                <a:lumMod val="100000"/>
+                <a:shade val="100000"/>
+              </a:schemeClr>
+            </a:gs>
+            <a:gs pos="100000">
+              <a:schemeClr val="phClr">
+                <a:lumMod val="99000"/>
+                <a:satMod val="120000"/>
+                <a:shade val="78000"/>
+              </a:schemeClr>
+            </a:gs>
+          </a:gsLst>
+          <a:lin ang="5400000" scaled="0"/>
+        </a:gradFill>
+      </a:fillStyleLst>
+      <a:lnStyleLst>
+        <a:ln w="6350" cap="flat" cmpd="sng" algn="ctr">
+          <a:solidFill>
+            <a:schemeClr val="phClr"/>
+          </a:solidFill>
+          <a:prstDash val="solid"/>
+          <a:miter lim="800000"/>
+        </a:ln>
+        <a:ln w="12700" cap="flat" cmpd="sng" algn="ctr">
+          <a:solidFill>
+            <a:schemeClr val="phClr"/>
+          </a:solidFill>
+          <a:prstDash val="solid"/>
+          <a:miter lim="800000"/>
+        </a:ln>
+        <a:ln w="19050" cap="flat" cmpd="sng" algn="ctr">
+          <a:solidFill>
+            <a:schemeClr val="phClr"/>
+          </a:solidFill>
+          <a:prstDash val="solid"/>
+          <a:miter lim="800000"/>
+        </a:ln>
+      </a:lnStyleLst>
+      <a:effectStyleLst>
+        <a:effectStyle>
+          <a:effectLst/>
+        </a:effectStyle>
+        <a:effectStyle>
+          <a:effectLst/>
+        </a:effectStyle>
+        <a:effectStyle>
+          <a:effectLst>
+            <a:outerShdw blurRad="57150" dist="19050" dir="5400000" algn="ctr" rotWithShape="0">
+              <a:srgbClr val="000000">
+                <a:alpha val="63000"/>
+              </a:srgbClr>
+            </a:outerShdw>
+          </a:effectLst>
+        </a:effectStyle>
+      </a:effectStyleLst>
+      <a:bgFillStyleLst>
+        <a:solidFill>
+          <a:schemeClr val="phClr"/>
+        </a:solidFill>
+        <a:solidFill>
+          <a:schemeClr val="phClr">
+            <a:tint val="95000"/>
+            <a:satMod val="170000"/>
+          </a:schemeClr>
+        </a:solidFill>
+        <a:gradFill rotWithShape="1">
+          <a:gsLst>
+            <a:gs pos="0">
+              <a:schemeClr val="phClr">
+                <a:tint val="93000"/>
+                <a:satMod val="150000"/>
+                <a:shade val="98000"/>
+                <a:lumMod val="102000"/>
+              </a:schemeClr>
+            </a:gs>
+            <a:gs pos="50000">
+              <a:schemeClr val="phClr">
+                <a:tint val="98000"/>
+                <a:satMod val="130000"/>
+                <a:shade val="90000"/>
+                <a:lumMod val="103000"/>
+              </a:schemeClr>
+            </a:gs>
+            <a:gs pos="100000">
+              <a:schemeClr val="phClr">
+                <a:shade val="63000"/>
+                <a:satMod val="120000"/>
+              </a:schemeClr>
+            </a:gs>
+          </a:gsLst>
+          <a:lin ang="5400000" scaled="0"/>
+        </a:gradFill>
+      </a:bgFillStyleLst>
+    </a:fmtScheme>
+  </a:themeElements>
+  <a:objectDefaults/>
+  <a:extraClrSchemeLst/>
+  <a:extLst>
+    <a:ext uri="{05A4C25C-085E-4340-85A3-A5531E510DB2}">
+      <thm15:themeFamily xmlns:thm15="http://schemas.microsoft.com/office/thememl/2012/main" name="Office Theme" id="{62F939B6-93AF-4DB8-9C6B-D6C7DFDC589F}" vid="{4A3C46E8-61CC-4603-A589-7422A47A8E4A}"/>
+    </a:ext>
+  </a:extLst>
+</a:theme>
 </file>
--- a/trunk/Docs/Final Project Presenatation.pptx
+++ b/trunk/Docs/Final Project Presenatation.pptx
@@ -3646,7 +3646,46 @@
                   </a:schemeClr>
                 </a:solidFill>
               </a:rPr>
-              <a:t>CAN Protocol Controller Design &amp; Verification</a:t>
+              <a:t>CAN Protocol </a:t>
+            </a:r>
+            <a:r>
+              <a:rPr lang="en-US" dirty="0" smtClean="0">
+                <a:solidFill>
+                  <a:schemeClr val="accent1">
+                    <a:lumMod val="50000"/>
+                  </a:schemeClr>
+                </a:solidFill>
+              </a:rPr>
+              <a:t>Controller: </a:t>
+            </a:r>
+            <a:br>
+              <a:rPr lang="en-US" dirty="0" smtClean="0">
+                <a:solidFill>
+                  <a:schemeClr val="accent1">
+                    <a:lumMod val="50000"/>
+                  </a:schemeClr>
+                </a:solidFill>
+              </a:rPr>
+            </a:br>
+            <a:r>
+              <a:rPr lang="en-US" dirty="0" smtClean="0">
+                <a:solidFill>
+                  <a:schemeClr val="accent1">
+                    <a:lumMod val="50000"/>
+                  </a:schemeClr>
+                </a:solidFill>
+              </a:rPr>
+              <a:t>Design </a:t>
+            </a:r>
+            <a:r>
+              <a:rPr lang="en-US" dirty="0" smtClean="0">
+                <a:solidFill>
+                  <a:schemeClr val="accent1">
+                    <a:lumMod val="50000"/>
+                  </a:schemeClr>
+                </a:solidFill>
+              </a:rPr>
+              <a:t>&amp; Verification</a:t>
             </a:r>
             <a:endParaRPr lang="en-US" dirty="0">
               <a:solidFill>
@@ -4651,6 +4690,86 @@
                       </p:childTnLst>
                     </p:cTn>
                   </p:par>
+                  <p:par>
+                    <p:cTn id="7" fill="hold">
+                      <p:stCondLst>
+                        <p:cond delay="indefinite"/>
+                      </p:stCondLst>
+                      <p:childTnLst>
+                        <p:par>
+                          <p:cTn id="8" fill="hold">
+                            <p:stCondLst>
+                              <p:cond delay="0"/>
+                            </p:stCondLst>
+                            <p:childTnLst>
+                              <p:par>
+                                <p:cTn id="9" presetID="1" presetClass="entr" presetSubtype="0" fill="hold" nodeType="clickEffect">
+                                  <p:stCondLst>
+                                    <p:cond delay="0"/>
+                                  </p:stCondLst>
+                                  <p:childTnLst>
+                                    <p:set>
+                                      <p:cBhvr>
+                                        <p:cTn id="10" dur="1" fill="hold">
+                                          <p:stCondLst>
+                                            <p:cond delay="0"/>
+                                          </p:stCondLst>
+                                        </p:cTn>
+                                        <p:tgtEl>
+                                          <p:spTgt spid="3">
+                                            <p:txEl>
+                                              <p:pRg st="2" end="2"/>
+                                            </p:txEl>
+                                          </p:spTgt>
+                                        </p:tgtEl>
+                                        <p:attrNameLst>
+                                          <p:attrName>style.visibility</p:attrName>
+                                        </p:attrNameLst>
+                                      </p:cBhvr>
+                                      <p:to>
+                                        <p:strVal val="visible"/>
+                                      </p:to>
+                                    </p:set>
+                                  </p:childTnLst>
+                                </p:cTn>
+                              </p:par>
+                              <p:par>
+                                <p:cTn id="11" presetID="1" presetClass="entr" presetSubtype="0" fill="hold" nodeType="withEffect">
+                                  <p:stCondLst>
+                                    <p:cond delay="0"/>
+                                  </p:stCondLst>
+                                  <p:childTnLst>
+                                    <p:set>
+                                      <p:cBhvr>
+                                        <p:cTn id="12" dur="1" fill="hold">
+                                          <p:stCondLst>
+                                            <p:cond delay="0"/>
+                                          </p:stCondLst>
+                                        </p:cTn>
+                                        <p:tgtEl>
+                                          <p:spTgt spid="3">
+                                            <p:txEl>
+                                              <p:pRg st="3" end="3"/>
+                                            </p:txEl>
+                                          </p:spTgt>
+                                        </p:tgtEl>
+                                        <p:attrNameLst>
+                                          <p:attrName>style.visibility</p:attrName>
+                                        </p:attrNameLst>
+                                      </p:cBhvr>
+                                      <p:to>
+                                        <p:strVal val="visible"/>
+                                      </p:to>
+                                    </p:set>
+                                  </p:childTnLst>
+                                </p:cTn>
+                              </p:par>
+                            </p:childTnLst>
+                          </p:cTn>
+                        </p:par>
+                      </p:childTnLst>
+                    </p:cTn>
+                  </p:par>
                 </p:childTnLst>
               </p:cTn>
               <p:prevCondLst>
@@ -4828,6 +4947,51 @@
                                     <p:set>
                                       <p:cBhvr>
                                         <p:cTn id="6" dur="1" fill="hold">
+                                          <p:stCondLst>
+                                            <p:cond delay="0"/>
+                                          </p:stCondLst>
+                                        </p:cTn>
+                                        <p:tgtEl>
+                                          <p:spTgt spid="17"/>
+                                        </p:tgtEl>
+                                        <p:attrNameLst>
+                                          <p:attrName>style.visibility</p:attrName>
+                                        </p:attrNameLst>
+                                      </p:cBhvr>
+                                      <p:to>
+                                        <p:strVal val="visible"/>
+                                      </p:to>
+                                    </p:set>
+                                  </p:childTnLst>
+                                </p:cTn>
+                              </p:par>
+                            </p:childTnLst>
+                          </p:cTn>
+                        </p:par>
+                      </p:childTnLst>
+                    </p:cTn>
+                  </p:par>
+                  <p:par>
+                    <p:cTn id="7" fill="hold">
+                      <p:stCondLst>
+                        <p:cond delay="indefinite"/>
+                      </p:stCondLst>
+                      <p:childTnLst>
+                        <p:par>
+                          <p:cTn id="8" fill="hold">
+                            <p:stCondLst>
+                              <p:cond delay="0"/>
+                            </p:stCondLst>
+                            <p:childTnLst>
+                              <p:par>
+                                <p:cTn id="9" presetID="1" presetClass="entr" presetSubtype="0" fill="hold" nodeType="clickEffect">
+                                  <p:stCondLst>
+                                    <p:cond delay="0"/>
+                                  </p:stCondLst>
+                                  <p:childTnLst>
+                                    <p:set>
+                                      <p:cBhvr>
+                                        <p:cTn id="10" dur="1" fill="hold">
                                           <p:stCondLst>
                                             <p:cond delay="0"/>
                                           </p:stCondLst>
@@ -6033,7 +6197,75 @@
   <p:timing>
     <p:tnLst>
       <p:par>
-        <p:cTn id="1" dur="indefinite" restart="never" nodeType="tmRoot"/>
+        <p:cTn id="1" dur="indefinite" restart="never" nodeType="tmRoot">
+          <p:childTnLst>
+            <p:seq concurrent="1" nextAc="seek">
+              <p:cTn id="2" dur="indefinite" nodeType="mainSeq">
+                <p:childTnLst>
+                  <p:par>
+                    <p:cTn id="3" fill="hold">
+                      <p:stCondLst>
+                        <p:cond delay="indefinite"/>
+                      </p:stCondLst>
+                      <p:childTnLst>
+                        <p:par>
+                          <p:cTn id="4" fill="hold">
+                            <p:stCondLst>
+                              <p:cond delay="0"/>
+                            </p:stCondLst>
+                            <p:childTnLst>
+                              <p:par>
+                                <p:cTn id="5" presetID="1" presetClass="entr" presetSubtype="0" fill="hold" nodeType="clickEffect">
+                                  <p:stCondLst>
+                                    <p:cond delay="0"/>
+                                  </p:stCondLst>
+                                  <p:childTnLst>
+                                    <p:set>
+                                      <p:cBhvr>
+                                        <p:cTn id="6" dur="1" fill="hold">
+                                          <p:stCondLst>
+                                            <p:cond delay="0"/>
+                                          </p:stCondLst>
+                                        </p:cTn>
+                                        <p:tgtEl>
+                                          <p:spTgt spid="6"/>
+                                        </p:tgtEl>
+                                        <p:attrNameLst>
+                                          <p:attrName>style.visibility</p:attrName>
+                                        </p:attrNameLst>
+                                      </p:cBhvr>
+                                      <p:to>
+                                        <p:strVal val="visible"/>
+                                      </p:to>
+                                    </p:set>
+                                  </p:childTnLst>
+                                </p:cTn>
+                              </p:par>
+                            </p:childTnLst>
+                          </p:cTn>
+                        </p:par>
+                      </p:childTnLst>
+                    </p:cTn>
+                  </p:par>
+                </p:childTnLst>
+              </p:cTn>
+              <p:prevCondLst>
+                <p:cond evt="onPrev" delay="0">
+                  <p:tgtEl>
+                    <p:sldTgt/>
+                  </p:tgtEl>
+                </p:cond>
+              </p:prevCondLst>
+              <p:nextCondLst>
+                <p:cond evt="onNext" delay="0">
+                  <p:tgtEl>
+                    <p:sldTgt/>
+                  </p:tgtEl>
+                </p:cond>
+              </p:nextCondLst>
+            </p:seq>
+          </p:childTnLst>
+        </p:cTn>
       </p:par>
     </p:tnLst>
   </p:timing>
@@ -6183,7 +6415,7 @@
       </p:sp>
       <p:pic>
         <p:nvPicPr>
-          <p:cNvPr id="9" name="Picture 8"/>
+          <p:cNvPr id="7" name="Picture 6"/>
           <p:cNvPicPr>
             <a:picLocks noChangeAspect="1"/>
           </p:cNvPicPr>
@@ -6197,8 +6429,8 @@
         </p:blipFill>
         <p:spPr>
           <a:xfrm>
-            <a:off x="672379" y="2337571"/>
-            <a:ext cx="4909557" cy="4520436"/>
+            <a:off x="838200" y="2722586"/>
+            <a:ext cx="4733925" cy="3105150"/>
           </a:xfrm>
           <a:prstGeom prst="rect">
             <a:avLst/>
@@ -6266,21 +6498,39 @@
                                   </p:childTnLst>
                                 </p:cTn>
                               </p:par>
+                            </p:childTnLst>
+                          </p:cTn>
+                        </p:par>
+                      </p:childTnLst>
+                    </p:cTn>
+                  </p:par>
+                  <p:par>
+                    <p:cTn id="7" fill="hold">
+                      <p:stCondLst>
+                        <p:cond delay="indefinite"/>
+                      </p:stCondLst>
+                      <p:childTnLst>
+                        <p:par>
+                          <p:cTn id="8" fill="hold">
+                            <p:stCondLst>
+                              <p:cond delay="0"/>
+                            </p:stCondLst>
+                            <p:childTnLst>
                               <p:par>
-                                <p:cTn id="7" presetID="1" presetClass="entr" presetSubtype="0" fill="hold" nodeType="withEffect">
+                                <p:cTn id="9" presetID="1" presetClass="entr" presetSubtype="0" fill="hold" nodeType="clickEffect">
                                   <p:stCondLst>
                                     <p:cond delay="0"/>
                                   </p:stCondLst>
                                   <p:childTnLst>
                                     <p:set>
                                       <p:cBhvr>
-                                        <p:cTn id="8" dur="1" fill="hold">
+                                        <p:cTn id="10" dur="1" fill="hold">
                                           <p:stCondLst>
                                             <p:cond delay="0"/>
                                           </p:stCondLst>
                                         </p:cTn>
                                         <p:tgtEl>
-                                          <p:spTgt spid="9"/>
+                                          <p:spTgt spid="7"/>
                                         </p:tgtEl>
                                         <p:attrNameLst>
                                           <p:attrName>style.visibility</p:attrName>
@@ -6300,26 +6550,26 @@
                     </p:cTn>
                   </p:par>
                   <p:par>
-                    <p:cTn id="9" fill="hold">
+                    <p:cTn id="11" fill="hold">
                       <p:stCondLst>
                         <p:cond delay="indefinite"/>
                       </p:stCondLst>
                       <p:childTnLst>
                         <p:par>
-                          <p:cTn id="10" fill="hold">
+                          <p:cTn id="12" fill="hold">
                             <p:stCondLst>
                               <p:cond delay="0"/>
                             </p:stCondLst>
                             <p:childTnLst>
                               <p:par>
-                                <p:cTn id="11" presetID="1" presetClass="entr" presetSubtype="0" fill="hold" grpId="0" nodeType="clickEffect">
+                                <p:cTn id="13" presetID="1" presetClass="entr" presetSubtype="0" fill="hold" grpId="0" nodeType="clickEffect">
                                   <p:stCondLst>
                                     <p:cond delay="0"/>
                                   </p:stCondLst>
                                   <p:childTnLst>
                                     <p:set>
                                       <p:cBhvr>
-                                        <p:cTn id="12" dur="1" fill="hold">
+                                        <p:cTn id="14" dur="1" fill="hold">
                                           <p:stCondLst>
                                             <p:cond delay="0"/>
                                           </p:stCondLst>
@@ -6338,15 +6588,33 @@
                                   </p:childTnLst>
                                 </p:cTn>
                               </p:par>
+                            </p:childTnLst>
+                          </p:cTn>
+                        </p:par>
+                      </p:childTnLst>
+                    </p:cTn>
+                  </p:par>
+                  <p:par>
+                    <p:cTn id="15" fill="hold">
+                      <p:stCondLst>
+                        <p:cond delay="indefinite"/>
+                      </p:stCondLst>
+                      <p:childTnLst>
+                        <p:par>
+                          <p:cTn id="16" fill="hold">
+                            <p:stCondLst>
+                              <p:cond delay="0"/>
+                            </p:stCondLst>
+                            <p:childTnLst>
                               <p:par>
-                                <p:cTn id="13" presetID="1" presetClass="entr" presetSubtype="0" fill="hold" nodeType="withEffect">
+                                <p:cTn id="17" presetID="1" presetClass="entr" presetSubtype="0" fill="hold" nodeType="clickEffect">
                                   <p:stCondLst>
                                     <p:cond delay="0"/>
                                   </p:stCondLst>
                                   <p:childTnLst>
                                     <p:set>
                                       <p:cBhvr>
-                                        <p:cTn id="14" dur="1" fill="hold">
+                                        <p:cTn id="18" dur="1" fill="hold">
                                           <p:stCondLst>
                                             <p:cond delay="0"/>
                                           </p:stCondLst>
@@ -8256,7 +8524,7 @@
             </a:pPr>
             <a:r>
               <a:rPr lang="en-US" dirty="0" smtClean="0"/>
-              <a:t>Logging of inputs and outputs in files</a:t>
+              <a:t>Logging of input and output packets in files</a:t>
             </a:r>
             <a:endParaRPr lang="en-US" dirty="0"/>
           </a:p>
@@ -8423,6 +8691,51 @@
                                     <p:set>
                                       <p:cBhvr>
                                         <p:cTn id="6" dur="1" fill="hold">
+                                          <p:stCondLst>
+                                            <p:cond delay="0"/>
+                                          </p:stCondLst>
+                                        </p:cTn>
+                                        <p:tgtEl>
+                                          <p:spTgt spid="4"/>
+                                        </p:tgtEl>
+                                        <p:attrNameLst>
+                                          <p:attrName>style.visibility</p:attrName>
+                                        </p:attrNameLst>
+                                      </p:cBhvr>
+                                      <p:to>
+                                        <p:strVal val="visible"/>
+                                      </p:to>
+                                    </p:set>
+                                  </p:childTnLst>
+                                </p:cTn>
+                              </p:par>
+                            </p:childTnLst>
+                          </p:cTn>
+                        </p:par>
+                      </p:childTnLst>
+                    </p:cTn>
+                  </p:par>
+                  <p:par>
+                    <p:cTn id="7" fill="hold">
+                      <p:stCondLst>
+                        <p:cond delay="indefinite"/>
+                      </p:stCondLst>
+                      <p:childTnLst>
+                        <p:par>
+                          <p:cTn id="8" fill="hold">
+                            <p:stCondLst>
+                              <p:cond delay="0"/>
+                            </p:stCondLst>
+                            <p:childTnLst>
+                              <p:par>
+                                <p:cTn id="9" presetID="1" presetClass="entr" presetSubtype="0" fill="hold" nodeType="clickEffect">
+                                  <p:stCondLst>
+                                    <p:cond delay="0"/>
+                                  </p:stCondLst>
+                                  <p:childTnLst>
+                                    <p:set>
+                                      <p:cBhvr>
+                                        <p:cTn id="10" dur="1" fill="hold">
                                           <p:stCondLst>
                                             <p:cond delay="0"/>
                                           </p:stCondLst>

--- a/trunk/Docs/Final Project Presenatation.pptx
+++ b/trunk/Docs/Final Project Presenatation.pptx
@@ -3646,17 +3646,7 @@
                   </a:schemeClr>
                 </a:solidFill>
               </a:rPr>
-              <a:t>CAN Protocol </a:t>
-            </a:r>
-            <a:r>
-              <a:rPr lang="en-US" dirty="0" smtClean="0">
-                <a:solidFill>
-                  <a:schemeClr val="accent1">
-                    <a:lumMod val="50000"/>
-                  </a:schemeClr>
-                </a:solidFill>
-              </a:rPr>
-              <a:t>Controller: </a:t>
+              <a:t>CAN Protocol Controller: </a:t>
             </a:r>
             <a:br>
               <a:rPr lang="en-US" dirty="0" smtClean="0">
@@ -3675,17 +3665,7 @@
                   </a:schemeClr>
                 </a:solidFill>
               </a:rPr>
-              <a:t>Design </a:t>
-            </a:r>
-            <a:r>
-              <a:rPr lang="en-US" dirty="0" smtClean="0">
-                <a:solidFill>
-                  <a:schemeClr val="accent1">
-                    <a:lumMod val="50000"/>
-                  </a:schemeClr>
-                </a:solidFill>
-              </a:rPr>
-              <a:t>&amp; Verification</a:t>
+              <a:t>Design &amp; Verification</a:t>
             </a:r>
             <a:endParaRPr lang="en-US" dirty="0">
               <a:solidFill>
@@ -8825,7 +8805,7 @@
                   </a:schemeClr>
                 </a:solidFill>
               </a:rPr>
-              <a:t>Scoreboard (Normal Mode)</a:t>
+              <a:t>Scoreboard: Normal Mode (with 4 Nodes)</a:t>
             </a:r>
             <a:endParaRPr lang="en-US" dirty="0">
               <a:solidFill>
@@ -8947,7 +8927,7 @@
                   </a:schemeClr>
                 </a:solidFill>
               </a:rPr>
-              <a:t>Scoreboard (Error inject Mode)</a:t>
+              <a:t>Scoreboard: Error inject Mode (with 4 Nodes)</a:t>
             </a:r>
             <a:endParaRPr lang="en-US" dirty="0">
               <a:solidFill>
@@ -9276,7 +9256,15 @@
             </a:pPr>
             <a:r>
               <a:rPr lang="en-US" dirty="0" smtClean="0"/>
-              <a:t>Build design from scratch using only a specification document</a:t>
+              <a:t>Build design from scratch </a:t>
+            </a:r>
+            <a:r>
+              <a:rPr lang="en-US" dirty="0" smtClean="0"/>
+              <a:t>using </a:t>
+            </a:r>
+            <a:r>
+              <a:rPr lang="en-US" dirty="0" smtClean="0"/>
+              <a:t>specification document</a:t>
             </a:r>
           </a:p>
           <a:p>

--- a/trunk/Docs/Final Project Presenatation.pptx
+++ b/trunk/Docs/Final Project Presenatation.pptx
@@ -46,7 +46,7 @@
     <p:sldId id="296" r:id="rId37"/>
     <p:sldId id="298" r:id="rId38"/>
     <p:sldId id="299" r:id="rId39"/>
-    <p:sldId id="300" r:id="rId40"/>
+    <p:sldId id="302" r:id="rId40"/>
   </p:sldIdLst>
   <p:sldSz cx="12192000" cy="6858000"/>
   <p:notesSz cx="6858000" cy="9144000"/>
@@ -9256,15 +9256,7 @@
             </a:pPr>
             <a:r>
               <a:rPr lang="en-US" dirty="0" smtClean="0"/>
-              <a:t>Build design from scratch </a:t>
-            </a:r>
-            <a:r>
-              <a:rPr lang="en-US" dirty="0" smtClean="0"/>
-              <a:t>using </a:t>
-            </a:r>
-            <a:r>
-              <a:rPr lang="en-US" dirty="0" smtClean="0"/>
-              <a:t>specification document</a:t>
+              <a:t>Build design from scratch using specification document</a:t>
             </a:r>
           </a:p>
           <a:p>
@@ -9352,7 +9344,7 @@
                   </a:schemeClr>
                 </a:solidFill>
               </a:rPr>
-              <a:t>Questions ?</a:t>
+              <a:t>References</a:t>
             </a:r>
             <a:endParaRPr lang="en-US" dirty="0">
               <a:solidFill>
@@ -9379,27 +9371,64 @@
           <a:bodyPr/>
           <a:lstStyle/>
           <a:p>
-            <a:endParaRPr lang="en-US" dirty="0"/>
+            <a:pPr algn="just">
+              <a:lnSpc>
+                <a:spcPct val="150000"/>
+              </a:lnSpc>
+            </a:pPr>
+            <a:r>
+              <a:rPr lang="en-US" dirty="0">
+                <a:solidFill>
+                  <a:schemeClr val="tx1">
+                    <a:lumMod val="95000"/>
+                    <a:lumOff val="5000"/>
+                  </a:schemeClr>
+                </a:solidFill>
+              </a:rPr>
+              <a:t>http://</a:t>
+            </a:r>
+            <a:r>
+              <a:rPr lang="en-US" dirty="0" smtClean="0">
+                <a:solidFill>
+                  <a:schemeClr val="tx1">
+                    <a:lumMod val="95000"/>
+                    <a:lumOff val="5000"/>
+                  </a:schemeClr>
+                </a:solidFill>
+              </a:rPr>
+              <a:t>www.bosch-semiconductors.de/media/pdf_1/canliteratur/can_fd_spec.pdf</a:t>
+            </a:r>
+          </a:p>
+          <a:p>
+            <a:pPr algn="just">
+              <a:lnSpc>
+                <a:spcPct val="150000"/>
+              </a:lnSpc>
+            </a:pPr>
+            <a:r>
+              <a:rPr lang="en-US" dirty="0">
+                <a:solidFill>
+                  <a:schemeClr val="tx1">
+                    <a:lumMod val="95000"/>
+                    <a:lumOff val="5000"/>
+                  </a:schemeClr>
+                </a:solidFill>
+              </a:rPr>
+              <a:t>http://en.wikipedia.org/wiki/CAN_bus</a:t>
+            </a:r>
           </a:p>
         </p:txBody>
       </p:sp>
     </p:spTree>
     <p:extLst>
       <p:ext uri="{BB962C8B-B14F-4D97-AF65-F5344CB8AC3E}">
-        <p14:creationId xmlns:p14="http://schemas.microsoft.com/office/powerpoint/2010/main" val="464833708"/>
+        <p14:creationId xmlns:p14="http://schemas.microsoft.com/office/powerpoint/2010/main" val="2250751181"/>
       </p:ext>
     </p:extLst>
   </p:cSld>
   <p:clrMapOvr>
     <a:masterClrMapping/>
   </p:clrMapOvr>
-  <p:timing>
-    <p:tnLst>
-      <p:par>
-        <p:cTn id="1" dur="indefinite" restart="never" nodeType="tmRoot"/>
-      </p:par>
-    </p:tnLst>
-  </p:timing>
 </p:sld>
 </file>
 
